--- a/A01 - Intro/A01_Intro.pptx
+++ b/A01 - Intro/A01_Intro.pptx
@@ -4,21 +4,32 @@
   <p:sldMasterIdLst>
     <p:sldMasterId id="2147483840" r:id="rId1"/>
   </p:sldMasterIdLst>
+  <p:notesMasterIdLst>
+    <p:notesMasterId r:id="rId24"/>
+  </p:notesMasterIdLst>
   <p:sldIdLst>
     <p:sldId id="256" r:id="rId2"/>
-    <p:sldId id="257" r:id="rId3"/>
-    <p:sldId id="258" r:id="rId4"/>
-    <p:sldId id="263" r:id="rId5"/>
-    <p:sldId id="259" r:id="rId6"/>
-    <p:sldId id="260" r:id="rId7"/>
-    <p:sldId id="261" r:id="rId8"/>
-    <p:sldId id="264" r:id="rId9"/>
-    <p:sldId id="265" r:id="rId10"/>
-    <p:sldId id="262" r:id="rId11"/>
-    <p:sldId id="266" r:id="rId12"/>
-    <p:sldId id="267" r:id="rId13"/>
-    <p:sldId id="268" r:id="rId14"/>
-    <p:sldId id="269" r:id="rId15"/>
+    <p:sldId id="274" r:id="rId3"/>
+    <p:sldId id="271" r:id="rId4"/>
+    <p:sldId id="272" r:id="rId5"/>
+    <p:sldId id="275" r:id="rId6"/>
+    <p:sldId id="257" r:id="rId7"/>
+    <p:sldId id="258" r:id="rId8"/>
+    <p:sldId id="276" r:id="rId9"/>
+    <p:sldId id="263" r:id="rId10"/>
+    <p:sldId id="259" r:id="rId11"/>
+    <p:sldId id="260" r:id="rId12"/>
+    <p:sldId id="277" r:id="rId13"/>
+    <p:sldId id="270" r:id="rId14"/>
+    <p:sldId id="261" r:id="rId15"/>
+    <p:sldId id="264" r:id="rId16"/>
+    <p:sldId id="265" r:id="rId17"/>
+    <p:sldId id="262" r:id="rId18"/>
+    <p:sldId id="278" r:id="rId19"/>
+    <p:sldId id="266" r:id="rId20"/>
+    <p:sldId id="267" r:id="rId21"/>
+    <p:sldId id="268" r:id="rId22"/>
+    <p:sldId id="269" r:id="rId23"/>
   </p:sldIdLst>
   <p:sldSz cx="12192000" cy="6858000"/>
   <p:notesSz cx="6858000" cy="9144000"/>
@@ -125,6 +136,355 @@
 </p:presentation>
 </file>
 
+<file path=ppt/notesMasters/notesMaster1.xml><?xml version="1.0" encoding="utf-8"?>
+<p:notesMaster xmlns:a="http://schemas.openxmlformats.org/drawingml/2006/main" xmlns:r="http://schemas.openxmlformats.org/officeDocument/2006/relationships" xmlns:p="http://schemas.openxmlformats.org/presentationml/2006/main">
+  <p:cSld>
+    <p:bg>
+      <p:bgRef idx="1001">
+        <a:schemeClr val="bg1"/>
+      </p:bgRef>
+    </p:bg>
+    <p:spTree>
+      <p:nvGrpSpPr>
+        <p:cNvPr id="1" name=""/>
+        <p:cNvGrpSpPr/>
+        <p:nvPr/>
+      </p:nvGrpSpPr>
+      <p:grpSpPr>
+        <a:xfrm>
+          <a:off x="0" y="0"/>
+          <a:ext cx="0" cy="0"/>
+          <a:chOff x="0" y="0"/>
+          <a:chExt cx="0" cy="0"/>
+        </a:xfrm>
+      </p:grpSpPr>
+      <p:sp>
+        <p:nvSpPr>
+          <p:cNvPr id="2" name="Espaço Reservado para Cabeçalho 1"/>
+          <p:cNvSpPr>
+            <a:spLocks noGrp="1"/>
+          </p:cNvSpPr>
+          <p:nvPr>
+            <p:ph type="hdr" sz="quarter"/>
+          </p:nvPr>
+        </p:nvSpPr>
+        <p:spPr>
+          <a:xfrm>
+            <a:off x="0" y="0"/>
+            <a:ext cx="2971800" cy="458788"/>
+          </a:xfrm>
+          <a:prstGeom prst="rect">
+            <a:avLst/>
+          </a:prstGeom>
+        </p:spPr>
+        <p:txBody>
+          <a:bodyPr vert="horz" lIns="91440" tIns="45720" rIns="91440" bIns="45720" rtlCol="0"/>
+          <a:lstStyle>
+            <a:lvl1pPr algn="l">
+              <a:defRPr sz="1200"/>
+            </a:lvl1pPr>
+          </a:lstStyle>
+          <a:p>
+            <a:endParaRPr lang="pt-BR"/>
+          </a:p>
+        </p:txBody>
+      </p:sp>
+      <p:sp>
+        <p:nvSpPr>
+          <p:cNvPr id="3" name="Espaço Reservado para Data 2"/>
+          <p:cNvSpPr>
+            <a:spLocks noGrp="1"/>
+          </p:cNvSpPr>
+          <p:nvPr>
+            <p:ph type="dt" idx="1"/>
+          </p:nvPr>
+        </p:nvSpPr>
+        <p:spPr>
+          <a:xfrm>
+            <a:off x="3884613" y="0"/>
+            <a:ext cx="2971800" cy="458788"/>
+          </a:xfrm>
+          <a:prstGeom prst="rect">
+            <a:avLst/>
+          </a:prstGeom>
+        </p:spPr>
+        <p:txBody>
+          <a:bodyPr vert="horz" lIns="91440" tIns="45720" rIns="91440" bIns="45720" rtlCol="0"/>
+          <a:lstStyle>
+            <a:lvl1pPr algn="r">
+              <a:defRPr sz="1200"/>
+            </a:lvl1pPr>
+          </a:lstStyle>
+          <a:p>
+            <a:fld id="{75E9302D-A272-4E23-90FC-89FFA96E30A2}" type="datetimeFigureOut">
+              <a:rPr lang="pt-BR" smtClean="0"/>
+              <a:t>17/07/2023</a:t>
+            </a:fld>
+            <a:endParaRPr lang="pt-BR"/>
+          </a:p>
+        </p:txBody>
+      </p:sp>
+      <p:sp>
+        <p:nvSpPr>
+          <p:cNvPr id="4" name="Espaço Reservado para Imagem de Slide 3"/>
+          <p:cNvSpPr>
+            <a:spLocks noGrp="1" noRot="1" noChangeAspect="1"/>
+          </p:cNvSpPr>
+          <p:nvPr>
+            <p:ph type="sldImg" idx="2"/>
+          </p:nvPr>
+        </p:nvSpPr>
+        <p:spPr>
+          <a:xfrm>
+            <a:off x="685800" y="1143000"/>
+            <a:ext cx="5486400" cy="3086100"/>
+          </a:xfrm>
+          <a:prstGeom prst="rect">
+            <a:avLst/>
+          </a:prstGeom>
+          <a:noFill/>
+          <a:ln w="12700">
+            <a:solidFill>
+              <a:prstClr val="black"/>
+            </a:solidFill>
+          </a:ln>
+        </p:spPr>
+        <p:txBody>
+          <a:bodyPr vert="horz" lIns="91440" tIns="45720" rIns="91440" bIns="45720" rtlCol="0" anchor="ctr"/>
+          <a:lstStyle/>
+          <a:p>
+            <a:endParaRPr lang="pt-BR"/>
+          </a:p>
+        </p:txBody>
+      </p:sp>
+      <p:sp>
+        <p:nvSpPr>
+          <p:cNvPr id="5" name="Espaço Reservado para Anotações 4"/>
+          <p:cNvSpPr>
+            <a:spLocks noGrp="1"/>
+          </p:cNvSpPr>
+          <p:nvPr>
+            <p:ph type="body" sz="quarter" idx="3"/>
+          </p:nvPr>
+        </p:nvSpPr>
+        <p:spPr>
+          <a:xfrm>
+            <a:off x="685800" y="4400550"/>
+            <a:ext cx="5486400" cy="3600450"/>
+          </a:xfrm>
+          <a:prstGeom prst="rect">
+            <a:avLst/>
+          </a:prstGeom>
+        </p:spPr>
+        <p:txBody>
+          <a:bodyPr vert="horz" lIns="91440" tIns="45720" rIns="91440" bIns="45720" rtlCol="0"/>
+          <a:lstStyle/>
+          <a:p>
+            <a:pPr lvl="0"/>
+            <a:r>
+              <a:rPr lang="pt-BR"/>
+              <a:t>Clique para editar os estilos de texto Mestres</a:t>
+            </a:r>
+          </a:p>
+          <a:p>
+            <a:pPr lvl="1"/>
+            <a:r>
+              <a:rPr lang="pt-BR"/>
+              <a:t>Segundo nível</a:t>
+            </a:r>
+          </a:p>
+          <a:p>
+            <a:pPr lvl="2"/>
+            <a:r>
+              <a:rPr lang="pt-BR"/>
+              <a:t>Terceiro nível</a:t>
+            </a:r>
+          </a:p>
+          <a:p>
+            <a:pPr lvl="3"/>
+            <a:r>
+              <a:rPr lang="pt-BR"/>
+              <a:t>Quarto nível</a:t>
+            </a:r>
+          </a:p>
+          <a:p>
+            <a:pPr lvl="4"/>
+            <a:r>
+              <a:rPr lang="pt-BR"/>
+              <a:t>Quinto nível</a:t>
+            </a:r>
+          </a:p>
+        </p:txBody>
+      </p:sp>
+      <p:sp>
+        <p:nvSpPr>
+          <p:cNvPr id="6" name="Espaço Reservado para Rodapé 5"/>
+          <p:cNvSpPr>
+            <a:spLocks noGrp="1"/>
+          </p:cNvSpPr>
+          <p:nvPr>
+            <p:ph type="ftr" sz="quarter" idx="4"/>
+          </p:nvPr>
+        </p:nvSpPr>
+        <p:spPr>
+          <a:xfrm>
+            <a:off x="0" y="8685213"/>
+            <a:ext cx="2971800" cy="458787"/>
+          </a:xfrm>
+          <a:prstGeom prst="rect">
+            <a:avLst/>
+          </a:prstGeom>
+        </p:spPr>
+        <p:txBody>
+          <a:bodyPr vert="horz" lIns="91440" tIns="45720" rIns="91440" bIns="45720" rtlCol="0" anchor="b"/>
+          <a:lstStyle>
+            <a:lvl1pPr algn="l">
+              <a:defRPr sz="1200"/>
+            </a:lvl1pPr>
+          </a:lstStyle>
+          <a:p>
+            <a:endParaRPr lang="pt-BR"/>
+          </a:p>
+        </p:txBody>
+      </p:sp>
+      <p:sp>
+        <p:nvSpPr>
+          <p:cNvPr id="7" name="Espaço Reservado para Número de Slide 6"/>
+          <p:cNvSpPr>
+            <a:spLocks noGrp="1"/>
+          </p:cNvSpPr>
+          <p:nvPr>
+            <p:ph type="sldNum" sz="quarter" idx="5"/>
+          </p:nvPr>
+        </p:nvSpPr>
+        <p:spPr>
+          <a:xfrm>
+            <a:off x="3884613" y="8685213"/>
+            <a:ext cx="2971800" cy="458787"/>
+          </a:xfrm>
+          <a:prstGeom prst="rect">
+            <a:avLst/>
+          </a:prstGeom>
+        </p:spPr>
+        <p:txBody>
+          <a:bodyPr vert="horz" lIns="91440" tIns="45720" rIns="91440" bIns="45720" rtlCol="0" anchor="b"/>
+          <a:lstStyle>
+            <a:lvl1pPr algn="r">
+              <a:defRPr sz="1200"/>
+            </a:lvl1pPr>
+          </a:lstStyle>
+          <a:p>
+            <a:fld id="{2B8BFC65-BD4F-4DC1-B0BF-00EECF765E25}" type="slidenum">
+              <a:rPr lang="pt-BR" smtClean="0"/>
+              <a:t>‹nº›</a:t>
+            </a:fld>
+            <a:endParaRPr lang="pt-BR"/>
+          </a:p>
+        </p:txBody>
+      </p:sp>
+    </p:spTree>
+    <p:extLst>
+      <p:ext uri="{BB962C8B-B14F-4D97-AF65-F5344CB8AC3E}">
+        <p14:creationId xmlns:p14="http://schemas.microsoft.com/office/powerpoint/2010/main" val="461543876"/>
+      </p:ext>
+    </p:extLst>
+  </p:cSld>
+  <p:clrMap bg1="lt1" tx1="dk1" bg2="lt2" tx2="dk2" accent1="accent1" accent2="accent2" accent3="accent3" accent4="accent4" accent5="accent5" accent6="accent6" hlink="hlink" folHlink="folHlink"/>
+  <p:notesStyle>
+    <a:lvl1pPr marL="0" algn="l" defTabSz="914400" rtl="0" eaLnBrk="1" latinLnBrk="0" hangingPunct="1">
+      <a:defRPr sz="1200" kern="1200">
+        <a:solidFill>
+          <a:schemeClr val="tx1"/>
+        </a:solidFill>
+        <a:latin typeface="+mn-lt"/>
+        <a:ea typeface="+mn-ea"/>
+        <a:cs typeface="+mn-cs"/>
+      </a:defRPr>
+    </a:lvl1pPr>
+    <a:lvl2pPr marL="457200" algn="l" defTabSz="914400" rtl="0" eaLnBrk="1" latinLnBrk="0" hangingPunct="1">
+      <a:defRPr sz="1200" kern="1200">
+        <a:solidFill>
+          <a:schemeClr val="tx1"/>
+        </a:solidFill>
+        <a:latin typeface="+mn-lt"/>
+        <a:ea typeface="+mn-ea"/>
+        <a:cs typeface="+mn-cs"/>
+      </a:defRPr>
+    </a:lvl2pPr>
+    <a:lvl3pPr marL="914400" algn="l" defTabSz="914400" rtl="0" eaLnBrk="1" latinLnBrk="0" hangingPunct="1">
+      <a:defRPr sz="1200" kern="1200">
+        <a:solidFill>
+          <a:schemeClr val="tx1"/>
+        </a:solidFill>
+        <a:latin typeface="+mn-lt"/>
+        <a:ea typeface="+mn-ea"/>
+        <a:cs typeface="+mn-cs"/>
+      </a:defRPr>
+    </a:lvl3pPr>
+    <a:lvl4pPr marL="1371600" algn="l" defTabSz="914400" rtl="0" eaLnBrk="1" latinLnBrk="0" hangingPunct="1">
+      <a:defRPr sz="1200" kern="1200">
+        <a:solidFill>
+          <a:schemeClr val="tx1"/>
+        </a:solidFill>
+        <a:latin typeface="+mn-lt"/>
+        <a:ea typeface="+mn-ea"/>
+        <a:cs typeface="+mn-cs"/>
+      </a:defRPr>
+    </a:lvl4pPr>
+    <a:lvl5pPr marL="1828800" algn="l" defTabSz="914400" rtl="0" eaLnBrk="1" latinLnBrk="0" hangingPunct="1">
+      <a:defRPr sz="1200" kern="1200">
+        <a:solidFill>
+          <a:schemeClr val="tx1"/>
+        </a:solidFill>
+        <a:latin typeface="+mn-lt"/>
+        <a:ea typeface="+mn-ea"/>
+        <a:cs typeface="+mn-cs"/>
+      </a:defRPr>
+    </a:lvl5pPr>
+    <a:lvl6pPr marL="2286000" algn="l" defTabSz="914400" rtl="0" eaLnBrk="1" latinLnBrk="0" hangingPunct="1">
+      <a:defRPr sz="1200" kern="1200">
+        <a:solidFill>
+          <a:schemeClr val="tx1"/>
+        </a:solidFill>
+        <a:latin typeface="+mn-lt"/>
+        <a:ea typeface="+mn-ea"/>
+        <a:cs typeface="+mn-cs"/>
+      </a:defRPr>
+    </a:lvl6pPr>
+    <a:lvl7pPr marL="2743200" algn="l" defTabSz="914400" rtl="0" eaLnBrk="1" latinLnBrk="0" hangingPunct="1">
+      <a:defRPr sz="1200" kern="1200">
+        <a:solidFill>
+          <a:schemeClr val="tx1"/>
+        </a:solidFill>
+        <a:latin typeface="+mn-lt"/>
+        <a:ea typeface="+mn-ea"/>
+        <a:cs typeface="+mn-cs"/>
+      </a:defRPr>
+    </a:lvl7pPr>
+    <a:lvl8pPr marL="3200400" algn="l" defTabSz="914400" rtl="0" eaLnBrk="1" latinLnBrk="0" hangingPunct="1">
+      <a:defRPr sz="1200" kern="1200">
+        <a:solidFill>
+          <a:schemeClr val="tx1"/>
+        </a:solidFill>
+        <a:latin typeface="+mn-lt"/>
+        <a:ea typeface="+mn-ea"/>
+        <a:cs typeface="+mn-cs"/>
+      </a:defRPr>
+    </a:lvl8pPr>
+    <a:lvl9pPr marL="3657600" algn="l" defTabSz="914400" rtl="0" eaLnBrk="1" latinLnBrk="0" hangingPunct="1">
+      <a:defRPr sz="1200" kern="1200">
+        <a:solidFill>
+          <a:schemeClr val="tx1"/>
+        </a:solidFill>
+        <a:latin typeface="+mn-lt"/>
+        <a:ea typeface="+mn-ea"/>
+        <a:cs typeface="+mn-cs"/>
+      </a:defRPr>
+    </a:lvl9pPr>
+  </p:notesStyle>
+</p:notesMaster>
+</file>
+
 <file path=ppt/slideLayouts/slideLayout1.xml><?xml version="1.0" encoding="utf-8"?>
 <p:sldLayout xmlns:a="http://schemas.openxmlformats.org/drawingml/2006/main" xmlns:r="http://schemas.openxmlformats.org/officeDocument/2006/relationships" xmlns:p="http://schemas.openxmlformats.org/presentationml/2006/main" showMasterSp="0" type="title" preserve="1">
   <p:cSld name="Slide de Título">
@@ -347,10 +707,9 @@
           <a:bodyPr/>
           <a:lstStyle/>
           <a:p>
-            <a:fld id="{5586B75A-687E-405C-8A0B-8D00578BA2C3}" type="datetimeFigureOut">
-              <a:rPr lang="en-US" dirty="0"/>
-              <a:pPr/>
-              <a:t>4/26/2023</a:t>
+            <a:fld id="{0D08EE3F-DF1A-4A86-9339-0C1E19B7B5B6}" type="datetime1">
+              <a:rPr lang="en-US" smtClean="0"/>
+              <a:t>7/17/2023</a:t>
             </a:fld>
             <a:endParaRPr lang="en-US" dirty="0"/>
           </a:p>
@@ -388,13 +747,12 @@
         <p:spPr/>
         <p:txBody>
           <a:bodyPr/>
-          <a:lstStyle/>
-          <a:p>
-            <a:fld id="{4FAB73BC-B049-4115-A692-8D63A059BFB8}" type="slidenum">
-              <a:rPr lang="en-US" dirty="0"/>
-              <a:pPr/>
-              <a:t>‹nº›</a:t>
-            </a:fld>
+          <a:lstStyle>
+            <a:lvl1pPr>
+              <a:defRPr sz="3600"/>
+            </a:lvl1pPr>
+          </a:lstStyle>
+          <a:p>
             <a:endParaRPr lang="en-US" dirty="0"/>
           </a:p>
         </p:txBody>
@@ -514,10 +872,9 @@
           <a:bodyPr/>
           <a:lstStyle/>
           <a:p>
-            <a:fld id="{5586B75A-687E-405C-8A0B-8D00578BA2C3}" type="datetimeFigureOut">
-              <a:rPr lang="en-US" dirty="0"/>
-              <a:pPr/>
-              <a:t>4/26/2023</a:t>
+            <a:fld id="{DF8DB74C-F68F-444C-9218-BC7E08C19B53}" type="datetime1">
+              <a:rPr lang="en-US" smtClean="0"/>
+              <a:t>7/17/2023</a:t>
             </a:fld>
             <a:endParaRPr lang="en-US" dirty="0"/>
           </a:p>
@@ -691,10 +1048,9 @@
           <a:bodyPr/>
           <a:lstStyle/>
           <a:p>
-            <a:fld id="{5586B75A-687E-405C-8A0B-8D00578BA2C3}" type="datetimeFigureOut">
-              <a:rPr lang="en-US" dirty="0"/>
-              <a:pPr/>
-              <a:t>4/26/2023</a:t>
+            <a:fld id="{AFA2B5DE-9977-4C8B-856C-848FCBCBA7DA}" type="datetime1">
+              <a:rPr lang="en-US" smtClean="0"/>
+              <a:t>7/17/2023</a:t>
             </a:fld>
             <a:endParaRPr lang="en-US" dirty="0"/>
           </a:p>
@@ -858,10 +1214,9 @@
           <a:bodyPr/>
           <a:lstStyle/>
           <a:p>
-            <a:fld id="{5586B75A-687E-405C-8A0B-8D00578BA2C3}" type="datetimeFigureOut">
-              <a:rPr lang="en-US" dirty="0"/>
-              <a:pPr/>
-              <a:t>4/26/2023</a:t>
+            <a:fld id="{F26BF739-6AF4-4436-B55E-E484298E7D1A}" type="datetime1">
+              <a:rPr lang="en-US" smtClean="0"/>
+              <a:t>7/17/2023</a:t>
             </a:fld>
             <a:endParaRPr lang="en-US" dirty="0"/>
           </a:p>
@@ -896,13 +1251,22 @@
             <p:ph type="sldNum" sz="quarter" idx="12"/>
           </p:nvPr>
         </p:nvSpPr>
-        <p:spPr/>
+        <p:spPr>
+          <a:xfrm>
+            <a:off x="10661073" y="6374044"/>
+            <a:ext cx="1530927" cy="365125"/>
+          </a:xfrm>
+        </p:spPr>
         <p:txBody>
           <a:bodyPr/>
-          <a:lstStyle/>
+          <a:lstStyle>
+            <a:lvl1pPr>
+              <a:defRPr sz="3600"/>
+            </a:lvl1pPr>
+          </a:lstStyle>
           <a:p>
             <a:fld id="{4FAB73BC-B049-4115-A692-8D63A059BFB8}" type="slidenum">
-              <a:rPr lang="en-US" dirty="0"/>
+              <a:rPr lang="en-US" smtClean="0"/>
               <a:pPr/>
               <a:t>‹nº›</a:t>
             </a:fld>
@@ -1113,10 +1477,9 @@
           <a:bodyPr/>
           <a:lstStyle/>
           <a:p>
-            <a:fld id="{5586B75A-687E-405C-8A0B-8D00578BA2C3}" type="datetimeFigureOut">
-              <a:rPr lang="en-US" dirty="0"/>
-              <a:pPr/>
-              <a:t>4/26/2023</a:t>
+            <a:fld id="{11BA2715-8CB1-4656-B116-E794F7BDE9F6}" type="datetime1">
+              <a:rPr lang="en-US" smtClean="0"/>
+              <a:t>7/17/2023</a:t>
             </a:fld>
             <a:endParaRPr lang="en-US" dirty="0"/>
           </a:p>
@@ -1398,10 +1761,9 @@
           <a:bodyPr/>
           <a:lstStyle/>
           <a:p>
-            <a:fld id="{5586B75A-687E-405C-8A0B-8D00578BA2C3}" type="datetimeFigureOut">
-              <a:rPr lang="en-US" dirty="0"/>
-              <a:pPr/>
-              <a:t>4/26/2023</a:t>
+            <a:fld id="{FE8EC026-C0DA-411F-B99E-97865A84832D}" type="datetime1">
+              <a:rPr lang="en-US" smtClean="0"/>
+              <a:t>7/17/2023</a:t>
             </a:fld>
             <a:endParaRPr lang="en-US" dirty="0"/>
           </a:p>
@@ -1837,10 +2199,9 @@
           <a:bodyPr/>
           <a:lstStyle/>
           <a:p>
-            <a:fld id="{5586B75A-687E-405C-8A0B-8D00578BA2C3}" type="datetimeFigureOut">
-              <a:rPr lang="en-US" dirty="0"/>
-              <a:pPr/>
-              <a:t>4/26/2023</a:t>
+            <a:fld id="{648CBB6E-C676-4E8D-90E8-17875FD5687C}" type="datetime1">
+              <a:rPr lang="en-US" smtClean="0"/>
+              <a:t>7/17/2023</a:t>
             </a:fld>
             <a:endParaRPr lang="en-US" dirty="0"/>
           </a:p>
@@ -1952,10 +2313,9 @@
           <a:bodyPr/>
           <a:lstStyle/>
           <a:p>
-            <a:fld id="{5586B75A-687E-405C-8A0B-8D00578BA2C3}" type="datetimeFigureOut">
-              <a:rPr lang="en-US" dirty="0"/>
-              <a:pPr/>
-              <a:t>4/26/2023</a:t>
+            <a:fld id="{87FA562F-59F2-411E-B39C-2046FC71929E}" type="datetime1">
+              <a:rPr lang="en-US" smtClean="0"/>
+              <a:t>7/17/2023</a:t>
             </a:fld>
             <a:endParaRPr lang="en-US" dirty="0"/>
           </a:p>
@@ -2044,10 +2404,9 @@
           <a:bodyPr/>
           <a:lstStyle/>
           <a:p>
-            <a:fld id="{5586B75A-687E-405C-8A0B-8D00578BA2C3}" type="datetimeFigureOut">
-              <a:rPr lang="en-US" dirty="0"/>
-              <a:pPr/>
-              <a:t>4/26/2023</a:t>
+            <a:fld id="{385BFBF5-9B0A-454D-A007-ADD9A30EEFEE}" type="datetime1">
+              <a:rPr lang="en-US" smtClean="0"/>
+              <a:t>7/17/2023</a:t>
             </a:fld>
             <a:endParaRPr lang="en-US" dirty="0"/>
           </a:p>
@@ -2329,10 +2688,9 @@
           <a:bodyPr/>
           <a:lstStyle/>
           <a:p>
-            <a:fld id="{5586B75A-687E-405C-8A0B-8D00578BA2C3}" type="datetimeFigureOut">
-              <a:rPr lang="en-US" dirty="0"/>
-              <a:pPr/>
-              <a:t>4/26/2023</a:t>
+            <a:fld id="{619142F9-94B1-4B21-BBC4-4EFECCE52F77}" type="datetime1">
+              <a:rPr lang="en-US" smtClean="0"/>
+              <a:t>7/17/2023</a:t>
             </a:fld>
             <a:endParaRPr lang="en-US" dirty="0"/>
           </a:p>
@@ -2599,10 +2957,9 @@
           <a:bodyPr/>
           <a:lstStyle/>
           <a:p>
-            <a:fld id="{5586B75A-687E-405C-8A0B-8D00578BA2C3}" type="datetimeFigureOut">
-              <a:rPr lang="en-US" dirty="0"/>
-              <a:pPr/>
-              <a:t>4/26/2023</a:t>
+            <a:fld id="{D57211AE-C917-4FB4-A623-3B2A58184187}" type="datetime1">
+              <a:rPr lang="en-US" smtClean="0"/>
+              <a:t>7/17/2023</a:t>
             </a:fld>
             <a:endParaRPr lang="en-US" dirty="0"/>
           </a:p>
@@ -2893,10 +3250,9 @@
             </a:lvl1pPr>
           </a:lstStyle>
           <a:p>
-            <a:fld id="{5586B75A-687E-405C-8A0B-8D00578BA2C3}" type="datetimeFigureOut">
-              <a:rPr lang="en-US" dirty="0"/>
-              <a:pPr/>
-              <a:t>4/26/2023</a:t>
+            <a:fld id="{7B7A9BAE-2958-4634-B038-83CB100EE31A}" type="datetime1">
+              <a:rPr lang="en-US" smtClean="0"/>
+              <a:t>7/17/2023</a:t>
             </a:fld>
             <a:endParaRPr lang="en-US" dirty="0"/>
           </a:p>
@@ -2996,7 +3352,7 @@
     <p:sldLayoutId id="2147483850" r:id="rId10"/>
     <p:sldLayoutId id="2147483851" r:id="rId11"/>
   </p:sldLayoutIdLst>
-  <p:hf sldNum="0" hdr="0" ftr="0" dt="0"/>
+  <p:hf hdr="0" ftr="0" dt="0"/>
   <p:txStyles>
     <p:titleStyle>
       <a:lvl1pPr algn="l" defTabSz="914400" rtl="0" eaLnBrk="1" latinLnBrk="0" hangingPunct="1">
@@ -3432,7 +3788,7 @@
         </p:spPr>
         <p:txBody>
           <a:bodyPr>
-            <a:normAutofit/>
+            <a:normAutofit lnSpcReduction="10000"/>
           </a:bodyPr>
           <a:lstStyle/>
           <a:p>
@@ -3444,22 +3800,9 @@
               <a:buChar char="•"/>
             </a:pPr>
             <a:r>
-              <a:rPr lang="pt-BR" dirty="0"/>
-              <a:t>História R e </a:t>
-            </a:r>
-            <a:r>
-              <a:rPr lang="pt-BR" dirty="0" err="1"/>
-              <a:t>RStudio</a:t>
-            </a:r>
-            <a:r>
-              <a:rPr lang="pt-BR" dirty="0"/>
-              <a:t>/</a:t>
-            </a:r>
-            <a:r>
-              <a:rPr lang="pt-BR" dirty="0" err="1"/>
-              <a:t>Posit</a:t>
-            </a:r>
-            <a:endParaRPr lang="pt-BR" dirty="0"/>
+              <a:rPr lang="pt-BR" sz="2400" dirty="0"/>
+              <a:t>Coach motivacional</a:t>
+            </a:r>
           </a:p>
           <a:p>
             <a:pPr marL="342900" indent="-342900">
@@ -3470,9 +3813,22 @@
               <a:buChar char="•"/>
             </a:pPr>
             <a:r>
-              <a:rPr lang="pt-BR" dirty="0"/>
-              <a:t>Instalação e setup</a:t>
-            </a:r>
+              <a:rPr lang="pt-BR" sz="2400" dirty="0"/>
+              <a:t>História R e </a:t>
+            </a:r>
+            <a:r>
+              <a:rPr lang="pt-BR" sz="2400" dirty="0" err="1"/>
+              <a:t>RStudio</a:t>
+            </a:r>
+            <a:r>
+              <a:rPr lang="pt-BR" sz="2400" dirty="0"/>
+              <a:t>/</a:t>
+            </a:r>
+            <a:r>
+              <a:rPr lang="pt-BR" sz="2400" dirty="0" err="1"/>
+              <a:t>Posit</a:t>
+            </a:r>
+            <a:endParaRPr lang="pt-BR" sz="2400" dirty="0"/>
           </a:p>
           <a:p>
             <a:pPr marL="342900" indent="-342900">
@@ -3483,8 +3839,8 @@
               <a:buChar char="•"/>
             </a:pPr>
             <a:r>
-              <a:rPr lang="pt-BR" dirty="0"/>
-              <a:t>Janelas e fluxo de trabalho</a:t>
+              <a:rPr lang="pt-BR" sz="2400" dirty="0"/>
+              <a:t>Instalação e setup</a:t>
             </a:r>
           </a:p>
           <a:p>
@@ -3496,8 +3852,8 @@
               <a:buChar char="•"/>
             </a:pPr>
             <a:r>
-              <a:rPr lang="pt-BR" dirty="0"/>
-              <a:t>Operações básicas: lógica, cálculo e iterações</a:t>
+              <a:rPr lang="pt-BR" sz="2400" dirty="0"/>
+              <a:t>Janelas e fluxo de trabalho</a:t>
             </a:r>
           </a:p>
           <a:p>
@@ -3509,73 +3865,34 @@
               <a:buChar char="•"/>
             </a:pPr>
             <a:r>
-              <a:rPr lang="pt-BR" dirty="0"/>
+              <a:rPr lang="pt-BR" sz="2400" dirty="0"/>
+              <a:t>Operações básicas: lógica, cálculo e iterações</a:t>
+            </a:r>
+          </a:p>
+          <a:p>
+            <a:pPr marL="342900" indent="-342900">
+              <a:buClr>
+                <a:schemeClr val="bg1"/>
+              </a:buClr>
+              <a:buFont typeface="Arial" panose="020B0604020202020204" pitchFamily="34" charset="0"/>
+              <a:buChar char="•"/>
+            </a:pPr>
+            <a:r>
+              <a:rPr lang="pt-BR" sz="2400" dirty="0"/>
               <a:t>Vetores e </a:t>
             </a:r>
             <a:r>
-              <a:rPr lang="pt-BR" dirty="0" err="1"/>
+              <a:rPr lang="pt-BR" sz="2400" dirty="0" err="1"/>
               <a:t>data.frame</a:t>
             </a:r>
-            <a:endParaRPr lang="pt-BR" dirty="0"/>
+            <a:endParaRPr lang="pt-BR" sz="2400" dirty="0"/>
           </a:p>
           <a:p>
             <a:pPr marL="342900" indent="-342900">
               <a:buFontTx/>
               <a:buChar char="-"/>
             </a:pPr>
-            <a:endParaRPr lang="pt-BR" dirty="0"/>
-          </a:p>
-        </p:txBody>
-      </p:sp>
-      <p:sp>
-        <p:nvSpPr>
-          <p:cNvPr id="4" name="Chave Esquerda 3">
-            <a:extLst>
-              <a:ext uri="{FF2B5EF4-FFF2-40B4-BE49-F238E27FC236}">
-                <a16:creationId xmlns:a16="http://schemas.microsoft.com/office/drawing/2014/main" id="{A5C00243-A051-823B-11F8-402EF818300F}"/>
-              </a:ext>
-            </a:extLst>
-          </p:cNvPr>
-          <p:cNvSpPr/>
-          <p:nvPr/>
-        </p:nvSpPr>
-        <p:spPr>
-          <a:xfrm>
-            <a:off x="448235" y="4491317"/>
-            <a:ext cx="295836" cy="475129"/>
-          </a:xfrm>
-          <a:prstGeom prst="leftBrace">
-            <a:avLst>
-              <a:gd name="adj1" fmla="val 40151"/>
-              <a:gd name="adj2" fmla="val 50000"/>
-            </a:avLst>
-          </a:prstGeom>
-          <a:ln>
-            <a:solidFill>
-              <a:schemeClr val="bg1"/>
-            </a:solidFill>
-          </a:ln>
-        </p:spPr>
-        <p:style>
-          <a:lnRef idx="1">
-            <a:schemeClr val="dk1"/>
-          </a:lnRef>
-          <a:fillRef idx="0">
-            <a:schemeClr val="dk1"/>
-          </a:fillRef>
-          <a:effectRef idx="0">
-            <a:schemeClr val="dk1"/>
-          </a:effectRef>
-          <a:fontRef idx="minor">
-            <a:schemeClr val="tx1"/>
-          </a:fontRef>
-        </p:style>
-        <p:txBody>
-          <a:bodyPr rtlCol="0" anchor="ctr"/>
-          <a:lstStyle/>
-          <a:p>
-            <a:pPr algn="ctr"/>
-            <a:endParaRPr lang="pt-BR"/>
+            <a:endParaRPr lang="pt-BR" sz="2400" dirty="0"/>
           </a:p>
         </p:txBody>
       </p:sp>
@@ -3611,10 +3928,130 @@
       </p:grpSpPr>
       <p:sp>
         <p:nvSpPr>
-          <p:cNvPr id="5" name="Título 1">
+          <p:cNvPr id="3" name="Espaço Reservado para Conteúdo 2">
             <a:extLst>
               <a:ext uri="{FF2B5EF4-FFF2-40B4-BE49-F238E27FC236}">
-                <a16:creationId xmlns:a16="http://schemas.microsoft.com/office/drawing/2014/main" id="{D416E1EF-542E-3396-52D9-E4FEE5057B7E}"/>
+                <a16:creationId xmlns:a16="http://schemas.microsoft.com/office/drawing/2014/main" id="{4AF75098-9D82-C6AB-59C6-3AF923826B74}"/>
+              </a:ext>
+            </a:extLst>
+          </p:cNvPr>
+          <p:cNvSpPr>
+            <a:spLocks noGrp="1"/>
+          </p:cNvSpPr>
+          <p:nvPr>
+            <p:ph idx="1"/>
+          </p:nvPr>
+        </p:nvSpPr>
+        <p:spPr/>
+        <p:txBody>
+          <a:bodyPr/>
+          <a:lstStyle/>
+          <a:p>
+            <a:pPr marL="0" indent="0">
+              <a:buNone/>
+            </a:pPr>
+            <a:r>
+              <a:rPr lang="pt-BR" dirty="0"/>
+              <a:t>Faça o download e instalação do R de acordo com o seu sistema</a:t>
+            </a:r>
+          </a:p>
+          <a:p>
+            <a:r>
+              <a:rPr lang="pt-BR" dirty="0"/>
+              <a:t>Repositório RCRAN (</a:t>
+            </a:r>
+            <a:r>
+              <a:rPr lang="pt-BR" dirty="0" err="1"/>
+              <a:t>Comprehensive</a:t>
+            </a:r>
+            <a:r>
+              <a:rPr lang="pt-BR" dirty="0"/>
+              <a:t> R </a:t>
+            </a:r>
+            <a:r>
+              <a:rPr lang="pt-BR" dirty="0" err="1"/>
+              <a:t>Archive</a:t>
+            </a:r>
+            <a:r>
+              <a:rPr lang="pt-BR" dirty="0"/>
+              <a:t> Network)</a:t>
+            </a:r>
+            <a:br>
+              <a:rPr lang="pt-BR" dirty="0"/>
+            </a:br>
+            <a:r>
+              <a:rPr lang="pt-BR" dirty="0">
+                <a:hlinkClick r:id="rId2"/>
+              </a:rPr>
+              <a:t>https://cran.r-project.org/</a:t>
+            </a:r>
+            <a:endParaRPr lang="pt-BR" dirty="0"/>
+          </a:p>
+          <a:p>
+            <a:pPr marL="0" indent="0">
+              <a:buNone/>
+            </a:pPr>
+            <a:endParaRPr lang="pt-BR" dirty="0"/>
+          </a:p>
+          <a:p>
+            <a:pPr marL="0" indent="0">
+              <a:buNone/>
+            </a:pPr>
+            <a:r>
+              <a:rPr lang="pt-BR" dirty="0"/>
+              <a:t>Faça o download e instalação do </a:t>
+            </a:r>
+            <a:r>
+              <a:rPr lang="pt-BR" dirty="0" err="1"/>
+              <a:t>RStudio</a:t>
+            </a:r>
+            <a:r>
+              <a:rPr lang="pt-BR" dirty="0"/>
+              <a:t> de acordo com seu sistema</a:t>
+            </a:r>
+          </a:p>
+          <a:p>
+            <a:r>
+              <a:rPr lang="pt-BR" dirty="0"/>
+              <a:t>Plataforma </a:t>
+            </a:r>
+            <a:r>
+              <a:rPr lang="pt-BR" dirty="0" err="1"/>
+              <a:t>Rstudio</a:t>
+            </a:r>
+            <a:r>
+              <a:rPr lang="pt-BR" dirty="0"/>
+              <a:t>/</a:t>
+            </a:r>
+            <a:r>
+              <a:rPr lang="pt-BR" dirty="0" err="1"/>
+              <a:t>Posit</a:t>
+            </a:r>
+            <a:br>
+              <a:rPr lang="pt-BR" dirty="0"/>
+            </a:br>
+            <a:r>
+              <a:rPr lang="pt-BR" dirty="0">
+                <a:hlinkClick r:id="rId3"/>
+              </a:rPr>
+              <a:t>https://posit.co/</a:t>
+            </a:r>
+            <a:endParaRPr lang="pt-BR" dirty="0"/>
+          </a:p>
+          <a:p>
+            <a:pPr marL="0" indent="0">
+              <a:buNone/>
+            </a:pPr>
+            <a:endParaRPr lang="pt-BR" dirty="0"/>
+          </a:p>
+        </p:txBody>
+      </p:sp>
+      <p:sp>
+        <p:nvSpPr>
+          <p:cNvPr id="4" name="Título 1">
+            <a:extLst>
+              <a:ext uri="{FF2B5EF4-FFF2-40B4-BE49-F238E27FC236}">
+                <a16:creationId xmlns:a16="http://schemas.microsoft.com/office/drawing/2014/main" id="{5363D3EC-BF81-6F26-50FA-0A4AA24FDA24}"/>
               </a:ext>
             </a:extLst>
           </p:cNvPr>
@@ -3634,7 +4071,7 @@
         </p:spPr>
         <p:txBody>
           <a:bodyPr vert="horz" lIns="91440" tIns="45720" rIns="91440" bIns="45720" rtlCol="0" anchor="ctr">
-            <a:normAutofit fontScale="85000" lnSpcReduction="10000"/>
+            <a:normAutofit fontScale="92500" lnSpcReduction="10000"/>
           </a:bodyPr>
           <a:lstStyle>
             <a:lvl1pPr algn="l" defTabSz="914400" rtl="0" eaLnBrk="1" latinLnBrk="0" hangingPunct="1">
@@ -3665,7 +4102,7 @@
                   </a:schemeClr>
                 </a:solidFill>
               </a:rPr>
-              <a:t>Dados estruturados</a:t>
+              <a:t>Instalação</a:t>
             </a:r>
           </a:p>
           <a:p>
@@ -3686,443 +4123,58 @@
                   <a:schemeClr val="bg1"/>
                 </a:solidFill>
               </a:rPr>
-              <a:t>Data frames</a:t>
-            </a:r>
-          </a:p>
-        </p:txBody>
-      </p:sp>
-      <p:sp>
-        <p:nvSpPr>
-          <p:cNvPr id="2" name="CaixaDeTexto 1">
+              <a:t>R + </a:t>
+            </a:r>
+            <a:r>
+              <a:rPr lang="pt-BR" dirty="0" err="1">
+                <a:solidFill>
+                  <a:schemeClr val="bg1"/>
+                </a:solidFill>
+              </a:rPr>
+              <a:t>RStudio</a:t>
+            </a:r>
+            <a:endParaRPr lang="pt-BR" dirty="0">
+              <a:solidFill>
+                <a:schemeClr val="bg1"/>
+              </a:solidFill>
+            </a:endParaRPr>
+          </a:p>
+        </p:txBody>
+      </p:sp>
+      <p:sp>
+        <p:nvSpPr>
+          <p:cNvPr id="5" name="Espaço Reservado para Número de Slide 4">
             <a:extLst>
               <a:ext uri="{FF2B5EF4-FFF2-40B4-BE49-F238E27FC236}">
-                <a16:creationId xmlns:a16="http://schemas.microsoft.com/office/drawing/2014/main" id="{C2F5F996-5560-8504-80CD-330223670999}"/>
+                <a16:creationId xmlns:a16="http://schemas.microsoft.com/office/drawing/2014/main" id="{3DCF164F-6047-45B1-BEC1-6CEA9C708C86}"/>
               </a:ext>
             </a:extLst>
           </p:cNvPr>
-          <p:cNvSpPr txBox="1"/>
-          <p:nvPr/>
-        </p:nvSpPr>
-        <p:spPr>
-          <a:xfrm>
-            <a:off x="3989294" y="851647"/>
-            <a:ext cx="6165470" cy="369332"/>
-          </a:xfrm>
-          <a:prstGeom prst="rect">
-            <a:avLst/>
-          </a:prstGeom>
-          <a:noFill/>
-        </p:spPr>
-        <p:txBody>
-          <a:bodyPr wrap="none" rtlCol="0">
-            <a:spAutoFit/>
-          </a:bodyPr>
-          <a:lstStyle/>
-          <a:p>
-            <a:r>
-              <a:rPr lang="pt-BR" dirty="0"/>
-              <a:t>1. Data frame é um conjunto de vetores com dimensões iguais</a:t>
-            </a:r>
-          </a:p>
-        </p:txBody>
-      </p:sp>
-      <p:sp>
-        <p:nvSpPr>
-          <p:cNvPr id="4" name="CaixaDeTexto 3">
-            <a:extLst>
-              <a:ext uri="{FF2B5EF4-FFF2-40B4-BE49-F238E27FC236}">
-                <a16:creationId xmlns:a16="http://schemas.microsoft.com/office/drawing/2014/main" id="{3F95FF59-6E05-F3CA-97CB-8BC41460423F}"/>
-              </a:ext>
-            </a:extLst>
-          </p:cNvPr>
-          <p:cNvSpPr txBox="1"/>
-          <p:nvPr/>
-        </p:nvSpPr>
-        <p:spPr>
-          <a:xfrm>
-            <a:off x="4678287" y="1660466"/>
-            <a:ext cx="1122600" cy="584775"/>
-          </a:xfrm>
-          <a:prstGeom prst="rect">
-            <a:avLst/>
-          </a:prstGeom>
-          <a:noFill/>
-        </p:spPr>
-        <p:txBody>
-          <a:bodyPr wrap="square" rtlCol="0">
-            <a:spAutoFit/>
-          </a:bodyPr>
-          <a:lstStyle/>
-          <a:p>
-            <a:r>
-              <a:rPr lang="pt-BR" sz="3200" dirty="0"/>
-              <a:t>idade</a:t>
-            </a:r>
-          </a:p>
-        </p:txBody>
-      </p:sp>
-      <p:sp>
-        <p:nvSpPr>
-          <p:cNvPr id="6" name="CaixaDeTexto 5">
-            <a:extLst>
-              <a:ext uri="{FF2B5EF4-FFF2-40B4-BE49-F238E27FC236}">
-                <a16:creationId xmlns:a16="http://schemas.microsoft.com/office/drawing/2014/main" id="{073E55B9-F1A7-6ADD-6D5D-5D7181F1A7E1}"/>
-              </a:ext>
-            </a:extLst>
-          </p:cNvPr>
-          <p:cNvSpPr txBox="1"/>
-          <p:nvPr/>
-        </p:nvSpPr>
-        <p:spPr>
-          <a:xfrm>
-            <a:off x="4453166" y="2245241"/>
-            <a:ext cx="1777305" cy="1569660"/>
-          </a:xfrm>
-          <a:prstGeom prst="rect">
-            <a:avLst/>
-          </a:prstGeom>
-          <a:noFill/>
-          <a:ln>
-            <a:solidFill>
-              <a:srgbClr val="FF0000"/>
-            </a:solidFill>
-          </a:ln>
-        </p:spPr>
-        <p:txBody>
-          <a:bodyPr wrap="square" rtlCol="0">
-            <a:spAutoFit/>
-          </a:bodyPr>
-          <a:lstStyle/>
-          <a:p>
-            <a:pPr algn="ctr"/>
-            <a:r>
-              <a:rPr lang="pt-BR" sz="2400" dirty="0"/>
-              <a:t>22</a:t>
-            </a:r>
-          </a:p>
-          <a:p>
-            <a:pPr algn="ctr"/>
-            <a:r>
-              <a:rPr lang="pt-BR" sz="2400" dirty="0"/>
-              <a:t>31</a:t>
-            </a:r>
-          </a:p>
-          <a:p>
-            <a:pPr algn="ctr"/>
-            <a:r>
-              <a:rPr lang="pt-BR" sz="2400" dirty="0"/>
-              <a:t>13</a:t>
-            </a:r>
-          </a:p>
-          <a:p>
-            <a:pPr algn="ctr"/>
-            <a:r>
-              <a:rPr lang="pt-BR" sz="2400" dirty="0"/>
-              <a:t>14</a:t>
-            </a:r>
-          </a:p>
-        </p:txBody>
-      </p:sp>
-      <p:sp>
-        <p:nvSpPr>
-          <p:cNvPr id="7" name="CaixaDeTexto 6">
-            <a:extLst>
-              <a:ext uri="{FF2B5EF4-FFF2-40B4-BE49-F238E27FC236}">
-                <a16:creationId xmlns:a16="http://schemas.microsoft.com/office/drawing/2014/main" id="{B6F55C64-5F0B-32C2-1ED7-778668184FD9}"/>
-              </a:ext>
-            </a:extLst>
-          </p:cNvPr>
-          <p:cNvSpPr txBox="1"/>
-          <p:nvPr/>
-        </p:nvSpPr>
-        <p:spPr>
-          <a:xfrm>
-            <a:off x="9000796" y="1653568"/>
-            <a:ext cx="1122600" cy="584775"/>
-          </a:xfrm>
-          <a:prstGeom prst="rect">
-            <a:avLst/>
-          </a:prstGeom>
-          <a:noFill/>
-        </p:spPr>
-        <p:txBody>
-          <a:bodyPr wrap="square" rtlCol="0">
-            <a:spAutoFit/>
-          </a:bodyPr>
-          <a:lstStyle/>
-          <a:p>
-            <a:r>
-              <a:rPr lang="pt-BR" sz="3200" dirty="0"/>
-              <a:t>raça</a:t>
-            </a:r>
-          </a:p>
-        </p:txBody>
-      </p:sp>
-      <p:sp>
-        <p:nvSpPr>
-          <p:cNvPr id="8" name="CaixaDeTexto 7">
-            <a:extLst>
-              <a:ext uri="{FF2B5EF4-FFF2-40B4-BE49-F238E27FC236}">
-                <a16:creationId xmlns:a16="http://schemas.microsoft.com/office/drawing/2014/main" id="{CC08E00E-3268-9475-4ECA-D6923136B283}"/>
-              </a:ext>
-            </a:extLst>
-          </p:cNvPr>
-          <p:cNvSpPr txBox="1"/>
-          <p:nvPr/>
-        </p:nvSpPr>
-        <p:spPr>
-          <a:xfrm>
-            <a:off x="8716394" y="2241792"/>
-            <a:ext cx="1572841" cy="1569660"/>
-          </a:xfrm>
-          <a:prstGeom prst="rect">
-            <a:avLst/>
-          </a:prstGeom>
-          <a:noFill/>
-          <a:ln>
-            <a:solidFill>
-              <a:srgbClr val="FF0000"/>
-            </a:solidFill>
-          </a:ln>
-        </p:spPr>
-        <p:txBody>
-          <a:bodyPr wrap="square" rtlCol="0">
-            <a:spAutoFit/>
-          </a:bodyPr>
-          <a:lstStyle/>
-          <a:p>
-            <a:pPr algn="ctr"/>
-            <a:r>
-              <a:rPr lang="pt-BR" sz="2400" dirty="0"/>
-              <a:t>branca</a:t>
-            </a:r>
-          </a:p>
-          <a:p>
-            <a:pPr algn="ctr"/>
-            <a:r>
-              <a:rPr lang="pt-BR" sz="2400" dirty="0"/>
-              <a:t>parda</a:t>
-            </a:r>
-          </a:p>
-          <a:p>
-            <a:pPr algn="ctr"/>
-            <a:r>
-              <a:rPr lang="pt-BR" sz="2400" dirty="0"/>
-              <a:t>preta</a:t>
-            </a:r>
-          </a:p>
-          <a:p>
-            <a:pPr algn="ctr"/>
-            <a:r>
-              <a:rPr lang="pt-BR" sz="2400" dirty="0"/>
-              <a:t>indígena</a:t>
-            </a:r>
-          </a:p>
-        </p:txBody>
-      </p:sp>
-      <p:sp>
-        <p:nvSpPr>
-          <p:cNvPr id="9" name="CaixaDeTexto 8">
-            <a:extLst>
-              <a:ext uri="{FF2B5EF4-FFF2-40B4-BE49-F238E27FC236}">
-                <a16:creationId xmlns:a16="http://schemas.microsoft.com/office/drawing/2014/main" id="{A40932B7-19F9-B49F-0418-06A92AAB6878}"/>
-              </a:ext>
-            </a:extLst>
-          </p:cNvPr>
-          <p:cNvSpPr txBox="1"/>
-          <p:nvPr/>
-        </p:nvSpPr>
-        <p:spPr>
-          <a:xfrm>
-            <a:off x="6729202" y="1657017"/>
-            <a:ext cx="1283997" cy="584775"/>
-          </a:xfrm>
-          <a:prstGeom prst="rect">
-            <a:avLst/>
-          </a:prstGeom>
-          <a:noFill/>
-        </p:spPr>
-        <p:txBody>
-          <a:bodyPr wrap="square" rtlCol="0">
-            <a:spAutoFit/>
-          </a:bodyPr>
-          <a:lstStyle/>
-          <a:p>
-            <a:r>
-              <a:rPr lang="pt-BR" sz="3200" dirty="0"/>
-              <a:t>renda</a:t>
-            </a:r>
-          </a:p>
-        </p:txBody>
-      </p:sp>
-      <p:sp>
-        <p:nvSpPr>
-          <p:cNvPr id="10" name="CaixaDeTexto 9">
-            <a:extLst>
-              <a:ext uri="{FF2B5EF4-FFF2-40B4-BE49-F238E27FC236}">
-                <a16:creationId xmlns:a16="http://schemas.microsoft.com/office/drawing/2014/main" id="{8E02B125-7C77-7E4A-8EBF-1E2B07049543}"/>
-              </a:ext>
-            </a:extLst>
-          </p:cNvPr>
-          <p:cNvSpPr txBox="1"/>
-          <p:nvPr/>
-        </p:nvSpPr>
-        <p:spPr>
-          <a:xfrm>
-            <a:off x="6504082" y="2241792"/>
-            <a:ext cx="1572841" cy="1569660"/>
-          </a:xfrm>
-          <a:prstGeom prst="rect">
-            <a:avLst/>
-          </a:prstGeom>
-          <a:noFill/>
-          <a:ln>
-            <a:solidFill>
-              <a:srgbClr val="FF0000"/>
-            </a:solidFill>
-          </a:ln>
-        </p:spPr>
-        <p:txBody>
-          <a:bodyPr wrap="square" rtlCol="0">
-            <a:spAutoFit/>
-          </a:bodyPr>
-          <a:lstStyle/>
-          <a:p>
-            <a:pPr algn="ctr"/>
-            <a:r>
-              <a:rPr lang="pt-BR" sz="2400" dirty="0"/>
-              <a:t>2500</a:t>
-            </a:r>
-          </a:p>
-          <a:p>
-            <a:pPr algn="ctr"/>
-            <a:r>
-              <a:rPr lang="pt-BR" sz="2400" dirty="0"/>
-              <a:t>2200</a:t>
-            </a:r>
-          </a:p>
-          <a:p>
-            <a:pPr algn="ctr"/>
-            <a:r>
-              <a:rPr lang="pt-BR" sz="2400" dirty="0"/>
-              <a:t>2000</a:t>
-            </a:r>
-          </a:p>
-          <a:p>
-            <a:pPr algn="ctr"/>
-            <a:r>
-              <a:rPr lang="pt-BR" sz="2400" dirty="0"/>
-              <a:t>1200</a:t>
-            </a:r>
-          </a:p>
-        </p:txBody>
-      </p:sp>
-      <p:sp>
-        <p:nvSpPr>
-          <p:cNvPr id="11" name="CaixaDeTexto 10">
-            <a:extLst>
-              <a:ext uri="{FF2B5EF4-FFF2-40B4-BE49-F238E27FC236}">
-                <a16:creationId xmlns:a16="http://schemas.microsoft.com/office/drawing/2014/main" id="{FD725948-4335-9701-59D0-A510EAC722B3}"/>
-              </a:ext>
-            </a:extLst>
-          </p:cNvPr>
-          <p:cNvSpPr txBox="1"/>
-          <p:nvPr/>
-        </p:nvSpPr>
-        <p:spPr>
-          <a:xfrm>
-            <a:off x="4229170" y="1699844"/>
-            <a:ext cx="6247238" cy="2250073"/>
-          </a:xfrm>
-          <a:prstGeom prst="rect">
-            <a:avLst/>
-          </a:prstGeom>
-          <a:noFill/>
-          <a:ln>
-            <a:solidFill>
-              <a:srgbClr val="FF0000"/>
-            </a:solidFill>
-          </a:ln>
-        </p:spPr>
-        <p:txBody>
-          <a:bodyPr wrap="square" rtlCol="0">
-            <a:spAutoFit/>
-          </a:bodyPr>
-          <a:lstStyle/>
-          <a:p>
-            <a:pPr algn="ctr"/>
-            <a:endParaRPr lang="pt-BR" sz="2400" dirty="0"/>
-          </a:p>
-        </p:txBody>
-      </p:sp>
-      <p:sp>
-        <p:nvSpPr>
-          <p:cNvPr id="12" name="CaixaDeTexto 11">
-            <a:extLst>
-              <a:ext uri="{FF2B5EF4-FFF2-40B4-BE49-F238E27FC236}">
-                <a16:creationId xmlns:a16="http://schemas.microsoft.com/office/drawing/2014/main" id="{AEB2CDF4-848D-3378-D5CE-635224FD9476}"/>
-              </a:ext>
-            </a:extLst>
-          </p:cNvPr>
-          <p:cNvSpPr txBox="1"/>
-          <p:nvPr/>
-        </p:nvSpPr>
-        <p:spPr>
-          <a:xfrm>
-            <a:off x="3989294" y="4473388"/>
-            <a:ext cx="4490332" cy="923330"/>
-          </a:xfrm>
-          <a:prstGeom prst="rect">
-            <a:avLst/>
-          </a:prstGeom>
-          <a:noFill/>
-        </p:spPr>
-        <p:txBody>
-          <a:bodyPr wrap="none" rtlCol="0">
-            <a:spAutoFit/>
-          </a:bodyPr>
-          <a:lstStyle/>
-          <a:p>
-            <a:r>
-              <a:rPr lang="pt-BR" dirty="0"/>
-              <a:t>Definição no R:</a:t>
-            </a:r>
-          </a:p>
-          <a:p>
-            <a:endParaRPr lang="pt-BR" dirty="0"/>
-          </a:p>
-          <a:p>
-            <a:r>
-              <a:rPr lang="pt-BR" dirty="0" err="1"/>
-              <a:t>meus_dados</a:t>
-            </a:r>
-            <a:r>
-              <a:rPr lang="pt-BR" dirty="0"/>
-              <a:t> &lt;- </a:t>
-            </a:r>
-            <a:r>
-              <a:rPr lang="pt-BR" dirty="0" err="1"/>
-              <a:t>data.frame</a:t>
-            </a:r>
-            <a:r>
-              <a:rPr lang="pt-BR" dirty="0"/>
-              <a:t>(</a:t>
-            </a:r>
-            <a:r>
-              <a:rPr lang="pt-BR" dirty="0" err="1"/>
-              <a:t>idade,renda,raça</a:t>
-            </a:r>
-            <a:r>
-              <a:rPr lang="pt-BR" dirty="0"/>
-              <a:t>)</a:t>
-            </a:r>
+          <p:cNvSpPr>
+            <a:spLocks noGrp="1"/>
+          </p:cNvSpPr>
+          <p:nvPr>
+            <p:ph type="sldNum" sz="quarter" idx="12"/>
+          </p:nvPr>
+        </p:nvSpPr>
+        <p:spPr/>
+        <p:txBody>
+          <a:bodyPr/>
+          <a:lstStyle/>
+          <a:p>
+            <a:fld id="{4FAB73BC-B049-4115-A692-8D63A059BFB8}" type="slidenum">
+              <a:rPr lang="en-US" smtClean="0"/>
+              <a:pPr/>
+              <a:t>10</a:t>
+            </a:fld>
+            <a:endParaRPr lang="en-US" dirty="0"/>
           </a:p>
         </p:txBody>
       </p:sp>
     </p:spTree>
     <p:extLst>
       <p:ext uri="{BB962C8B-B14F-4D97-AF65-F5344CB8AC3E}">
-        <p14:creationId xmlns:p14="http://schemas.microsoft.com/office/powerpoint/2010/main" val="2676945253"/>
+        <p14:creationId xmlns:p14="http://schemas.microsoft.com/office/powerpoint/2010/main" val="1128039929"/>
       </p:ext>
     </p:extLst>
   </p:cSld>
@@ -4151,10 +4203,10 @@
       </p:grpSpPr>
       <p:sp>
         <p:nvSpPr>
-          <p:cNvPr id="5" name="Título 1">
+          <p:cNvPr id="4" name="Título 1">
             <a:extLst>
               <a:ext uri="{FF2B5EF4-FFF2-40B4-BE49-F238E27FC236}">
-                <a16:creationId xmlns:a16="http://schemas.microsoft.com/office/drawing/2014/main" id="{D416E1EF-542E-3396-52D9-E4FEE5057B7E}"/>
+                <a16:creationId xmlns:a16="http://schemas.microsoft.com/office/drawing/2014/main" id="{05B4B4EF-C73D-9893-A1A7-CF19650CED7E}"/>
               </a:ext>
             </a:extLst>
           </p:cNvPr>
@@ -4174,7 +4226,7 @@
         </p:spPr>
         <p:txBody>
           <a:bodyPr vert="horz" lIns="91440" tIns="45720" rIns="91440" bIns="45720" rtlCol="0" anchor="ctr">
-            <a:normAutofit fontScale="85000" lnSpcReduction="10000"/>
+            <a:normAutofit fontScale="92500" lnSpcReduction="10000"/>
           </a:bodyPr>
           <a:lstStyle>
             <a:lvl1pPr algn="l" defTabSz="914400" rtl="0" eaLnBrk="1" latinLnBrk="0" hangingPunct="1">
@@ -4205,7 +4257,7 @@
                   </a:schemeClr>
                 </a:solidFill>
               </a:rPr>
-              <a:t>Dados estruturados</a:t>
+              <a:t>Setup</a:t>
             </a:r>
           </a:p>
           <a:p>
@@ -4221,142 +4273,55 @@
           <a:p>
             <a:pPr algn="ctr"/>
             <a:r>
-              <a:rPr lang="pt-BR" dirty="0">
+              <a:rPr lang="pt-BR" dirty="0" err="1">
                 <a:solidFill>
                   <a:schemeClr val="bg1"/>
                 </a:solidFill>
               </a:rPr>
-              <a:t>Data frames</a:t>
-            </a:r>
-          </a:p>
-        </p:txBody>
-      </p:sp>
-      <p:sp>
-        <p:nvSpPr>
-          <p:cNvPr id="2" name="CaixaDeTexto 1">
+              <a:t>RStudio</a:t>
+            </a:r>
+            <a:endParaRPr lang="pt-BR" dirty="0">
+              <a:solidFill>
+                <a:schemeClr val="bg1"/>
+              </a:solidFill>
+            </a:endParaRPr>
+          </a:p>
+        </p:txBody>
+      </p:sp>
+      <p:sp>
+        <p:nvSpPr>
+          <p:cNvPr id="3" name="Espaço Reservado para Número de Slide 2">
             <a:extLst>
               <a:ext uri="{FF2B5EF4-FFF2-40B4-BE49-F238E27FC236}">
-                <a16:creationId xmlns:a16="http://schemas.microsoft.com/office/drawing/2014/main" id="{C2F5F996-5560-8504-80CD-330223670999}"/>
+                <a16:creationId xmlns:a16="http://schemas.microsoft.com/office/drawing/2014/main" id="{9A5B689D-3A9A-6DAB-8448-708B144425D2}"/>
               </a:ext>
             </a:extLst>
           </p:cNvPr>
-          <p:cNvSpPr txBox="1"/>
-          <p:nvPr/>
-        </p:nvSpPr>
-        <p:spPr>
-          <a:xfrm>
-            <a:off x="3989294" y="851647"/>
-            <a:ext cx="2419252" cy="369332"/>
-          </a:xfrm>
-          <a:prstGeom prst="rect">
-            <a:avLst/>
-          </a:prstGeom>
-          <a:noFill/>
-        </p:spPr>
-        <p:txBody>
-          <a:bodyPr wrap="none" rtlCol="0">
-            <a:spAutoFit/>
-          </a:bodyPr>
-          <a:lstStyle/>
-          <a:p>
-            <a:r>
-              <a:rPr lang="pt-BR" dirty="0"/>
-              <a:t>2. Funções importantes</a:t>
-            </a:r>
-          </a:p>
-        </p:txBody>
-      </p:sp>
-      <p:sp>
-        <p:nvSpPr>
-          <p:cNvPr id="3" name="CaixaDeTexto 2">
-            <a:extLst>
-              <a:ext uri="{FF2B5EF4-FFF2-40B4-BE49-F238E27FC236}">
-                <a16:creationId xmlns:a16="http://schemas.microsoft.com/office/drawing/2014/main" id="{4F3F685F-0122-9D16-0A13-E54225220D65}"/>
-              </a:ext>
-            </a:extLst>
-          </p:cNvPr>
-          <p:cNvSpPr txBox="1"/>
-          <p:nvPr/>
-        </p:nvSpPr>
-        <p:spPr>
-          <a:xfrm>
-            <a:off x="3926540" y="1694329"/>
-            <a:ext cx="5414683" cy="2585323"/>
-          </a:xfrm>
-          <a:prstGeom prst="rect">
-            <a:avLst/>
-          </a:prstGeom>
-          <a:noFill/>
-        </p:spPr>
-        <p:txBody>
-          <a:bodyPr wrap="square" rtlCol="0">
-            <a:spAutoFit/>
-          </a:bodyPr>
-          <a:lstStyle/>
-          <a:p>
-            <a:r>
-              <a:rPr lang="pt-BR" dirty="0" err="1"/>
-              <a:t>Subset</a:t>
-            </a:r>
-            <a:r>
-              <a:rPr lang="pt-BR" dirty="0"/>
-              <a:t>: acessar informações em um data frame</a:t>
-            </a:r>
-          </a:p>
-          <a:p>
-            <a:endParaRPr lang="pt-BR" dirty="0"/>
-          </a:p>
-          <a:p>
-            <a:r>
-              <a:rPr lang="pt-BR" dirty="0" err="1"/>
-              <a:t>meus_dados</a:t>
-            </a:r>
-            <a:r>
-              <a:rPr lang="pt-BR" dirty="0"/>
-              <a:t>[ Linha, Coluna ]</a:t>
-            </a:r>
-          </a:p>
-          <a:p>
-            <a:endParaRPr lang="pt-BR" dirty="0"/>
-          </a:p>
-          <a:p>
-            <a:r>
-              <a:rPr lang="pt-BR" dirty="0"/>
-              <a:t>Ou</a:t>
-            </a:r>
-          </a:p>
-          <a:p>
-            <a:endParaRPr lang="pt-BR" dirty="0"/>
-          </a:p>
-          <a:p>
-            <a:r>
-              <a:rPr lang="pt-BR" dirty="0" err="1"/>
-              <a:t>meus_dados$Coluna</a:t>
-            </a:r>
-            <a:r>
-              <a:rPr lang="pt-BR" dirty="0"/>
-              <a:t> </a:t>
-            </a:r>
-          </a:p>
-          <a:p>
-            <a:endParaRPr lang="pt-BR" dirty="0"/>
-          </a:p>
-          <a:p>
-            <a:r>
-              <a:rPr lang="pt-BR" dirty="0" err="1"/>
-              <a:t>meus_dados$Coluna</a:t>
-            </a:r>
-            <a:r>
-              <a:rPr lang="pt-BR" dirty="0"/>
-              <a:t> [Linha] </a:t>
-            </a:r>
+          <p:cNvSpPr>
+            <a:spLocks noGrp="1"/>
+          </p:cNvSpPr>
+          <p:nvPr>
+            <p:ph type="sldNum" sz="quarter" idx="12"/>
+          </p:nvPr>
+        </p:nvSpPr>
+        <p:spPr/>
+        <p:txBody>
+          <a:bodyPr/>
+          <a:lstStyle/>
+          <a:p>
+            <a:fld id="{4FAB73BC-B049-4115-A692-8D63A059BFB8}" type="slidenum">
+              <a:rPr lang="en-US" smtClean="0"/>
+              <a:pPr/>
+              <a:t>11</a:t>
+            </a:fld>
+            <a:endParaRPr lang="en-US" dirty="0"/>
           </a:p>
         </p:txBody>
       </p:sp>
     </p:spTree>
     <p:extLst>
       <p:ext uri="{BB962C8B-B14F-4D97-AF65-F5344CB8AC3E}">
-        <p14:creationId xmlns:p14="http://schemas.microsoft.com/office/powerpoint/2010/main" val="872530145"/>
+        <p14:creationId xmlns:p14="http://schemas.microsoft.com/office/powerpoint/2010/main" val="2419759342"/>
       </p:ext>
     </p:extLst>
   </p:cSld>
@@ -4385,10 +4350,62 @@
       </p:grpSpPr>
       <p:sp>
         <p:nvSpPr>
-          <p:cNvPr id="2" name="Título 1">
+          <p:cNvPr id="2" name="Retângulo 1">
             <a:extLst>
               <a:ext uri="{FF2B5EF4-FFF2-40B4-BE49-F238E27FC236}">
-                <a16:creationId xmlns:a16="http://schemas.microsoft.com/office/drawing/2014/main" id="{B58C481D-947E-4326-51E1-D4759FB417A3}"/>
+                <a16:creationId xmlns:a16="http://schemas.microsoft.com/office/drawing/2014/main" id="{23E71AB0-8D0A-6C7F-297C-4816F08EF283}"/>
+              </a:ext>
+            </a:extLst>
+          </p:cNvPr>
+          <p:cNvSpPr/>
+          <p:nvPr/>
+        </p:nvSpPr>
+        <p:spPr>
+          <a:xfrm>
+            <a:off x="950259" y="2214283"/>
+            <a:ext cx="10488706" cy="2241176"/>
+          </a:xfrm>
+          <a:prstGeom prst="rect">
+            <a:avLst/>
+          </a:prstGeom>
+          <a:ln>
+            <a:noFill/>
+          </a:ln>
+        </p:spPr>
+        <p:style>
+          <a:lnRef idx="2">
+            <a:schemeClr val="accent1">
+              <a:shade val="15000"/>
+            </a:schemeClr>
+          </a:lnRef>
+          <a:fillRef idx="1">
+            <a:schemeClr val="accent1"/>
+          </a:fillRef>
+          <a:effectRef idx="0">
+            <a:schemeClr val="accent1"/>
+          </a:effectRef>
+          <a:fontRef idx="minor">
+            <a:schemeClr val="lt1"/>
+          </a:fontRef>
+        </p:style>
+        <p:txBody>
+          <a:bodyPr rtlCol="0" anchor="ctr"/>
+          <a:lstStyle/>
+          <a:p>
+            <a:pPr algn="ctr"/>
+            <a:r>
+              <a:rPr lang="pt-BR" sz="4800" dirty="0"/>
+              <a:t>Comandos básicos</a:t>
+            </a:r>
+          </a:p>
+        </p:txBody>
+      </p:sp>
+      <p:sp>
+        <p:nvSpPr>
+          <p:cNvPr id="4" name="Espaço Reservado para Número de Slide 3">
+            <a:extLst>
+              <a:ext uri="{FF2B5EF4-FFF2-40B4-BE49-F238E27FC236}">
+                <a16:creationId xmlns:a16="http://schemas.microsoft.com/office/drawing/2014/main" id="{24A180C1-CABC-3467-4340-697A2E6AA243}"/>
               </a:ext>
             </a:extLst>
           </p:cNvPr>
@@ -4396,7 +4413,7 @@
             <a:spLocks noGrp="1"/>
           </p:cNvSpPr>
           <p:nvPr>
-            <p:ph type="title"/>
+            <p:ph type="sldNum" sz="quarter" idx="12"/>
           </p:nvPr>
         </p:nvSpPr>
         <p:spPr/>
@@ -4404,156 +4421,19 @@
           <a:bodyPr/>
           <a:lstStyle/>
           <a:p>
-            <a:pPr algn="ctr"/>
-            <a:r>
-              <a:rPr lang="pt-BR" dirty="0">
-                <a:solidFill>
-                  <a:schemeClr val="accent1">
-                    <a:lumMod val="50000"/>
-                  </a:schemeClr>
-                </a:solidFill>
-              </a:rPr>
-              <a:t>R base</a:t>
-            </a:r>
-            <a:br>
-              <a:rPr lang="pt-BR" dirty="0"/>
-            </a:br>
-            <a:r>
-              <a:rPr lang="pt-BR" dirty="0"/>
-              <a:t>Operações básicas</a:t>
-            </a:r>
-          </a:p>
-        </p:txBody>
-      </p:sp>
-      <p:sp>
-        <p:nvSpPr>
-          <p:cNvPr id="4" name="CaixaDeTexto 3">
-            <a:extLst>
-              <a:ext uri="{FF2B5EF4-FFF2-40B4-BE49-F238E27FC236}">
-                <a16:creationId xmlns:a16="http://schemas.microsoft.com/office/drawing/2014/main" id="{4A72CF05-9EFF-FADB-43B8-D24544F12B47}"/>
-              </a:ext>
-            </a:extLst>
-          </p:cNvPr>
-          <p:cNvSpPr txBox="1"/>
-          <p:nvPr/>
-        </p:nvSpPr>
-        <p:spPr>
-          <a:xfrm>
-            <a:off x="3899647" y="842682"/>
-            <a:ext cx="7092006" cy="3385542"/>
-          </a:xfrm>
-          <a:prstGeom prst="rect">
-            <a:avLst/>
-          </a:prstGeom>
-          <a:noFill/>
-        </p:spPr>
-        <p:txBody>
-          <a:bodyPr wrap="none" rtlCol="0">
-            <a:spAutoFit/>
-          </a:bodyPr>
-          <a:lstStyle/>
-          <a:p>
-            <a:r>
-              <a:rPr lang="pt-BR" sz="2400" b="1" dirty="0"/>
-              <a:t>Seleção</a:t>
-            </a:r>
-            <a:r>
-              <a:rPr lang="pt-BR" dirty="0"/>
-              <a:t> de variáveis</a:t>
-            </a:r>
-          </a:p>
-          <a:p>
-            <a:endParaRPr lang="pt-BR" dirty="0"/>
-          </a:p>
-          <a:p>
-            <a:r>
-              <a:rPr lang="pt-BR" dirty="0" err="1"/>
-              <a:t>meus_dados</a:t>
-            </a:r>
-            <a:r>
-              <a:rPr lang="pt-BR" dirty="0"/>
-              <a:t>[ , 1 ]			ou		</a:t>
-            </a:r>
-            <a:r>
-              <a:rPr lang="pt-BR" dirty="0" err="1"/>
-              <a:t>meus_dados</a:t>
-            </a:r>
-            <a:r>
-              <a:rPr lang="pt-BR" dirty="0"/>
-              <a:t>[ , 2:3 ]</a:t>
-            </a:r>
-          </a:p>
-          <a:p>
-            <a:endParaRPr lang="pt-BR" dirty="0"/>
-          </a:p>
-          <a:p>
-            <a:r>
-              <a:rPr lang="pt-BR" dirty="0" err="1"/>
-              <a:t>meus_dados</a:t>
-            </a:r>
-            <a:r>
-              <a:rPr lang="pt-BR" dirty="0"/>
-              <a:t>[ , “raça” ]		ou		</a:t>
-            </a:r>
-            <a:r>
-              <a:rPr lang="pt-BR" dirty="0" err="1"/>
-              <a:t>meus_dados</a:t>
-            </a:r>
-            <a:r>
-              <a:rPr lang="pt-BR" dirty="0"/>
-              <a:t>[ , c(“renda”, “raça") ]</a:t>
-            </a:r>
-          </a:p>
-          <a:p>
-            <a:endParaRPr lang="pt-BR" dirty="0"/>
-          </a:p>
-          <a:p>
-            <a:r>
-              <a:rPr lang="pt-BR" sz="2400" b="1" dirty="0"/>
-              <a:t>Filtro</a:t>
-            </a:r>
-            <a:r>
-              <a:rPr lang="pt-BR" b="1" dirty="0"/>
-              <a:t> </a:t>
-            </a:r>
-            <a:r>
-              <a:rPr lang="pt-BR" dirty="0"/>
-              <a:t>de casos</a:t>
-            </a:r>
-            <a:endParaRPr lang="pt-BR" b="1" dirty="0"/>
-          </a:p>
-          <a:p>
-            <a:endParaRPr lang="pt-BR" dirty="0"/>
-          </a:p>
-          <a:p>
-            <a:r>
-              <a:rPr lang="pt-BR" dirty="0" err="1"/>
-              <a:t>meus_dados</a:t>
-            </a:r>
-            <a:r>
-              <a:rPr lang="pt-BR" dirty="0"/>
-              <a:t>[ , “raça” ] == “branca”</a:t>
-            </a:r>
-          </a:p>
-          <a:p>
-            <a:endParaRPr lang="pt-BR" dirty="0"/>
-          </a:p>
-          <a:p>
-            <a:r>
-              <a:rPr lang="pt-BR" dirty="0" err="1"/>
-              <a:t>meus_dados$raça</a:t>
-            </a:r>
-            <a:r>
-              <a:rPr lang="pt-BR" dirty="0"/>
-              <a:t> == “branca”</a:t>
-            </a:r>
+            <a:fld id="{4FAB73BC-B049-4115-A692-8D63A059BFB8}" type="slidenum">
+              <a:rPr lang="en-US" smtClean="0"/>
+              <a:pPr/>
+              <a:t>12</a:t>
+            </a:fld>
+            <a:endParaRPr lang="en-US" dirty="0"/>
           </a:p>
         </p:txBody>
       </p:sp>
     </p:spTree>
     <p:extLst>
       <p:ext uri="{BB962C8B-B14F-4D97-AF65-F5344CB8AC3E}">
-        <p14:creationId xmlns:p14="http://schemas.microsoft.com/office/powerpoint/2010/main" val="747113610"/>
+        <p14:creationId xmlns:p14="http://schemas.microsoft.com/office/powerpoint/2010/main" val="745305997"/>
       </p:ext>
     </p:extLst>
   </p:cSld>
@@ -4582,52 +4462,92 @@
       </p:grpSpPr>
       <p:sp>
         <p:nvSpPr>
-          <p:cNvPr id="2" name="Título 1">
+          <p:cNvPr id="4" name="Título 1">
             <a:extLst>
               <a:ext uri="{FF2B5EF4-FFF2-40B4-BE49-F238E27FC236}">
-                <a16:creationId xmlns:a16="http://schemas.microsoft.com/office/drawing/2014/main" id="{B58C481D-947E-4326-51E1-D4759FB417A3}"/>
+                <a16:creationId xmlns:a16="http://schemas.microsoft.com/office/drawing/2014/main" id="{05B4B4EF-C73D-9893-A1A7-CF19650CED7E}"/>
               </a:ext>
             </a:extLst>
           </p:cNvPr>
-          <p:cNvSpPr>
-            <a:spLocks noGrp="1"/>
-          </p:cNvSpPr>
-          <p:nvPr>
-            <p:ph type="title"/>
-          </p:nvPr>
-        </p:nvSpPr>
-        <p:spPr/>
-        <p:txBody>
-          <a:bodyPr/>
-          <a:lstStyle/>
+          <p:cNvSpPr txBox="1">
+            <a:spLocks/>
+          </p:cNvSpPr>
+          <p:nvPr/>
+        </p:nvSpPr>
+        <p:spPr>
+          <a:xfrm>
+            <a:off x="0" y="2374928"/>
+            <a:ext cx="3433482" cy="1444037"/>
+          </a:xfrm>
+          <a:prstGeom prst="rect">
+            <a:avLst/>
+          </a:prstGeom>
+        </p:spPr>
+        <p:txBody>
+          <a:bodyPr vert="horz" lIns="91440" tIns="45720" rIns="91440" bIns="45720" rtlCol="0" anchor="ctr">
+            <a:normAutofit fontScale="92500" lnSpcReduction="10000"/>
+          </a:bodyPr>
+          <a:lstStyle>
+            <a:lvl1pPr algn="l" defTabSz="914400" rtl="0" eaLnBrk="1" latinLnBrk="0" hangingPunct="1">
+              <a:lnSpc>
+                <a:spcPct val="90000"/>
+              </a:lnSpc>
+              <a:spcBef>
+                <a:spcPct val="0"/>
+              </a:spcBef>
+              <a:buNone/>
+              <a:defRPr sz="3600" kern="1200" spc="-60" baseline="0">
+                <a:solidFill>
+                  <a:srgbClr val="FFFFFF"/>
+                </a:solidFill>
+                <a:latin typeface="+mj-lt"/>
+                <a:ea typeface="+mj-ea"/>
+                <a:cs typeface="+mj-cs"/>
+              </a:defRPr>
+            </a:lvl1pPr>
+          </a:lstStyle>
           <a:p>
             <a:pPr algn="ctr"/>
             <a:r>
-              <a:rPr lang="pt-BR" dirty="0" err="1">
+              <a:rPr lang="pt-BR" dirty="0">
                 <a:solidFill>
                   <a:schemeClr val="accent1">
                     <a:lumMod val="50000"/>
                   </a:schemeClr>
                 </a:solidFill>
               </a:rPr>
-              <a:t>tidyverse</a:t>
-            </a:r>
-            <a:br>
-              <a:rPr lang="pt-BR" dirty="0"/>
-            </a:br>
-            <a:r>
-              <a:rPr lang="pt-BR" dirty="0"/>
-              <a:t>Operações básicas</a:t>
-            </a:r>
-          </a:p>
-        </p:txBody>
-      </p:sp>
-      <p:sp>
-        <p:nvSpPr>
-          <p:cNvPr id="4" name="CaixaDeTexto 3">
+              <a:t>Comandos Básicos</a:t>
+            </a:r>
+          </a:p>
+          <a:p>
+            <a:pPr algn="ctr"/>
+            <a:endParaRPr lang="pt-BR" dirty="0">
+              <a:solidFill>
+                <a:schemeClr val="accent1">
+                  <a:lumMod val="50000"/>
+                </a:schemeClr>
+              </a:solidFill>
+            </a:endParaRPr>
+          </a:p>
+          <a:p>
+            <a:pPr algn="ctr"/>
+            <a:r>
+              <a:rPr lang="pt-BR" dirty="0">
+                <a:solidFill>
+                  <a:schemeClr val="bg1"/>
+                </a:solidFill>
+              </a:rPr>
+              <a:t>R</a:t>
+            </a:r>
+          </a:p>
+        </p:txBody>
+      </p:sp>
+      <p:sp>
+        <p:nvSpPr>
+          <p:cNvPr id="2" name="CaixaDeTexto 1">
             <a:extLst>
               <a:ext uri="{FF2B5EF4-FFF2-40B4-BE49-F238E27FC236}">
-                <a16:creationId xmlns:a16="http://schemas.microsoft.com/office/drawing/2014/main" id="{4A72CF05-9EFF-FADB-43B8-D24544F12B47}"/>
+                <a16:creationId xmlns:a16="http://schemas.microsoft.com/office/drawing/2014/main" id="{DCDFEB98-6726-8656-BD09-84B5EFA1C77C}"/>
               </a:ext>
             </a:extLst>
           </p:cNvPr>
@@ -4636,8 +4556,8 @@
         </p:nvSpPr>
         <p:spPr>
           <a:xfrm>
-            <a:off x="3953435" y="1488141"/>
-            <a:ext cx="5134739" cy="4893647"/>
+            <a:off x="3761373" y="774497"/>
+            <a:ext cx="8002512" cy="5632311"/>
           </a:xfrm>
           <a:prstGeom prst="rect">
             <a:avLst/>
@@ -4651,208 +4571,149 @@
           <a:lstStyle/>
           <a:p>
             <a:r>
-              <a:rPr lang="pt-BR" sz="2400" b="1" dirty="0"/>
-              <a:t>Seleção</a:t>
-            </a:r>
-            <a:r>
-              <a:rPr lang="pt-BR" dirty="0"/>
-              <a:t> de variáveis</a:t>
+              <a:rPr lang="pt-BR" b="1" dirty="0"/>
+              <a:t>R é uma grande calculadora</a:t>
+            </a:r>
+          </a:p>
+          <a:p>
+            <a:endParaRPr lang="pt-BR" b="1" dirty="0"/>
+          </a:p>
+          <a:p>
+            <a:r>
+              <a:rPr lang="pt-BR" dirty="0"/>
+              <a:t>O princípio didático para entender o R é olhar ele como uma grande calculadora</a:t>
+            </a:r>
+          </a:p>
+          <a:p>
+            <a:r>
+              <a:rPr lang="pt-BR" dirty="0"/>
+              <a:t>pode computar e calcular coisas</a:t>
+            </a:r>
+          </a:p>
+          <a:p>
+            <a:endParaRPr lang="pt-BR" b="1" dirty="0"/>
+          </a:p>
+          <a:p>
+            <a:r>
+              <a:rPr lang="pt-BR" b="1" dirty="0"/>
+              <a:t>R é uma linguagem voltada a objetos</a:t>
+            </a:r>
+          </a:p>
+          <a:p>
+            <a:endParaRPr lang="pt-BR" b="1" dirty="0"/>
+          </a:p>
+          <a:p>
+            <a:r>
+              <a:rPr lang="pt-BR" b="1" dirty="0"/>
+              <a:t>os sinais “&lt;-” e “=“ atribuem valores a um objeto</a:t>
+            </a:r>
+          </a:p>
+          <a:p>
+            <a:r>
+              <a:rPr lang="pt-BR" dirty="0"/>
+              <a:t>para guardar o valor cinco em um objeto x, escrevemos: </a:t>
+            </a:r>
+            <a:r>
+              <a:rPr lang="pt-BR" b="1" dirty="0"/>
+              <a:t>x &lt;- 5</a:t>
+            </a:r>
+            <a:r>
+              <a:rPr lang="pt-BR" dirty="0"/>
+              <a:t> </a:t>
+            </a:r>
+          </a:p>
+          <a:p>
+            <a:endParaRPr lang="pt-BR" b="1" dirty="0"/>
+          </a:p>
+          <a:p>
+            <a:r>
+              <a:rPr lang="pt-BR" dirty="0"/>
+              <a:t>para atribuir mais de um valor, deve usar a mini função de concatenação “c( )”</a:t>
+            </a:r>
+          </a:p>
+          <a:p>
+            <a:r>
+              <a:rPr lang="pt-BR" dirty="0"/>
+              <a:t>assim: </a:t>
+            </a:r>
+            <a:r>
+              <a:rPr lang="pt-BR" b="1" dirty="0"/>
+              <a:t>x &lt;- c( 1, 2, 3, 4, 5, 6)</a:t>
+            </a:r>
+          </a:p>
+          <a:p>
+            <a:endParaRPr lang="pt-BR" b="1" dirty="0"/>
+          </a:p>
+          <a:p>
+            <a:r>
+              <a:rPr lang="pt-BR" b="1" dirty="0"/>
+              <a:t>Os objetos têm estruturas</a:t>
+            </a:r>
+          </a:p>
+          <a:p>
+            <a:r>
+              <a:rPr lang="pt-BR" dirty="0"/>
+              <a:t>O objeto no R pode conter tudo. Desde um valor único até grandes bases de dados</a:t>
+            </a:r>
+            <a:endParaRPr lang="pt-BR" b="1" dirty="0"/>
+          </a:p>
+          <a:p>
+            <a:endParaRPr lang="pt-BR" b="1" dirty="0"/>
+          </a:p>
+          <a:p>
+            <a:r>
+              <a:rPr lang="pt-BR" b="1" dirty="0"/>
+              <a:t>“#” para inserir comentário no código. </a:t>
+            </a:r>
+          </a:p>
+          <a:p>
+            <a:r>
+              <a:rPr lang="pt-BR" dirty="0"/>
+              <a:t>O comentário são linhas de texto que não serão executadas/processadas pelo R</a:t>
             </a:r>
           </a:p>
           <a:p>
             <a:endParaRPr lang="pt-BR" dirty="0"/>
           </a:p>
           <a:p>
-            <a:r>
-              <a:rPr lang="pt-BR" dirty="0" err="1"/>
-              <a:t>meus_dados</a:t>
-            </a:r>
-            <a:r>
-              <a:rPr lang="pt-BR" dirty="0"/>
-              <a:t> %&gt;% </a:t>
-            </a:r>
-            <a:r>
-              <a:rPr lang="pt-BR" b="1" dirty="0" err="1"/>
-              <a:t>select</a:t>
-            </a:r>
-            <a:r>
-              <a:rPr lang="pt-BR" dirty="0"/>
-              <a:t>( raça )</a:t>
-            </a:r>
-          </a:p>
-          <a:p>
             <a:endParaRPr lang="pt-BR" dirty="0"/>
           </a:p>
-          <a:p>
-            <a:r>
-              <a:rPr lang="pt-BR" sz="2400" b="1" dirty="0"/>
-              <a:t>Filtro</a:t>
-            </a:r>
-            <a:r>
-              <a:rPr lang="pt-BR" b="1" dirty="0"/>
-              <a:t> </a:t>
-            </a:r>
-            <a:r>
-              <a:rPr lang="pt-BR" dirty="0"/>
-              <a:t>de casos</a:t>
-            </a:r>
-            <a:endParaRPr lang="pt-BR" b="1" dirty="0"/>
-          </a:p>
-          <a:p>
-            <a:endParaRPr lang="pt-BR" dirty="0"/>
-          </a:p>
-          <a:p>
-            <a:r>
-              <a:rPr lang="pt-BR" dirty="0" err="1"/>
-              <a:t>meus_dados</a:t>
-            </a:r>
-            <a:r>
-              <a:rPr lang="pt-BR" dirty="0"/>
-              <a:t> %&gt;% </a:t>
-            </a:r>
-            <a:r>
-              <a:rPr lang="pt-BR" b="1" dirty="0" err="1"/>
-              <a:t>filter</a:t>
-            </a:r>
-            <a:r>
-              <a:rPr lang="pt-BR" dirty="0"/>
-              <a:t>( raça == “branca” )</a:t>
-            </a:r>
-          </a:p>
-          <a:p>
-            <a:endParaRPr lang="pt-BR" dirty="0"/>
-          </a:p>
-          <a:p>
-            <a:r>
-              <a:rPr lang="pt-BR" sz="2400" b="1" dirty="0"/>
-              <a:t>Renomear</a:t>
-            </a:r>
-            <a:r>
-              <a:rPr lang="pt-BR" b="1" dirty="0"/>
-              <a:t> </a:t>
-            </a:r>
-            <a:r>
-              <a:rPr lang="pt-BR" dirty="0"/>
-              <a:t>variáveis</a:t>
-            </a:r>
-            <a:endParaRPr lang="pt-BR" b="1" dirty="0"/>
-          </a:p>
-          <a:p>
-            <a:endParaRPr lang="pt-BR" dirty="0"/>
-          </a:p>
-          <a:p>
-            <a:r>
-              <a:rPr lang="pt-BR" dirty="0" err="1"/>
-              <a:t>meus_dados</a:t>
-            </a:r>
-            <a:r>
-              <a:rPr lang="pt-BR" dirty="0"/>
-              <a:t> %&gt;% </a:t>
-            </a:r>
-            <a:r>
-              <a:rPr lang="pt-BR" b="1" dirty="0" err="1"/>
-              <a:t>rename</a:t>
-            </a:r>
-            <a:r>
-              <a:rPr lang="pt-BR" dirty="0"/>
-              <a:t>( “</a:t>
-            </a:r>
-            <a:r>
-              <a:rPr lang="pt-BR" dirty="0" err="1"/>
-              <a:t>renda_dom</a:t>
-            </a:r>
-            <a:r>
-              <a:rPr lang="pt-BR" dirty="0"/>
-              <a:t>” == renda )</a:t>
-            </a:r>
-          </a:p>
-          <a:p>
-            <a:endParaRPr lang="pt-BR" dirty="0"/>
-          </a:p>
-          <a:p>
-            <a:r>
-              <a:rPr lang="pt-BR" sz="2400" b="1" dirty="0"/>
-              <a:t>Recodificar/mudar</a:t>
-            </a:r>
-            <a:r>
-              <a:rPr lang="pt-BR" b="1" dirty="0"/>
-              <a:t> </a:t>
-            </a:r>
-            <a:r>
-              <a:rPr lang="pt-BR" dirty="0"/>
-              <a:t>variáveis</a:t>
-            </a:r>
-            <a:endParaRPr lang="pt-BR" b="1" dirty="0"/>
-          </a:p>
-          <a:p>
-            <a:endParaRPr lang="pt-BR" dirty="0"/>
-          </a:p>
-          <a:p>
-            <a:r>
-              <a:rPr lang="pt-BR" dirty="0" err="1"/>
-              <a:t>meus_dados</a:t>
-            </a:r>
-            <a:r>
-              <a:rPr lang="pt-BR" dirty="0"/>
-              <a:t> %&gt;% </a:t>
-            </a:r>
-            <a:r>
-              <a:rPr lang="pt-BR" b="1" dirty="0" err="1"/>
-              <a:t>mutate</a:t>
-            </a:r>
-            <a:r>
-              <a:rPr lang="pt-BR" dirty="0"/>
-              <a:t>( renda2 = renda + 500)</a:t>
-            </a:r>
-          </a:p>
-          <a:p>
-            <a:endParaRPr lang="pt-BR" dirty="0"/>
-          </a:p>
-        </p:txBody>
-      </p:sp>
-      <p:sp>
-        <p:nvSpPr>
-          <p:cNvPr id="3" name="CaixaDeTexto 2">
+        </p:txBody>
+      </p:sp>
+      <p:sp>
+        <p:nvSpPr>
+          <p:cNvPr id="5" name="Espaço Reservado para Número de Slide 4">
             <a:extLst>
               <a:ext uri="{FF2B5EF4-FFF2-40B4-BE49-F238E27FC236}">
-                <a16:creationId xmlns:a16="http://schemas.microsoft.com/office/drawing/2014/main" id="{877CF105-82C5-B71F-7FE8-9BBE7AB8A32A}"/>
+                <a16:creationId xmlns:a16="http://schemas.microsoft.com/office/drawing/2014/main" id="{00B85D35-D976-DD36-EEF1-6E32668847BC}"/>
               </a:ext>
             </a:extLst>
           </p:cNvPr>
-          <p:cNvSpPr txBox="1"/>
-          <p:nvPr/>
-        </p:nvSpPr>
-        <p:spPr>
-          <a:xfrm>
-            <a:off x="6090498" y="476212"/>
-            <a:ext cx="3130409" cy="523220"/>
-          </a:xfrm>
-          <a:prstGeom prst="rect">
-            <a:avLst/>
-          </a:prstGeom>
-          <a:noFill/>
-        </p:spPr>
-        <p:txBody>
-          <a:bodyPr wrap="none" rtlCol="0">
-            <a:spAutoFit/>
-          </a:bodyPr>
-          <a:lstStyle/>
-          <a:p>
-            <a:r>
-              <a:rPr lang="pt-BR" sz="2800" dirty="0"/>
-              <a:t>Pacote </a:t>
-            </a:r>
-            <a:r>
-              <a:rPr lang="pt-BR" sz="2800" b="1" dirty="0"/>
-              <a:t>TIDYVERSE</a:t>
-            </a:r>
+          <p:cNvSpPr>
+            <a:spLocks noGrp="1"/>
+          </p:cNvSpPr>
+          <p:nvPr>
+            <p:ph type="sldNum" sz="quarter" idx="12"/>
+          </p:nvPr>
+        </p:nvSpPr>
+        <p:spPr/>
+        <p:txBody>
+          <a:bodyPr/>
+          <a:lstStyle/>
+          <a:p>
+            <a:fld id="{4FAB73BC-B049-4115-A692-8D63A059BFB8}" type="slidenum">
+              <a:rPr lang="en-US" smtClean="0"/>
+              <a:pPr/>
+              <a:t>13</a:t>
+            </a:fld>
+            <a:endParaRPr lang="en-US" dirty="0"/>
           </a:p>
         </p:txBody>
       </p:sp>
     </p:spTree>
     <p:extLst>
       <p:ext uri="{BB962C8B-B14F-4D97-AF65-F5344CB8AC3E}">
-        <p14:creationId xmlns:p14="http://schemas.microsoft.com/office/powerpoint/2010/main" val="3382760705"/>
+        <p14:creationId xmlns:p14="http://schemas.microsoft.com/office/powerpoint/2010/main" val="3882722730"/>
       </p:ext>
     </p:extLst>
   </p:cSld>
@@ -4881,6 +4742,3360 @@
       </p:grpSpPr>
       <p:sp>
         <p:nvSpPr>
+          <p:cNvPr id="6" name="Título 1">
+            <a:extLst>
+              <a:ext uri="{FF2B5EF4-FFF2-40B4-BE49-F238E27FC236}">
+                <a16:creationId xmlns:a16="http://schemas.microsoft.com/office/drawing/2014/main" id="{06C725E1-3463-0D99-10AC-410F60C62EAA}"/>
+              </a:ext>
+            </a:extLst>
+          </p:cNvPr>
+          <p:cNvSpPr txBox="1">
+            <a:spLocks/>
+          </p:cNvSpPr>
+          <p:nvPr/>
+        </p:nvSpPr>
+        <p:spPr>
+          <a:xfrm>
+            <a:off x="0" y="2374928"/>
+            <a:ext cx="3433482" cy="1444037"/>
+          </a:xfrm>
+          <a:prstGeom prst="rect">
+            <a:avLst/>
+          </a:prstGeom>
+        </p:spPr>
+        <p:txBody>
+          <a:bodyPr vert="horz" lIns="91440" tIns="45720" rIns="91440" bIns="45720" rtlCol="0" anchor="ctr">
+            <a:normAutofit lnSpcReduction="10000"/>
+          </a:bodyPr>
+          <a:lstStyle>
+            <a:lvl1pPr algn="l" defTabSz="914400" rtl="0" eaLnBrk="1" latinLnBrk="0" hangingPunct="1">
+              <a:lnSpc>
+                <a:spcPct val="90000"/>
+              </a:lnSpc>
+              <a:spcBef>
+                <a:spcPct val="0"/>
+              </a:spcBef>
+              <a:buNone/>
+              <a:defRPr sz="3600" kern="1200" spc="-60" baseline="0">
+                <a:solidFill>
+                  <a:srgbClr val="FFFFFF"/>
+                </a:solidFill>
+                <a:latin typeface="+mj-lt"/>
+                <a:ea typeface="+mj-ea"/>
+                <a:cs typeface="+mj-cs"/>
+              </a:defRPr>
+            </a:lvl1pPr>
+          </a:lstStyle>
+          <a:p>
+            <a:pPr algn="ctr"/>
+            <a:r>
+              <a:rPr lang="pt-BR" sz="3300" dirty="0">
+                <a:solidFill>
+                  <a:schemeClr val="accent1">
+                    <a:lumMod val="50000"/>
+                  </a:schemeClr>
+                </a:solidFill>
+              </a:rPr>
+              <a:t>Unidade mínima</a:t>
+            </a:r>
+          </a:p>
+          <a:p>
+            <a:pPr algn="ctr"/>
+            <a:endParaRPr lang="pt-BR" dirty="0">
+              <a:solidFill>
+                <a:schemeClr val="bg1"/>
+              </a:solidFill>
+            </a:endParaRPr>
+          </a:p>
+          <a:p>
+            <a:pPr algn="ctr"/>
+            <a:r>
+              <a:rPr lang="pt-BR" dirty="0">
+                <a:solidFill>
+                  <a:schemeClr val="bg1"/>
+                </a:solidFill>
+              </a:rPr>
+              <a:t>Vetores</a:t>
+            </a:r>
+          </a:p>
+        </p:txBody>
+      </p:sp>
+      <p:sp>
+        <p:nvSpPr>
+          <p:cNvPr id="4" name="CaixaDeTexto 3">
+            <a:extLst>
+              <a:ext uri="{FF2B5EF4-FFF2-40B4-BE49-F238E27FC236}">
+                <a16:creationId xmlns:a16="http://schemas.microsoft.com/office/drawing/2014/main" id="{2F318230-2653-8AEA-5EF3-E3CD4BBBA172}"/>
+              </a:ext>
+            </a:extLst>
+          </p:cNvPr>
+          <p:cNvSpPr txBox="1"/>
+          <p:nvPr/>
+        </p:nvSpPr>
+        <p:spPr>
+          <a:xfrm>
+            <a:off x="3989294" y="851647"/>
+            <a:ext cx="7255512" cy="1077218"/>
+          </a:xfrm>
+          <a:prstGeom prst="rect">
+            <a:avLst/>
+          </a:prstGeom>
+          <a:noFill/>
+        </p:spPr>
+        <p:txBody>
+          <a:bodyPr wrap="none" rtlCol="0">
+            <a:spAutoFit/>
+          </a:bodyPr>
+          <a:lstStyle/>
+          <a:p>
+            <a:r>
+              <a:rPr lang="pt-BR" dirty="0"/>
+              <a:t>1. Por definição, vetores são colunas que guardam informações.</a:t>
+            </a:r>
+          </a:p>
+          <a:p>
+            <a:endParaRPr lang="pt-BR" dirty="0"/>
+          </a:p>
+          <a:p>
+            <a:r>
+              <a:rPr lang="pt-BR" sz="2800" dirty="0"/>
+              <a:t>vetor = { 1, 2, 3, ... , n }  no R: vetor = </a:t>
+            </a:r>
+            <a:r>
+              <a:rPr lang="pt-BR" sz="2800" b="1" dirty="0">
+                <a:solidFill>
+                  <a:srgbClr val="FF0000"/>
+                </a:solidFill>
+              </a:rPr>
+              <a:t>c</a:t>
+            </a:r>
+            <a:r>
+              <a:rPr lang="pt-BR" sz="2800" dirty="0"/>
+              <a:t>(1,2,3,...,n)</a:t>
+            </a:r>
+          </a:p>
+        </p:txBody>
+      </p:sp>
+      <p:sp>
+        <p:nvSpPr>
+          <p:cNvPr id="7" name="CaixaDeTexto 6">
+            <a:extLst>
+              <a:ext uri="{FF2B5EF4-FFF2-40B4-BE49-F238E27FC236}">
+                <a16:creationId xmlns:a16="http://schemas.microsoft.com/office/drawing/2014/main" id="{C175EDD4-8081-A968-7D28-95E2A01E388A}"/>
+              </a:ext>
+            </a:extLst>
+          </p:cNvPr>
+          <p:cNvSpPr txBox="1"/>
+          <p:nvPr/>
+        </p:nvSpPr>
+        <p:spPr>
+          <a:xfrm>
+            <a:off x="4103154" y="2378377"/>
+            <a:ext cx="1122600" cy="584775"/>
+          </a:xfrm>
+          <a:prstGeom prst="rect">
+            <a:avLst/>
+          </a:prstGeom>
+          <a:noFill/>
+        </p:spPr>
+        <p:txBody>
+          <a:bodyPr wrap="square" rtlCol="0">
+            <a:spAutoFit/>
+          </a:bodyPr>
+          <a:lstStyle/>
+          <a:p>
+            <a:r>
+              <a:rPr lang="pt-BR" sz="3200" dirty="0"/>
+              <a:t>vetor</a:t>
+            </a:r>
+          </a:p>
+        </p:txBody>
+      </p:sp>
+      <p:sp>
+        <p:nvSpPr>
+          <p:cNvPr id="8" name="CaixaDeTexto 7">
+            <a:extLst>
+              <a:ext uri="{FF2B5EF4-FFF2-40B4-BE49-F238E27FC236}">
+                <a16:creationId xmlns:a16="http://schemas.microsoft.com/office/drawing/2014/main" id="{4683FD11-5251-A7D4-02C5-E57EEDA2DD8F}"/>
+              </a:ext>
+            </a:extLst>
+          </p:cNvPr>
+          <p:cNvSpPr txBox="1"/>
+          <p:nvPr/>
+        </p:nvSpPr>
+        <p:spPr>
+          <a:xfrm>
+            <a:off x="4254887" y="2993930"/>
+            <a:ext cx="819135" cy="2554545"/>
+          </a:xfrm>
+          <a:prstGeom prst="rect">
+            <a:avLst/>
+          </a:prstGeom>
+          <a:noFill/>
+          <a:ln>
+            <a:solidFill>
+              <a:srgbClr val="FF0000"/>
+            </a:solidFill>
+          </a:ln>
+        </p:spPr>
+        <p:txBody>
+          <a:bodyPr wrap="square" rtlCol="0">
+            <a:spAutoFit/>
+          </a:bodyPr>
+          <a:lstStyle/>
+          <a:p>
+            <a:pPr algn="ctr"/>
+            <a:r>
+              <a:rPr lang="pt-BR" sz="3200" dirty="0"/>
+              <a:t>1</a:t>
+            </a:r>
+          </a:p>
+          <a:p>
+            <a:pPr algn="ctr"/>
+            <a:r>
+              <a:rPr lang="pt-BR" sz="3200" dirty="0"/>
+              <a:t>2</a:t>
+            </a:r>
+          </a:p>
+          <a:p>
+            <a:pPr algn="ctr"/>
+            <a:r>
+              <a:rPr lang="pt-BR" sz="3200" dirty="0"/>
+              <a:t>3</a:t>
+            </a:r>
+          </a:p>
+          <a:p>
+            <a:pPr algn="ctr"/>
+            <a:r>
+              <a:rPr lang="pt-BR" sz="3200" dirty="0"/>
+              <a:t>...</a:t>
+            </a:r>
+          </a:p>
+          <a:p>
+            <a:pPr algn="ctr"/>
+            <a:r>
+              <a:rPr lang="pt-BR" sz="3200" dirty="0"/>
+              <a:t>n</a:t>
+            </a:r>
+          </a:p>
+        </p:txBody>
+      </p:sp>
+      <p:grpSp>
+        <p:nvGrpSpPr>
+          <p:cNvPr id="13" name="Agrupar 12">
+            <a:extLst>
+              <a:ext uri="{FF2B5EF4-FFF2-40B4-BE49-F238E27FC236}">
+                <a16:creationId xmlns:a16="http://schemas.microsoft.com/office/drawing/2014/main" id="{C6D42422-77D7-830E-4612-2CC97B906F84}"/>
+              </a:ext>
+            </a:extLst>
+          </p:cNvPr>
+          <p:cNvGrpSpPr/>
+          <p:nvPr/>
+        </p:nvGrpSpPr>
+        <p:grpSpPr>
+          <a:xfrm>
+            <a:off x="7117980" y="3429000"/>
+            <a:ext cx="3605474" cy="550282"/>
+            <a:chOff x="6990696" y="3254188"/>
+            <a:chExt cx="2153279" cy="240511"/>
+          </a:xfrm>
+        </p:grpSpPr>
+        <p:cxnSp>
+          <p:nvCxnSpPr>
+            <p:cNvPr id="10" name="Conector de Seta Reta 9">
+              <a:extLst>
+                <a:ext uri="{FF2B5EF4-FFF2-40B4-BE49-F238E27FC236}">
+                  <a16:creationId xmlns:a16="http://schemas.microsoft.com/office/drawing/2014/main" id="{82BFC1B9-C9DA-7A97-4E2D-685BED7DBB23}"/>
+                </a:ext>
+              </a:extLst>
+            </p:cNvPr>
+            <p:cNvCxnSpPr>
+              <a:cxnSpLocks/>
+            </p:cNvCxnSpPr>
+            <p:nvPr/>
+          </p:nvCxnSpPr>
+          <p:spPr>
+            <a:xfrm>
+              <a:off x="6990821" y="3254188"/>
+              <a:ext cx="2153154" cy="0"/>
+            </a:xfrm>
+            <a:prstGeom prst="straightConnector1">
+              <a:avLst/>
+            </a:prstGeom>
+            <a:ln w="9525" cap="flat" cmpd="sng" algn="ctr">
+              <a:solidFill>
+                <a:srgbClr val="FF0000"/>
+              </a:solidFill>
+              <a:prstDash val="solid"/>
+              <a:round/>
+              <a:headEnd type="none" w="med" len="med"/>
+              <a:tailEnd type="arrow" w="med" len="med"/>
+            </a:ln>
+          </p:spPr>
+          <p:style>
+            <a:lnRef idx="0">
+              <a:scrgbClr r="0" g="0" b="0"/>
+            </a:lnRef>
+            <a:fillRef idx="0">
+              <a:scrgbClr r="0" g="0" b="0"/>
+            </a:fillRef>
+            <a:effectRef idx="0">
+              <a:scrgbClr r="0" g="0" b="0"/>
+            </a:effectRef>
+            <a:fontRef idx="minor">
+              <a:schemeClr val="tx1"/>
+            </a:fontRef>
+          </p:style>
+        </p:cxnSp>
+        <p:sp>
+          <p:nvSpPr>
+            <p:cNvPr id="11" name="CaixaDeTexto 10">
+              <a:extLst>
+                <a:ext uri="{FF2B5EF4-FFF2-40B4-BE49-F238E27FC236}">
+                  <a16:creationId xmlns:a16="http://schemas.microsoft.com/office/drawing/2014/main" id="{C6FA6E36-F440-9F7F-1D72-6963F85B1AC8}"/>
+                </a:ext>
+              </a:extLst>
+            </p:cNvPr>
+            <p:cNvSpPr txBox="1"/>
+            <p:nvPr/>
+          </p:nvSpPr>
+          <p:spPr>
+            <a:xfrm>
+              <a:off x="6990696" y="3266016"/>
+              <a:ext cx="2153279" cy="228683"/>
+            </a:xfrm>
+            <a:prstGeom prst="rect">
+              <a:avLst/>
+            </a:prstGeom>
+            <a:noFill/>
+          </p:spPr>
+          <p:txBody>
+            <a:bodyPr wrap="none" rtlCol="0">
+              <a:spAutoFit/>
+            </a:bodyPr>
+            <a:lstStyle/>
+            <a:p>
+              <a:r>
+                <a:rPr lang="pt-BR" sz="2800" dirty="0"/>
+                <a:t>1		2		3	...   	n</a:t>
+              </a:r>
+            </a:p>
+          </p:txBody>
+        </p:sp>
+      </p:grpSp>
+      <p:sp>
+        <p:nvSpPr>
+          <p:cNvPr id="14" name="CaixaDeTexto 13">
+            <a:extLst>
+              <a:ext uri="{FF2B5EF4-FFF2-40B4-BE49-F238E27FC236}">
+                <a16:creationId xmlns:a16="http://schemas.microsoft.com/office/drawing/2014/main" id="{B73AEA8F-0B0B-44E0-E4E2-A7818A5362B0}"/>
+              </a:ext>
+            </a:extLst>
+          </p:cNvPr>
+          <p:cNvSpPr txBox="1"/>
+          <p:nvPr/>
+        </p:nvSpPr>
+        <p:spPr>
+          <a:xfrm>
+            <a:off x="6795248" y="2374928"/>
+            <a:ext cx="4485523" cy="646331"/>
+          </a:xfrm>
+          <a:prstGeom prst="rect">
+            <a:avLst/>
+          </a:prstGeom>
+          <a:noFill/>
+        </p:spPr>
+        <p:txBody>
+          <a:bodyPr wrap="none" rtlCol="0">
+            <a:spAutoFit/>
+          </a:bodyPr>
+          <a:lstStyle/>
+          <a:p>
+            <a:r>
+              <a:rPr lang="pt-BR" dirty="0"/>
+              <a:t>2. O vetor tem uma dimensão, </a:t>
+            </a:r>
+          </a:p>
+          <a:p>
+            <a:r>
+              <a:rPr lang="pt-BR" dirty="0"/>
+              <a:t>portanto pode ser representado por uma reta</a:t>
+            </a:r>
+          </a:p>
+        </p:txBody>
+      </p:sp>
+      <p:sp>
+        <p:nvSpPr>
+          <p:cNvPr id="3" name="Espaço Reservado para Número de Slide 2">
+            <a:extLst>
+              <a:ext uri="{FF2B5EF4-FFF2-40B4-BE49-F238E27FC236}">
+                <a16:creationId xmlns:a16="http://schemas.microsoft.com/office/drawing/2014/main" id="{49875A60-DF89-0E7E-4BD6-25EC65D8B9BB}"/>
+              </a:ext>
+            </a:extLst>
+          </p:cNvPr>
+          <p:cNvSpPr>
+            <a:spLocks noGrp="1"/>
+          </p:cNvSpPr>
+          <p:nvPr>
+            <p:ph type="sldNum" sz="quarter" idx="12"/>
+          </p:nvPr>
+        </p:nvSpPr>
+        <p:spPr/>
+        <p:txBody>
+          <a:bodyPr/>
+          <a:lstStyle/>
+          <a:p>
+            <a:fld id="{4FAB73BC-B049-4115-A692-8D63A059BFB8}" type="slidenum">
+              <a:rPr lang="en-US" smtClean="0"/>
+              <a:pPr/>
+              <a:t>14</a:t>
+            </a:fld>
+            <a:endParaRPr lang="en-US" dirty="0"/>
+          </a:p>
+        </p:txBody>
+      </p:sp>
+    </p:spTree>
+    <p:extLst>
+      <p:ext uri="{BB962C8B-B14F-4D97-AF65-F5344CB8AC3E}">
+        <p14:creationId xmlns:p14="http://schemas.microsoft.com/office/powerpoint/2010/main" val="1348027062"/>
+      </p:ext>
+    </p:extLst>
+  </p:cSld>
+  <p:clrMapOvr>
+    <a:masterClrMapping/>
+  </p:clrMapOvr>
+</p:sld>
+</file>
+
+<file path=ppt/slides/slide15.xml><?xml version="1.0" encoding="utf-8"?>
+<p:sld xmlns:a="http://schemas.openxmlformats.org/drawingml/2006/main" xmlns:r="http://schemas.openxmlformats.org/officeDocument/2006/relationships" xmlns:p="http://schemas.openxmlformats.org/presentationml/2006/main">
+  <p:cSld>
+    <p:spTree>
+      <p:nvGrpSpPr>
+        <p:cNvPr id="1" name=""/>
+        <p:cNvGrpSpPr/>
+        <p:nvPr/>
+      </p:nvGrpSpPr>
+      <p:grpSpPr>
+        <a:xfrm>
+          <a:off x="0" y="0"/>
+          <a:ext cx="0" cy="0"/>
+          <a:chOff x="0" y="0"/>
+          <a:chExt cx="0" cy="0"/>
+        </a:xfrm>
+      </p:grpSpPr>
+      <p:sp>
+        <p:nvSpPr>
+          <p:cNvPr id="6" name="Título 1">
+            <a:extLst>
+              <a:ext uri="{FF2B5EF4-FFF2-40B4-BE49-F238E27FC236}">
+                <a16:creationId xmlns:a16="http://schemas.microsoft.com/office/drawing/2014/main" id="{06C725E1-3463-0D99-10AC-410F60C62EAA}"/>
+              </a:ext>
+            </a:extLst>
+          </p:cNvPr>
+          <p:cNvSpPr txBox="1">
+            <a:spLocks/>
+          </p:cNvSpPr>
+          <p:nvPr/>
+        </p:nvSpPr>
+        <p:spPr>
+          <a:xfrm>
+            <a:off x="0" y="2374928"/>
+            <a:ext cx="3433482" cy="1444037"/>
+          </a:xfrm>
+          <a:prstGeom prst="rect">
+            <a:avLst/>
+          </a:prstGeom>
+        </p:spPr>
+        <p:txBody>
+          <a:bodyPr vert="horz" lIns="91440" tIns="45720" rIns="91440" bIns="45720" rtlCol="0" anchor="ctr">
+            <a:normAutofit/>
+          </a:bodyPr>
+          <a:lstStyle>
+            <a:lvl1pPr algn="l" defTabSz="914400" rtl="0" eaLnBrk="1" latinLnBrk="0" hangingPunct="1">
+              <a:lnSpc>
+                <a:spcPct val="90000"/>
+              </a:lnSpc>
+              <a:spcBef>
+                <a:spcPct val="0"/>
+              </a:spcBef>
+              <a:buNone/>
+              <a:defRPr sz="3600" kern="1200" spc="-60" baseline="0">
+                <a:solidFill>
+                  <a:srgbClr val="FFFFFF"/>
+                </a:solidFill>
+                <a:latin typeface="+mj-lt"/>
+                <a:ea typeface="+mj-ea"/>
+                <a:cs typeface="+mj-cs"/>
+              </a:defRPr>
+            </a:lvl1pPr>
+          </a:lstStyle>
+          <a:p>
+            <a:pPr algn="ctr"/>
+            <a:r>
+              <a:rPr lang="pt-BR" dirty="0">
+                <a:solidFill>
+                  <a:schemeClr val="bg1"/>
+                </a:solidFill>
+              </a:rPr>
+              <a:t>Vetores</a:t>
+            </a:r>
+          </a:p>
+        </p:txBody>
+      </p:sp>
+      <p:sp>
+        <p:nvSpPr>
+          <p:cNvPr id="4" name="CaixaDeTexto 3">
+            <a:extLst>
+              <a:ext uri="{FF2B5EF4-FFF2-40B4-BE49-F238E27FC236}">
+                <a16:creationId xmlns:a16="http://schemas.microsoft.com/office/drawing/2014/main" id="{2F318230-2653-8AEA-5EF3-E3CD4BBBA172}"/>
+              </a:ext>
+            </a:extLst>
+          </p:cNvPr>
+          <p:cNvSpPr txBox="1"/>
+          <p:nvPr/>
+        </p:nvSpPr>
+        <p:spPr>
+          <a:xfrm>
+            <a:off x="3989294" y="851647"/>
+            <a:ext cx="7763435" cy="3693319"/>
+          </a:xfrm>
+          <a:prstGeom prst="rect">
+            <a:avLst/>
+          </a:prstGeom>
+          <a:noFill/>
+        </p:spPr>
+        <p:txBody>
+          <a:bodyPr wrap="square" rtlCol="0">
+            <a:spAutoFit/>
+          </a:bodyPr>
+          <a:lstStyle/>
+          <a:p>
+            <a:r>
+              <a:rPr lang="pt-BR" dirty="0"/>
+              <a:t>3. Vetores guardam </a:t>
+            </a:r>
+            <a:r>
+              <a:rPr lang="pt-BR" b="1" dirty="0"/>
+              <a:t>um tipo ou classe </a:t>
+            </a:r>
+            <a:r>
+              <a:rPr lang="pt-BR" dirty="0"/>
+              <a:t>de informação</a:t>
+            </a:r>
+          </a:p>
+          <a:p>
+            <a:endParaRPr lang="pt-BR" dirty="0"/>
+          </a:p>
+          <a:p>
+            <a:r>
+              <a:rPr lang="pt-BR" dirty="0"/>
+              <a:t>É importante saber a definição da classe do vetor, pois é ela que define as possibilidades de manuseio. Como na estatística, as classes de variáveis definem o que é possível de ser feito.</a:t>
+            </a:r>
+          </a:p>
+          <a:p>
+            <a:endParaRPr lang="pt-BR" dirty="0"/>
+          </a:p>
+          <a:p>
+            <a:r>
+              <a:rPr lang="pt-BR" dirty="0"/>
+              <a:t>As mais importantes são:</a:t>
+            </a:r>
+          </a:p>
+          <a:p>
+            <a:r>
+              <a:rPr lang="pt-BR" dirty="0"/>
+              <a:t>	CHR: “</a:t>
+            </a:r>
+            <a:r>
+              <a:rPr lang="pt-BR" dirty="0" err="1"/>
+              <a:t>character</a:t>
+            </a:r>
+            <a:r>
+              <a:rPr lang="pt-BR" dirty="0"/>
+              <a:t>” = caracteres/texto</a:t>
+            </a:r>
+          </a:p>
+          <a:p>
+            <a:r>
+              <a:rPr lang="pt-BR" dirty="0"/>
+              <a:t>	NUM: “</a:t>
+            </a:r>
+            <a:r>
+              <a:rPr lang="pt-BR" dirty="0" err="1"/>
+              <a:t>numeric</a:t>
+            </a:r>
+            <a:r>
+              <a:rPr lang="pt-BR" dirty="0"/>
+              <a:t>” = números reais (incluso decimais)</a:t>
+            </a:r>
+          </a:p>
+          <a:p>
+            <a:r>
+              <a:rPr lang="pt-BR" dirty="0"/>
+              <a:t>	INT : “</a:t>
+            </a:r>
+            <a:r>
+              <a:rPr lang="pt-BR" dirty="0" err="1"/>
+              <a:t>integer</a:t>
+            </a:r>
+            <a:r>
+              <a:rPr lang="pt-BR" dirty="0"/>
+              <a:t>” = números inteiros</a:t>
+            </a:r>
+          </a:p>
+          <a:p>
+            <a:r>
+              <a:rPr lang="pt-BR" dirty="0"/>
+              <a:t>	LOG: “</a:t>
+            </a:r>
+            <a:r>
+              <a:rPr lang="pt-BR" dirty="0" err="1"/>
+              <a:t>logical</a:t>
+            </a:r>
+            <a:r>
+              <a:rPr lang="pt-BR" dirty="0"/>
+              <a:t>” = lógica Verdadeiro/Falso</a:t>
+            </a:r>
+          </a:p>
+          <a:p>
+            <a:r>
+              <a:rPr lang="pt-BR" dirty="0"/>
+              <a:t>	</a:t>
+            </a:r>
+          </a:p>
+          <a:p>
+            <a:r>
+              <a:rPr lang="pt-BR" dirty="0"/>
+              <a:t>	ORD: “</a:t>
+            </a:r>
+            <a:r>
+              <a:rPr lang="pt-BR" dirty="0" err="1"/>
+              <a:t>ordered</a:t>
+            </a:r>
+            <a:r>
+              <a:rPr lang="pt-BR" dirty="0"/>
+              <a:t>” = texto ordenado </a:t>
+            </a:r>
+          </a:p>
+        </p:txBody>
+      </p:sp>
+      <p:sp>
+        <p:nvSpPr>
+          <p:cNvPr id="3" name="Espaço Reservado para Número de Slide 2">
+            <a:extLst>
+              <a:ext uri="{FF2B5EF4-FFF2-40B4-BE49-F238E27FC236}">
+                <a16:creationId xmlns:a16="http://schemas.microsoft.com/office/drawing/2014/main" id="{48FF54AE-47B1-DE90-1C2F-C747B8726C8B}"/>
+              </a:ext>
+            </a:extLst>
+          </p:cNvPr>
+          <p:cNvSpPr>
+            <a:spLocks noGrp="1"/>
+          </p:cNvSpPr>
+          <p:nvPr>
+            <p:ph type="sldNum" sz="quarter" idx="12"/>
+          </p:nvPr>
+        </p:nvSpPr>
+        <p:spPr/>
+        <p:txBody>
+          <a:bodyPr/>
+          <a:lstStyle/>
+          <a:p>
+            <a:fld id="{4FAB73BC-B049-4115-A692-8D63A059BFB8}" type="slidenum">
+              <a:rPr lang="en-US" smtClean="0"/>
+              <a:pPr/>
+              <a:t>15</a:t>
+            </a:fld>
+            <a:endParaRPr lang="en-US" dirty="0"/>
+          </a:p>
+        </p:txBody>
+      </p:sp>
+    </p:spTree>
+    <p:extLst>
+      <p:ext uri="{BB962C8B-B14F-4D97-AF65-F5344CB8AC3E}">
+        <p14:creationId xmlns:p14="http://schemas.microsoft.com/office/powerpoint/2010/main" val="3450590919"/>
+      </p:ext>
+    </p:extLst>
+  </p:cSld>
+  <p:clrMapOvr>
+    <a:masterClrMapping/>
+  </p:clrMapOvr>
+</p:sld>
+</file>
+
+<file path=ppt/slides/slide16.xml><?xml version="1.0" encoding="utf-8"?>
+<p:sld xmlns:a="http://schemas.openxmlformats.org/drawingml/2006/main" xmlns:r="http://schemas.openxmlformats.org/officeDocument/2006/relationships" xmlns:p="http://schemas.openxmlformats.org/presentationml/2006/main">
+  <p:cSld>
+    <p:spTree>
+      <p:nvGrpSpPr>
+        <p:cNvPr id="1" name=""/>
+        <p:cNvGrpSpPr/>
+        <p:nvPr/>
+      </p:nvGrpSpPr>
+      <p:grpSpPr>
+        <a:xfrm>
+          <a:off x="0" y="0"/>
+          <a:ext cx="0" cy="0"/>
+          <a:chOff x="0" y="0"/>
+          <a:chExt cx="0" cy="0"/>
+        </a:xfrm>
+      </p:grpSpPr>
+      <p:sp>
+        <p:nvSpPr>
+          <p:cNvPr id="6" name="Título 1">
+            <a:extLst>
+              <a:ext uri="{FF2B5EF4-FFF2-40B4-BE49-F238E27FC236}">
+                <a16:creationId xmlns:a16="http://schemas.microsoft.com/office/drawing/2014/main" id="{06C725E1-3463-0D99-10AC-410F60C62EAA}"/>
+              </a:ext>
+            </a:extLst>
+          </p:cNvPr>
+          <p:cNvSpPr txBox="1">
+            <a:spLocks/>
+          </p:cNvSpPr>
+          <p:nvPr/>
+        </p:nvSpPr>
+        <p:spPr>
+          <a:xfrm>
+            <a:off x="0" y="2374928"/>
+            <a:ext cx="3433482" cy="1444037"/>
+          </a:xfrm>
+          <a:prstGeom prst="rect">
+            <a:avLst/>
+          </a:prstGeom>
+        </p:spPr>
+        <p:txBody>
+          <a:bodyPr vert="horz" lIns="91440" tIns="45720" rIns="91440" bIns="45720" rtlCol="0" anchor="ctr">
+            <a:normAutofit/>
+          </a:bodyPr>
+          <a:lstStyle>
+            <a:lvl1pPr algn="l" defTabSz="914400" rtl="0" eaLnBrk="1" latinLnBrk="0" hangingPunct="1">
+              <a:lnSpc>
+                <a:spcPct val="90000"/>
+              </a:lnSpc>
+              <a:spcBef>
+                <a:spcPct val="0"/>
+              </a:spcBef>
+              <a:buNone/>
+              <a:defRPr sz="3600" kern="1200" spc="-60" baseline="0">
+                <a:solidFill>
+                  <a:srgbClr val="FFFFFF"/>
+                </a:solidFill>
+                <a:latin typeface="+mj-lt"/>
+                <a:ea typeface="+mj-ea"/>
+                <a:cs typeface="+mj-cs"/>
+              </a:defRPr>
+            </a:lvl1pPr>
+          </a:lstStyle>
+          <a:p>
+            <a:pPr algn="ctr"/>
+            <a:r>
+              <a:rPr lang="pt-BR" dirty="0">
+                <a:solidFill>
+                  <a:schemeClr val="bg1"/>
+                </a:solidFill>
+              </a:rPr>
+              <a:t>Vetores</a:t>
+            </a:r>
+          </a:p>
+        </p:txBody>
+      </p:sp>
+      <p:sp>
+        <p:nvSpPr>
+          <p:cNvPr id="4" name="CaixaDeTexto 3">
+            <a:extLst>
+              <a:ext uri="{FF2B5EF4-FFF2-40B4-BE49-F238E27FC236}">
+                <a16:creationId xmlns:a16="http://schemas.microsoft.com/office/drawing/2014/main" id="{2F318230-2653-8AEA-5EF3-E3CD4BBBA172}"/>
+              </a:ext>
+            </a:extLst>
+          </p:cNvPr>
+          <p:cNvSpPr txBox="1"/>
+          <p:nvPr/>
+        </p:nvSpPr>
+        <p:spPr>
+          <a:xfrm>
+            <a:off x="3481582" y="550032"/>
+            <a:ext cx="8465779" cy="1384995"/>
+          </a:xfrm>
+          <a:prstGeom prst="rect">
+            <a:avLst/>
+          </a:prstGeom>
+          <a:noFill/>
+        </p:spPr>
+        <p:txBody>
+          <a:bodyPr wrap="none" rtlCol="0">
+            <a:spAutoFit/>
+          </a:bodyPr>
+          <a:lstStyle/>
+          <a:p>
+            <a:r>
+              <a:rPr lang="pt-BR" sz="2800" dirty="0"/>
+              <a:t>idade = c( 12, 9, 12, 9,17 )</a:t>
+            </a:r>
+          </a:p>
+          <a:p>
+            <a:r>
+              <a:rPr lang="pt-BR" sz="2800" dirty="0"/>
+              <a:t>renda = c( 2500, 900,2000,1200,6800)</a:t>
+            </a:r>
+          </a:p>
+          <a:p>
+            <a:r>
+              <a:rPr lang="pt-BR" sz="2800" dirty="0" err="1"/>
+              <a:t>raca</a:t>
+            </a:r>
+            <a:r>
+              <a:rPr lang="pt-BR" sz="2800" dirty="0"/>
+              <a:t> = c( “branca”, “indígena”, “parta”, “</a:t>
+            </a:r>
+            <a:r>
+              <a:rPr lang="pt-BR" sz="2800" dirty="0" err="1"/>
+              <a:t>preta”,”branca</a:t>
+            </a:r>
+            <a:r>
+              <a:rPr lang="pt-BR" sz="2800" dirty="0"/>
+              <a:t>”)</a:t>
+            </a:r>
+          </a:p>
+        </p:txBody>
+      </p:sp>
+      <p:sp>
+        <p:nvSpPr>
+          <p:cNvPr id="7" name="CaixaDeTexto 6">
+            <a:extLst>
+              <a:ext uri="{FF2B5EF4-FFF2-40B4-BE49-F238E27FC236}">
+                <a16:creationId xmlns:a16="http://schemas.microsoft.com/office/drawing/2014/main" id="{C175EDD4-8081-A968-7D28-95E2A01E388A}"/>
+              </a:ext>
+            </a:extLst>
+          </p:cNvPr>
+          <p:cNvSpPr txBox="1"/>
+          <p:nvPr/>
+        </p:nvSpPr>
+        <p:spPr>
+          <a:xfrm>
+            <a:off x="4085223" y="2495922"/>
+            <a:ext cx="1122600" cy="584775"/>
+          </a:xfrm>
+          <a:prstGeom prst="rect">
+            <a:avLst/>
+          </a:prstGeom>
+          <a:noFill/>
+        </p:spPr>
+        <p:txBody>
+          <a:bodyPr wrap="square" rtlCol="0">
+            <a:spAutoFit/>
+          </a:bodyPr>
+          <a:lstStyle/>
+          <a:p>
+            <a:pPr algn="ctr"/>
+            <a:r>
+              <a:rPr lang="pt-BR" sz="3200" dirty="0" err="1"/>
+              <a:t>esc</a:t>
+            </a:r>
+            <a:endParaRPr lang="pt-BR" sz="3200" dirty="0"/>
+          </a:p>
+        </p:txBody>
+      </p:sp>
+      <p:sp>
+        <p:nvSpPr>
+          <p:cNvPr id="8" name="CaixaDeTexto 7">
+            <a:extLst>
+              <a:ext uri="{FF2B5EF4-FFF2-40B4-BE49-F238E27FC236}">
+                <a16:creationId xmlns:a16="http://schemas.microsoft.com/office/drawing/2014/main" id="{4683FD11-5251-A7D4-02C5-E57EEDA2DD8F}"/>
+              </a:ext>
+            </a:extLst>
+          </p:cNvPr>
+          <p:cNvSpPr txBox="1"/>
+          <p:nvPr/>
+        </p:nvSpPr>
+        <p:spPr>
+          <a:xfrm>
+            <a:off x="3842173" y="3073799"/>
+            <a:ext cx="1572841" cy="1938992"/>
+          </a:xfrm>
+          <a:prstGeom prst="rect">
+            <a:avLst/>
+          </a:prstGeom>
+          <a:noFill/>
+          <a:ln>
+            <a:solidFill>
+              <a:srgbClr val="FF0000"/>
+            </a:solidFill>
+          </a:ln>
+        </p:spPr>
+        <p:txBody>
+          <a:bodyPr wrap="square" rtlCol="0">
+            <a:spAutoFit/>
+          </a:bodyPr>
+          <a:lstStyle/>
+          <a:p>
+            <a:pPr algn="ctr"/>
+            <a:r>
+              <a:rPr lang="pt-BR" sz="2400" dirty="0"/>
+              <a:t>12</a:t>
+            </a:r>
+          </a:p>
+          <a:p>
+            <a:pPr algn="ctr"/>
+            <a:r>
+              <a:rPr lang="pt-BR" sz="2400" dirty="0"/>
+              <a:t>9</a:t>
+            </a:r>
+          </a:p>
+          <a:p>
+            <a:pPr algn="ctr"/>
+            <a:r>
+              <a:rPr lang="pt-BR" sz="2400" dirty="0"/>
+              <a:t>12</a:t>
+            </a:r>
+          </a:p>
+          <a:p>
+            <a:pPr algn="ctr"/>
+            <a:r>
+              <a:rPr lang="pt-BR" sz="2400" dirty="0"/>
+              <a:t>9</a:t>
+            </a:r>
+          </a:p>
+          <a:p>
+            <a:pPr algn="ctr"/>
+            <a:r>
+              <a:rPr lang="pt-BR" sz="2400" dirty="0"/>
+              <a:t>17</a:t>
+            </a:r>
+          </a:p>
+        </p:txBody>
+      </p:sp>
+      <p:sp>
+        <p:nvSpPr>
+          <p:cNvPr id="3" name="CaixaDeTexto 2">
+            <a:extLst>
+              <a:ext uri="{FF2B5EF4-FFF2-40B4-BE49-F238E27FC236}">
+                <a16:creationId xmlns:a16="http://schemas.microsoft.com/office/drawing/2014/main" id="{CB30641D-07EA-6B06-2009-6A338BC73757}"/>
+              </a:ext>
+            </a:extLst>
+          </p:cNvPr>
+          <p:cNvSpPr txBox="1"/>
+          <p:nvPr/>
+        </p:nvSpPr>
+        <p:spPr>
+          <a:xfrm>
+            <a:off x="8407732" y="2489024"/>
+            <a:ext cx="1122600" cy="584775"/>
+          </a:xfrm>
+          <a:prstGeom prst="rect">
+            <a:avLst/>
+          </a:prstGeom>
+          <a:noFill/>
+        </p:spPr>
+        <p:txBody>
+          <a:bodyPr wrap="square" rtlCol="0">
+            <a:spAutoFit/>
+          </a:bodyPr>
+          <a:lstStyle/>
+          <a:p>
+            <a:r>
+              <a:rPr lang="pt-BR" sz="3200" dirty="0"/>
+              <a:t>raça</a:t>
+            </a:r>
+          </a:p>
+        </p:txBody>
+      </p:sp>
+      <p:sp>
+        <p:nvSpPr>
+          <p:cNvPr id="5" name="CaixaDeTexto 4">
+            <a:extLst>
+              <a:ext uri="{FF2B5EF4-FFF2-40B4-BE49-F238E27FC236}">
+                <a16:creationId xmlns:a16="http://schemas.microsoft.com/office/drawing/2014/main" id="{A7BD8188-D562-7536-7748-5DFC6B0DFA86}"/>
+              </a:ext>
+            </a:extLst>
+          </p:cNvPr>
+          <p:cNvSpPr txBox="1"/>
+          <p:nvPr/>
+        </p:nvSpPr>
+        <p:spPr>
+          <a:xfrm>
+            <a:off x="8123330" y="3077248"/>
+            <a:ext cx="1572841" cy="1938992"/>
+          </a:xfrm>
+          <a:prstGeom prst="rect">
+            <a:avLst/>
+          </a:prstGeom>
+          <a:noFill/>
+          <a:ln>
+            <a:solidFill>
+              <a:srgbClr val="FF0000"/>
+            </a:solidFill>
+          </a:ln>
+        </p:spPr>
+        <p:txBody>
+          <a:bodyPr wrap="square" rtlCol="0">
+            <a:spAutoFit/>
+          </a:bodyPr>
+          <a:lstStyle/>
+          <a:p>
+            <a:pPr algn="ctr"/>
+            <a:r>
+              <a:rPr lang="pt-BR" sz="2400" dirty="0"/>
+              <a:t>branca</a:t>
+            </a:r>
+          </a:p>
+          <a:p>
+            <a:pPr algn="ctr"/>
+            <a:r>
+              <a:rPr lang="pt-BR" sz="2400" dirty="0"/>
+              <a:t>indígena</a:t>
+            </a:r>
+          </a:p>
+          <a:p>
+            <a:pPr algn="ctr"/>
+            <a:r>
+              <a:rPr lang="pt-BR" sz="2400" dirty="0"/>
+              <a:t>parda</a:t>
+            </a:r>
+          </a:p>
+          <a:p>
+            <a:pPr algn="ctr"/>
+            <a:r>
+              <a:rPr lang="pt-BR" sz="2400" dirty="0"/>
+              <a:t>preta</a:t>
+            </a:r>
+          </a:p>
+          <a:p>
+            <a:pPr algn="ctr"/>
+            <a:r>
+              <a:rPr lang="pt-BR" sz="2400" dirty="0"/>
+              <a:t>branca</a:t>
+            </a:r>
+          </a:p>
+        </p:txBody>
+      </p:sp>
+      <p:sp>
+        <p:nvSpPr>
+          <p:cNvPr id="12" name="CaixaDeTexto 11">
+            <a:extLst>
+              <a:ext uri="{FF2B5EF4-FFF2-40B4-BE49-F238E27FC236}">
+                <a16:creationId xmlns:a16="http://schemas.microsoft.com/office/drawing/2014/main" id="{E77F2506-0A62-9403-59D8-F51BD39566C0}"/>
+              </a:ext>
+            </a:extLst>
+          </p:cNvPr>
+          <p:cNvSpPr txBox="1"/>
+          <p:nvPr/>
+        </p:nvSpPr>
+        <p:spPr>
+          <a:xfrm>
+            <a:off x="6136138" y="2492473"/>
+            <a:ext cx="1283997" cy="584775"/>
+          </a:xfrm>
+          <a:prstGeom prst="rect">
+            <a:avLst/>
+          </a:prstGeom>
+          <a:noFill/>
+        </p:spPr>
+        <p:txBody>
+          <a:bodyPr wrap="square" rtlCol="0">
+            <a:spAutoFit/>
+          </a:bodyPr>
+          <a:lstStyle/>
+          <a:p>
+            <a:r>
+              <a:rPr lang="pt-BR" sz="3200" dirty="0"/>
+              <a:t>renda</a:t>
+            </a:r>
+          </a:p>
+        </p:txBody>
+      </p:sp>
+      <p:sp>
+        <p:nvSpPr>
+          <p:cNvPr id="15" name="CaixaDeTexto 14">
+            <a:extLst>
+              <a:ext uri="{FF2B5EF4-FFF2-40B4-BE49-F238E27FC236}">
+                <a16:creationId xmlns:a16="http://schemas.microsoft.com/office/drawing/2014/main" id="{33F0C0EC-D7BD-C2ED-3408-58200EF7A617}"/>
+              </a:ext>
+            </a:extLst>
+          </p:cNvPr>
+          <p:cNvSpPr txBox="1"/>
+          <p:nvPr/>
+        </p:nvSpPr>
+        <p:spPr>
+          <a:xfrm>
+            <a:off x="5911018" y="3077248"/>
+            <a:ext cx="1572841" cy="1938992"/>
+          </a:xfrm>
+          <a:prstGeom prst="rect">
+            <a:avLst/>
+          </a:prstGeom>
+          <a:noFill/>
+          <a:ln>
+            <a:solidFill>
+              <a:srgbClr val="FF0000"/>
+            </a:solidFill>
+          </a:ln>
+        </p:spPr>
+        <p:txBody>
+          <a:bodyPr wrap="square" rtlCol="0">
+            <a:spAutoFit/>
+          </a:bodyPr>
+          <a:lstStyle/>
+          <a:p>
+            <a:pPr algn="ctr"/>
+            <a:r>
+              <a:rPr lang="pt-BR" sz="2400" dirty="0"/>
+              <a:t>2500</a:t>
+            </a:r>
+          </a:p>
+          <a:p>
+            <a:pPr algn="ctr"/>
+            <a:r>
+              <a:rPr lang="pt-BR" sz="2400" dirty="0"/>
+              <a:t>900</a:t>
+            </a:r>
+          </a:p>
+          <a:p>
+            <a:pPr algn="ctr"/>
+            <a:r>
+              <a:rPr lang="pt-BR" sz="2400" dirty="0"/>
+              <a:t>2000</a:t>
+            </a:r>
+          </a:p>
+          <a:p>
+            <a:pPr algn="ctr"/>
+            <a:r>
+              <a:rPr lang="pt-BR" sz="2400" dirty="0"/>
+              <a:t>1200</a:t>
+            </a:r>
+          </a:p>
+          <a:p>
+            <a:pPr algn="ctr"/>
+            <a:r>
+              <a:rPr lang="pt-BR" sz="2400" dirty="0"/>
+              <a:t>6800</a:t>
+            </a:r>
+          </a:p>
+        </p:txBody>
+      </p:sp>
+      <p:sp>
+        <p:nvSpPr>
+          <p:cNvPr id="16" name="CaixaDeTexto 15">
+            <a:extLst>
+              <a:ext uri="{FF2B5EF4-FFF2-40B4-BE49-F238E27FC236}">
+                <a16:creationId xmlns:a16="http://schemas.microsoft.com/office/drawing/2014/main" id="{6858815B-4028-84AA-2023-9ADC1D77DC3C}"/>
+              </a:ext>
+            </a:extLst>
+          </p:cNvPr>
+          <p:cNvSpPr txBox="1"/>
+          <p:nvPr/>
+        </p:nvSpPr>
+        <p:spPr>
+          <a:xfrm>
+            <a:off x="3997411" y="5336159"/>
+            <a:ext cx="2138727" cy="369332"/>
+          </a:xfrm>
+          <a:prstGeom prst="rect">
+            <a:avLst/>
+          </a:prstGeom>
+          <a:noFill/>
+        </p:spPr>
+        <p:txBody>
+          <a:bodyPr wrap="none" rtlCol="0">
+            <a:spAutoFit/>
+          </a:bodyPr>
+          <a:lstStyle/>
+          <a:p>
+            <a:r>
+              <a:rPr lang="pt-BR" dirty="0"/>
+              <a:t>O que isso significa?</a:t>
+            </a:r>
+          </a:p>
+        </p:txBody>
+      </p:sp>
+      <p:sp>
+        <p:nvSpPr>
+          <p:cNvPr id="11" name="Espaço Reservado para Número de Slide 10">
+            <a:extLst>
+              <a:ext uri="{FF2B5EF4-FFF2-40B4-BE49-F238E27FC236}">
+                <a16:creationId xmlns:a16="http://schemas.microsoft.com/office/drawing/2014/main" id="{1520F5F2-D9C3-7347-B213-C877737379E8}"/>
+              </a:ext>
+            </a:extLst>
+          </p:cNvPr>
+          <p:cNvSpPr>
+            <a:spLocks noGrp="1"/>
+          </p:cNvSpPr>
+          <p:nvPr>
+            <p:ph type="sldNum" sz="quarter" idx="12"/>
+          </p:nvPr>
+        </p:nvSpPr>
+        <p:spPr/>
+        <p:txBody>
+          <a:bodyPr/>
+          <a:lstStyle/>
+          <a:p>
+            <a:fld id="{4FAB73BC-B049-4115-A692-8D63A059BFB8}" type="slidenum">
+              <a:rPr lang="en-US" sz="2000" smtClean="0"/>
+              <a:pPr/>
+              <a:t>16</a:t>
+            </a:fld>
+            <a:endParaRPr lang="en-US" sz="2000" dirty="0"/>
+          </a:p>
+        </p:txBody>
+      </p:sp>
+    </p:spTree>
+    <p:extLst>
+      <p:ext uri="{BB962C8B-B14F-4D97-AF65-F5344CB8AC3E}">
+        <p14:creationId xmlns:p14="http://schemas.microsoft.com/office/powerpoint/2010/main" val="971250386"/>
+      </p:ext>
+    </p:extLst>
+  </p:cSld>
+  <p:clrMapOvr>
+    <a:masterClrMapping/>
+  </p:clrMapOvr>
+</p:sld>
+</file>
+
+<file path=ppt/slides/slide17.xml><?xml version="1.0" encoding="utf-8"?>
+<p:sld xmlns:a="http://schemas.openxmlformats.org/drawingml/2006/main" xmlns:r="http://schemas.openxmlformats.org/officeDocument/2006/relationships" xmlns:p="http://schemas.openxmlformats.org/presentationml/2006/main">
+  <p:cSld>
+    <p:spTree>
+      <p:nvGrpSpPr>
+        <p:cNvPr id="1" name=""/>
+        <p:cNvGrpSpPr/>
+        <p:nvPr/>
+      </p:nvGrpSpPr>
+      <p:grpSpPr>
+        <a:xfrm>
+          <a:off x="0" y="0"/>
+          <a:ext cx="0" cy="0"/>
+          <a:chOff x="0" y="0"/>
+          <a:chExt cx="0" cy="0"/>
+        </a:xfrm>
+      </p:grpSpPr>
+      <p:sp>
+        <p:nvSpPr>
+          <p:cNvPr id="5" name="Título 1">
+            <a:extLst>
+              <a:ext uri="{FF2B5EF4-FFF2-40B4-BE49-F238E27FC236}">
+                <a16:creationId xmlns:a16="http://schemas.microsoft.com/office/drawing/2014/main" id="{D416E1EF-542E-3396-52D9-E4FEE5057B7E}"/>
+              </a:ext>
+            </a:extLst>
+          </p:cNvPr>
+          <p:cNvSpPr txBox="1">
+            <a:spLocks/>
+          </p:cNvSpPr>
+          <p:nvPr/>
+        </p:nvSpPr>
+        <p:spPr>
+          <a:xfrm>
+            <a:off x="0" y="2374928"/>
+            <a:ext cx="3433482" cy="1444037"/>
+          </a:xfrm>
+          <a:prstGeom prst="rect">
+            <a:avLst/>
+          </a:prstGeom>
+        </p:spPr>
+        <p:txBody>
+          <a:bodyPr vert="horz" lIns="91440" tIns="45720" rIns="91440" bIns="45720" rtlCol="0" anchor="ctr">
+            <a:normAutofit fontScale="85000" lnSpcReduction="10000"/>
+          </a:bodyPr>
+          <a:lstStyle>
+            <a:lvl1pPr algn="l" defTabSz="914400" rtl="0" eaLnBrk="1" latinLnBrk="0" hangingPunct="1">
+              <a:lnSpc>
+                <a:spcPct val="90000"/>
+              </a:lnSpc>
+              <a:spcBef>
+                <a:spcPct val="0"/>
+              </a:spcBef>
+              <a:buNone/>
+              <a:defRPr sz="3600" kern="1200" spc="-60" baseline="0">
+                <a:solidFill>
+                  <a:srgbClr val="FFFFFF"/>
+                </a:solidFill>
+                <a:latin typeface="+mj-lt"/>
+                <a:ea typeface="+mj-ea"/>
+                <a:cs typeface="+mj-cs"/>
+              </a:defRPr>
+            </a:lvl1pPr>
+          </a:lstStyle>
+          <a:p>
+            <a:pPr algn="ctr"/>
+            <a:r>
+              <a:rPr lang="pt-BR" dirty="0">
+                <a:solidFill>
+                  <a:schemeClr val="accent1">
+                    <a:lumMod val="50000"/>
+                  </a:schemeClr>
+                </a:solidFill>
+              </a:rPr>
+              <a:t>Dados estruturados</a:t>
+            </a:r>
+          </a:p>
+          <a:p>
+            <a:pPr algn="ctr"/>
+            <a:endParaRPr lang="pt-BR" dirty="0">
+              <a:solidFill>
+                <a:schemeClr val="accent1">
+                  <a:lumMod val="50000"/>
+                </a:schemeClr>
+              </a:solidFill>
+            </a:endParaRPr>
+          </a:p>
+          <a:p>
+            <a:pPr algn="ctr"/>
+            <a:r>
+              <a:rPr lang="pt-BR" dirty="0">
+                <a:solidFill>
+                  <a:schemeClr val="bg1"/>
+                </a:solidFill>
+              </a:rPr>
+              <a:t>Data frames</a:t>
+            </a:r>
+          </a:p>
+        </p:txBody>
+      </p:sp>
+      <p:sp>
+        <p:nvSpPr>
+          <p:cNvPr id="2" name="CaixaDeTexto 1">
+            <a:extLst>
+              <a:ext uri="{FF2B5EF4-FFF2-40B4-BE49-F238E27FC236}">
+                <a16:creationId xmlns:a16="http://schemas.microsoft.com/office/drawing/2014/main" id="{C2F5F996-5560-8504-80CD-330223670999}"/>
+              </a:ext>
+            </a:extLst>
+          </p:cNvPr>
+          <p:cNvSpPr txBox="1"/>
+          <p:nvPr/>
+        </p:nvSpPr>
+        <p:spPr>
+          <a:xfrm>
+            <a:off x="3989294" y="851647"/>
+            <a:ext cx="6165470" cy="369332"/>
+          </a:xfrm>
+          <a:prstGeom prst="rect">
+            <a:avLst/>
+          </a:prstGeom>
+          <a:noFill/>
+        </p:spPr>
+        <p:txBody>
+          <a:bodyPr wrap="none" rtlCol="0">
+            <a:spAutoFit/>
+          </a:bodyPr>
+          <a:lstStyle/>
+          <a:p>
+            <a:r>
+              <a:rPr lang="pt-BR" dirty="0"/>
+              <a:t>1. Data frame é um conjunto de vetores com dimensões iguais</a:t>
+            </a:r>
+          </a:p>
+        </p:txBody>
+      </p:sp>
+      <p:sp>
+        <p:nvSpPr>
+          <p:cNvPr id="12" name="CaixaDeTexto 11">
+            <a:extLst>
+              <a:ext uri="{FF2B5EF4-FFF2-40B4-BE49-F238E27FC236}">
+                <a16:creationId xmlns:a16="http://schemas.microsoft.com/office/drawing/2014/main" id="{AEB2CDF4-848D-3378-D5CE-635224FD9476}"/>
+              </a:ext>
+            </a:extLst>
+          </p:cNvPr>
+          <p:cNvSpPr txBox="1"/>
+          <p:nvPr/>
+        </p:nvSpPr>
+        <p:spPr>
+          <a:xfrm>
+            <a:off x="3985305" y="4446494"/>
+            <a:ext cx="4490332" cy="923330"/>
+          </a:xfrm>
+          <a:prstGeom prst="rect">
+            <a:avLst/>
+          </a:prstGeom>
+          <a:noFill/>
+        </p:spPr>
+        <p:txBody>
+          <a:bodyPr wrap="none" rtlCol="0">
+            <a:spAutoFit/>
+          </a:bodyPr>
+          <a:lstStyle/>
+          <a:p>
+            <a:r>
+              <a:rPr lang="pt-BR" dirty="0"/>
+              <a:t>Definição no R:</a:t>
+            </a:r>
+          </a:p>
+          <a:p>
+            <a:endParaRPr lang="pt-BR" dirty="0"/>
+          </a:p>
+          <a:p>
+            <a:r>
+              <a:rPr lang="pt-BR" dirty="0" err="1"/>
+              <a:t>meus_dados</a:t>
+            </a:r>
+            <a:r>
+              <a:rPr lang="pt-BR" dirty="0"/>
+              <a:t> &lt;- </a:t>
+            </a:r>
+            <a:r>
+              <a:rPr lang="pt-BR" dirty="0" err="1"/>
+              <a:t>data.frame</a:t>
+            </a:r>
+            <a:r>
+              <a:rPr lang="pt-BR" dirty="0"/>
+              <a:t>(</a:t>
+            </a:r>
+            <a:r>
+              <a:rPr lang="pt-BR" dirty="0" err="1"/>
+              <a:t>idade,renda,raça</a:t>
+            </a:r>
+            <a:r>
+              <a:rPr lang="pt-BR" dirty="0"/>
+              <a:t>)</a:t>
+            </a:r>
+          </a:p>
+        </p:txBody>
+      </p:sp>
+      <p:sp>
+        <p:nvSpPr>
+          <p:cNvPr id="13" name="Espaço Reservado para Número de Slide 12">
+            <a:extLst>
+              <a:ext uri="{FF2B5EF4-FFF2-40B4-BE49-F238E27FC236}">
+                <a16:creationId xmlns:a16="http://schemas.microsoft.com/office/drawing/2014/main" id="{84739714-3A86-9057-2A0D-CF4AA9AAB1A2}"/>
+              </a:ext>
+            </a:extLst>
+          </p:cNvPr>
+          <p:cNvSpPr>
+            <a:spLocks noGrp="1"/>
+          </p:cNvSpPr>
+          <p:nvPr>
+            <p:ph type="sldNum" sz="quarter" idx="12"/>
+          </p:nvPr>
+        </p:nvSpPr>
+        <p:spPr/>
+        <p:txBody>
+          <a:bodyPr/>
+          <a:lstStyle/>
+          <a:p>
+            <a:fld id="{4FAB73BC-B049-4115-A692-8D63A059BFB8}" type="slidenum">
+              <a:rPr lang="en-US" smtClean="0"/>
+              <a:pPr/>
+              <a:t>17</a:t>
+            </a:fld>
+            <a:endParaRPr lang="en-US" dirty="0"/>
+          </a:p>
+        </p:txBody>
+      </p:sp>
+      <p:sp>
+        <p:nvSpPr>
+          <p:cNvPr id="20" name="CaixaDeTexto 19">
+            <a:extLst>
+              <a:ext uri="{FF2B5EF4-FFF2-40B4-BE49-F238E27FC236}">
+                <a16:creationId xmlns:a16="http://schemas.microsoft.com/office/drawing/2014/main" id="{C13D32DE-8F16-9BDA-4B89-BFAEB12DB279}"/>
+              </a:ext>
+            </a:extLst>
+          </p:cNvPr>
+          <p:cNvSpPr txBox="1"/>
+          <p:nvPr/>
+        </p:nvSpPr>
+        <p:spPr>
+          <a:xfrm>
+            <a:off x="4543816" y="1402228"/>
+            <a:ext cx="1122600" cy="584775"/>
+          </a:xfrm>
+          <a:prstGeom prst="rect">
+            <a:avLst/>
+          </a:prstGeom>
+          <a:noFill/>
+        </p:spPr>
+        <p:txBody>
+          <a:bodyPr wrap="square" rtlCol="0">
+            <a:spAutoFit/>
+          </a:bodyPr>
+          <a:lstStyle/>
+          <a:p>
+            <a:pPr algn="ctr"/>
+            <a:r>
+              <a:rPr lang="pt-BR" sz="3200" dirty="0" err="1"/>
+              <a:t>esc</a:t>
+            </a:r>
+            <a:endParaRPr lang="pt-BR" sz="3200" dirty="0"/>
+          </a:p>
+        </p:txBody>
+      </p:sp>
+      <p:sp>
+        <p:nvSpPr>
+          <p:cNvPr id="21" name="CaixaDeTexto 20">
+            <a:extLst>
+              <a:ext uri="{FF2B5EF4-FFF2-40B4-BE49-F238E27FC236}">
+                <a16:creationId xmlns:a16="http://schemas.microsoft.com/office/drawing/2014/main" id="{378C9138-ABF3-A51F-10EB-07648252FDA8}"/>
+              </a:ext>
+            </a:extLst>
+          </p:cNvPr>
+          <p:cNvSpPr txBox="1"/>
+          <p:nvPr/>
+        </p:nvSpPr>
+        <p:spPr>
+          <a:xfrm>
+            <a:off x="4300766" y="1980105"/>
+            <a:ext cx="1572841" cy="1938992"/>
+          </a:xfrm>
+          <a:prstGeom prst="rect">
+            <a:avLst/>
+          </a:prstGeom>
+          <a:noFill/>
+          <a:ln>
+            <a:solidFill>
+              <a:srgbClr val="FF0000"/>
+            </a:solidFill>
+          </a:ln>
+        </p:spPr>
+        <p:txBody>
+          <a:bodyPr wrap="square" rtlCol="0">
+            <a:spAutoFit/>
+          </a:bodyPr>
+          <a:lstStyle/>
+          <a:p>
+            <a:pPr algn="ctr"/>
+            <a:r>
+              <a:rPr lang="pt-BR" sz="2400" dirty="0"/>
+              <a:t>12</a:t>
+            </a:r>
+          </a:p>
+          <a:p>
+            <a:pPr algn="ctr"/>
+            <a:r>
+              <a:rPr lang="pt-BR" sz="2400" dirty="0"/>
+              <a:t>9</a:t>
+            </a:r>
+          </a:p>
+          <a:p>
+            <a:pPr algn="ctr"/>
+            <a:r>
+              <a:rPr lang="pt-BR" sz="2400" dirty="0"/>
+              <a:t>12</a:t>
+            </a:r>
+          </a:p>
+          <a:p>
+            <a:pPr algn="ctr"/>
+            <a:r>
+              <a:rPr lang="pt-BR" sz="2400" dirty="0"/>
+              <a:t>9</a:t>
+            </a:r>
+          </a:p>
+          <a:p>
+            <a:pPr algn="ctr"/>
+            <a:r>
+              <a:rPr lang="pt-BR" sz="2400" dirty="0"/>
+              <a:t>17</a:t>
+            </a:r>
+          </a:p>
+        </p:txBody>
+      </p:sp>
+      <p:sp>
+        <p:nvSpPr>
+          <p:cNvPr id="22" name="CaixaDeTexto 21">
+            <a:extLst>
+              <a:ext uri="{FF2B5EF4-FFF2-40B4-BE49-F238E27FC236}">
+                <a16:creationId xmlns:a16="http://schemas.microsoft.com/office/drawing/2014/main" id="{4B756239-B949-0B22-2BA0-F009A60ED21A}"/>
+              </a:ext>
+            </a:extLst>
+          </p:cNvPr>
+          <p:cNvSpPr txBox="1"/>
+          <p:nvPr/>
+        </p:nvSpPr>
+        <p:spPr>
+          <a:xfrm>
+            <a:off x="8866325" y="1395330"/>
+            <a:ext cx="1122600" cy="584775"/>
+          </a:xfrm>
+          <a:prstGeom prst="rect">
+            <a:avLst/>
+          </a:prstGeom>
+          <a:noFill/>
+        </p:spPr>
+        <p:txBody>
+          <a:bodyPr wrap="square" rtlCol="0">
+            <a:spAutoFit/>
+          </a:bodyPr>
+          <a:lstStyle/>
+          <a:p>
+            <a:r>
+              <a:rPr lang="pt-BR" sz="3200" dirty="0"/>
+              <a:t>raça</a:t>
+            </a:r>
+          </a:p>
+        </p:txBody>
+      </p:sp>
+      <p:sp>
+        <p:nvSpPr>
+          <p:cNvPr id="23" name="CaixaDeTexto 22">
+            <a:extLst>
+              <a:ext uri="{FF2B5EF4-FFF2-40B4-BE49-F238E27FC236}">
+                <a16:creationId xmlns:a16="http://schemas.microsoft.com/office/drawing/2014/main" id="{F72EE408-F96B-1ADA-B73B-B95AC311F37D}"/>
+              </a:ext>
+            </a:extLst>
+          </p:cNvPr>
+          <p:cNvSpPr txBox="1"/>
+          <p:nvPr/>
+        </p:nvSpPr>
+        <p:spPr>
+          <a:xfrm>
+            <a:off x="8581923" y="1983554"/>
+            <a:ext cx="1572841" cy="1938992"/>
+          </a:xfrm>
+          <a:prstGeom prst="rect">
+            <a:avLst/>
+          </a:prstGeom>
+          <a:noFill/>
+          <a:ln>
+            <a:solidFill>
+              <a:srgbClr val="FF0000"/>
+            </a:solidFill>
+          </a:ln>
+        </p:spPr>
+        <p:txBody>
+          <a:bodyPr wrap="square" rtlCol="0">
+            <a:spAutoFit/>
+          </a:bodyPr>
+          <a:lstStyle/>
+          <a:p>
+            <a:pPr algn="ctr"/>
+            <a:r>
+              <a:rPr lang="pt-BR" sz="2400" dirty="0"/>
+              <a:t>branca</a:t>
+            </a:r>
+          </a:p>
+          <a:p>
+            <a:pPr algn="ctr"/>
+            <a:r>
+              <a:rPr lang="pt-BR" sz="2400" dirty="0"/>
+              <a:t>indígena</a:t>
+            </a:r>
+          </a:p>
+          <a:p>
+            <a:pPr algn="ctr"/>
+            <a:r>
+              <a:rPr lang="pt-BR" sz="2400" dirty="0"/>
+              <a:t>parda</a:t>
+            </a:r>
+          </a:p>
+          <a:p>
+            <a:pPr algn="ctr"/>
+            <a:r>
+              <a:rPr lang="pt-BR" sz="2400" dirty="0"/>
+              <a:t>preta</a:t>
+            </a:r>
+          </a:p>
+          <a:p>
+            <a:pPr algn="ctr"/>
+            <a:r>
+              <a:rPr lang="pt-BR" sz="2400" dirty="0"/>
+              <a:t>branca</a:t>
+            </a:r>
+          </a:p>
+        </p:txBody>
+      </p:sp>
+      <p:sp>
+        <p:nvSpPr>
+          <p:cNvPr id="24" name="CaixaDeTexto 23">
+            <a:extLst>
+              <a:ext uri="{FF2B5EF4-FFF2-40B4-BE49-F238E27FC236}">
+                <a16:creationId xmlns:a16="http://schemas.microsoft.com/office/drawing/2014/main" id="{B1F48653-A2D5-B9DA-3BF2-AF6876FD7A91}"/>
+              </a:ext>
+            </a:extLst>
+          </p:cNvPr>
+          <p:cNvSpPr txBox="1"/>
+          <p:nvPr/>
+        </p:nvSpPr>
+        <p:spPr>
+          <a:xfrm>
+            <a:off x="6594731" y="1398779"/>
+            <a:ext cx="1283997" cy="584775"/>
+          </a:xfrm>
+          <a:prstGeom prst="rect">
+            <a:avLst/>
+          </a:prstGeom>
+          <a:noFill/>
+        </p:spPr>
+        <p:txBody>
+          <a:bodyPr wrap="square" rtlCol="0">
+            <a:spAutoFit/>
+          </a:bodyPr>
+          <a:lstStyle/>
+          <a:p>
+            <a:r>
+              <a:rPr lang="pt-BR" sz="3200" dirty="0"/>
+              <a:t>renda</a:t>
+            </a:r>
+          </a:p>
+        </p:txBody>
+      </p:sp>
+      <p:sp>
+        <p:nvSpPr>
+          <p:cNvPr id="25" name="CaixaDeTexto 24">
+            <a:extLst>
+              <a:ext uri="{FF2B5EF4-FFF2-40B4-BE49-F238E27FC236}">
+                <a16:creationId xmlns:a16="http://schemas.microsoft.com/office/drawing/2014/main" id="{A37F6461-AD90-D1F5-B416-76EC319F8AC4}"/>
+              </a:ext>
+            </a:extLst>
+          </p:cNvPr>
+          <p:cNvSpPr txBox="1"/>
+          <p:nvPr/>
+        </p:nvSpPr>
+        <p:spPr>
+          <a:xfrm>
+            <a:off x="6369611" y="1983554"/>
+            <a:ext cx="1572841" cy="1938992"/>
+          </a:xfrm>
+          <a:prstGeom prst="rect">
+            <a:avLst/>
+          </a:prstGeom>
+          <a:noFill/>
+          <a:ln>
+            <a:solidFill>
+              <a:srgbClr val="FF0000"/>
+            </a:solidFill>
+          </a:ln>
+        </p:spPr>
+        <p:txBody>
+          <a:bodyPr wrap="square" rtlCol="0">
+            <a:spAutoFit/>
+          </a:bodyPr>
+          <a:lstStyle/>
+          <a:p>
+            <a:pPr algn="ctr"/>
+            <a:r>
+              <a:rPr lang="pt-BR" sz="2400" dirty="0"/>
+              <a:t>2500</a:t>
+            </a:r>
+          </a:p>
+          <a:p>
+            <a:pPr algn="ctr"/>
+            <a:r>
+              <a:rPr lang="pt-BR" sz="2400" dirty="0"/>
+              <a:t>900</a:t>
+            </a:r>
+          </a:p>
+          <a:p>
+            <a:pPr algn="ctr"/>
+            <a:r>
+              <a:rPr lang="pt-BR" sz="2400" dirty="0"/>
+              <a:t>2000</a:t>
+            </a:r>
+          </a:p>
+          <a:p>
+            <a:pPr algn="ctr"/>
+            <a:r>
+              <a:rPr lang="pt-BR" sz="2400" dirty="0"/>
+              <a:t>1200</a:t>
+            </a:r>
+          </a:p>
+          <a:p>
+            <a:pPr algn="ctr"/>
+            <a:r>
+              <a:rPr lang="pt-BR" sz="2400" dirty="0"/>
+              <a:t>6800</a:t>
+            </a:r>
+          </a:p>
+        </p:txBody>
+      </p:sp>
+      <p:sp>
+        <p:nvSpPr>
+          <p:cNvPr id="26" name="Retângulo 25">
+            <a:extLst>
+              <a:ext uri="{FF2B5EF4-FFF2-40B4-BE49-F238E27FC236}">
+                <a16:creationId xmlns:a16="http://schemas.microsoft.com/office/drawing/2014/main" id="{E7C373A5-19D0-70F3-0E3A-283D307DC56E}"/>
+              </a:ext>
+            </a:extLst>
+          </p:cNvPr>
+          <p:cNvSpPr/>
+          <p:nvPr/>
+        </p:nvSpPr>
+        <p:spPr>
+          <a:xfrm>
+            <a:off x="4052047" y="1317812"/>
+            <a:ext cx="6454588" cy="2850776"/>
+          </a:xfrm>
+          <a:prstGeom prst="rect">
+            <a:avLst/>
+          </a:prstGeom>
+          <a:noFill/>
+        </p:spPr>
+        <p:style>
+          <a:lnRef idx="2">
+            <a:schemeClr val="accent1">
+              <a:shade val="15000"/>
+            </a:schemeClr>
+          </a:lnRef>
+          <a:fillRef idx="1">
+            <a:schemeClr val="accent1"/>
+          </a:fillRef>
+          <a:effectRef idx="0">
+            <a:schemeClr val="accent1"/>
+          </a:effectRef>
+          <a:fontRef idx="minor">
+            <a:schemeClr val="lt1"/>
+          </a:fontRef>
+        </p:style>
+        <p:txBody>
+          <a:bodyPr rtlCol="0" anchor="ctr"/>
+          <a:lstStyle/>
+          <a:p>
+            <a:pPr algn="ctr"/>
+            <a:endParaRPr lang="pt-BR"/>
+          </a:p>
+        </p:txBody>
+      </p:sp>
+    </p:spTree>
+    <p:extLst>
+      <p:ext uri="{BB962C8B-B14F-4D97-AF65-F5344CB8AC3E}">
+        <p14:creationId xmlns:p14="http://schemas.microsoft.com/office/powerpoint/2010/main" val="2676945253"/>
+      </p:ext>
+    </p:extLst>
+  </p:cSld>
+  <p:clrMapOvr>
+    <a:masterClrMapping/>
+  </p:clrMapOvr>
+</p:sld>
+</file>
+
+<file path=ppt/slides/slide18.xml><?xml version="1.0" encoding="utf-8"?>
+<p:sld xmlns:a="http://schemas.openxmlformats.org/drawingml/2006/main" xmlns:r="http://schemas.openxmlformats.org/officeDocument/2006/relationships" xmlns:p="http://schemas.openxmlformats.org/presentationml/2006/main">
+  <p:cSld>
+    <p:spTree>
+      <p:nvGrpSpPr>
+        <p:cNvPr id="1" name=""/>
+        <p:cNvGrpSpPr/>
+        <p:nvPr/>
+      </p:nvGrpSpPr>
+      <p:grpSpPr>
+        <a:xfrm>
+          <a:off x="0" y="0"/>
+          <a:ext cx="0" cy="0"/>
+          <a:chOff x="0" y="0"/>
+          <a:chExt cx="0" cy="0"/>
+        </a:xfrm>
+      </p:grpSpPr>
+      <p:sp>
+        <p:nvSpPr>
+          <p:cNvPr id="5" name="Título 1">
+            <a:extLst>
+              <a:ext uri="{FF2B5EF4-FFF2-40B4-BE49-F238E27FC236}">
+                <a16:creationId xmlns:a16="http://schemas.microsoft.com/office/drawing/2014/main" id="{D416E1EF-542E-3396-52D9-E4FEE5057B7E}"/>
+              </a:ext>
+            </a:extLst>
+          </p:cNvPr>
+          <p:cNvSpPr txBox="1">
+            <a:spLocks/>
+          </p:cNvSpPr>
+          <p:nvPr/>
+        </p:nvSpPr>
+        <p:spPr>
+          <a:xfrm>
+            <a:off x="0" y="2374928"/>
+            <a:ext cx="3433482" cy="1444037"/>
+          </a:xfrm>
+          <a:prstGeom prst="rect">
+            <a:avLst/>
+          </a:prstGeom>
+        </p:spPr>
+        <p:txBody>
+          <a:bodyPr vert="horz" lIns="91440" tIns="45720" rIns="91440" bIns="45720" rtlCol="0" anchor="ctr">
+            <a:normAutofit fontScale="85000" lnSpcReduction="20000"/>
+          </a:bodyPr>
+          <a:lstStyle>
+            <a:lvl1pPr algn="l" defTabSz="914400" rtl="0" eaLnBrk="1" latinLnBrk="0" hangingPunct="1">
+              <a:lnSpc>
+                <a:spcPct val="90000"/>
+              </a:lnSpc>
+              <a:spcBef>
+                <a:spcPct val="0"/>
+              </a:spcBef>
+              <a:buNone/>
+              <a:defRPr sz="3600" kern="1200" spc="-60" baseline="0">
+                <a:solidFill>
+                  <a:srgbClr val="FFFFFF"/>
+                </a:solidFill>
+                <a:latin typeface="+mj-lt"/>
+                <a:ea typeface="+mj-ea"/>
+                <a:cs typeface="+mj-cs"/>
+              </a:defRPr>
+            </a:lvl1pPr>
+          </a:lstStyle>
+          <a:p>
+            <a:pPr algn="ctr"/>
+            <a:r>
+              <a:rPr lang="pt-BR" dirty="0">
+                <a:solidFill>
+                  <a:schemeClr val="accent1">
+                    <a:lumMod val="50000"/>
+                  </a:schemeClr>
+                </a:solidFill>
+              </a:rPr>
+              <a:t>Passo pra trás</a:t>
+            </a:r>
+          </a:p>
+          <a:p>
+            <a:pPr algn="ctr"/>
+            <a:endParaRPr lang="pt-BR" dirty="0">
+              <a:solidFill>
+                <a:schemeClr val="accent1">
+                  <a:lumMod val="50000"/>
+                </a:schemeClr>
+              </a:solidFill>
+            </a:endParaRPr>
+          </a:p>
+          <a:p>
+            <a:pPr algn="ctr"/>
+            <a:r>
+              <a:rPr lang="pt-BR" dirty="0">
+                <a:solidFill>
+                  <a:schemeClr val="bg1"/>
+                </a:solidFill>
+              </a:rPr>
+              <a:t>Operações com vetores</a:t>
+            </a:r>
+          </a:p>
+        </p:txBody>
+      </p:sp>
+      <p:sp>
+        <p:nvSpPr>
+          <p:cNvPr id="13" name="Espaço Reservado para Número de Slide 12">
+            <a:extLst>
+              <a:ext uri="{FF2B5EF4-FFF2-40B4-BE49-F238E27FC236}">
+                <a16:creationId xmlns:a16="http://schemas.microsoft.com/office/drawing/2014/main" id="{84739714-3A86-9057-2A0D-CF4AA9AAB1A2}"/>
+              </a:ext>
+            </a:extLst>
+          </p:cNvPr>
+          <p:cNvSpPr>
+            <a:spLocks noGrp="1"/>
+          </p:cNvSpPr>
+          <p:nvPr>
+            <p:ph type="sldNum" sz="quarter" idx="12"/>
+          </p:nvPr>
+        </p:nvSpPr>
+        <p:spPr/>
+        <p:txBody>
+          <a:bodyPr/>
+          <a:lstStyle/>
+          <a:p>
+            <a:fld id="{4FAB73BC-B049-4115-A692-8D63A059BFB8}" type="slidenum">
+              <a:rPr lang="en-US" smtClean="0"/>
+              <a:pPr/>
+              <a:t>18</a:t>
+            </a:fld>
+            <a:endParaRPr lang="en-US" dirty="0"/>
+          </a:p>
+        </p:txBody>
+      </p:sp>
+      <p:sp>
+        <p:nvSpPr>
+          <p:cNvPr id="20" name="CaixaDeTexto 19">
+            <a:extLst>
+              <a:ext uri="{FF2B5EF4-FFF2-40B4-BE49-F238E27FC236}">
+                <a16:creationId xmlns:a16="http://schemas.microsoft.com/office/drawing/2014/main" id="{00F72A58-2937-6676-E050-E8E089D82D95}"/>
+              </a:ext>
+            </a:extLst>
+          </p:cNvPr>
+          <p:cNvSpPr txBox="1"/>
+          <p:nvPr/>
+        </p:nvSpPr>
+        <p:spPr>
+          <a:xfrm>
+            <a:off x="4342813" y="2492473"/>
+            <a:ext cx="1122600" cy="584775"/>
+          </a:xfrm>
+          <a:prstGeom prst="rect">
+            <a:avLst/>
+          </a:prstGeom>
+          <a:noFill/>
+        </p:spPr>
+        <p:txBody>
+          <a:bodyPr wrap="square" rtlCol="0">
+            <a:spAutoFit/>
+          </a:bodyPr>
+          <a:lstStyle/>
+          <a:p>
+            <a:pPr algn="ctr"/>
+            <a:r>
+              <a:rPr lang="pt-BR" sz="3200" dirty="0" err="1"/>
+              <a:t>esc</a:t>
+            </a:r>
+            <a:endParaRPr lang="pt-BR" sz="3200" dirty="0"/>
+          </a:p>
+        </p:txBody>
+      </p:sp>
+      <p:sp>
+        <p:nvSpPr>
+          <p:cNvPr id="21" name="CaixaDeTexto 20">
+            <a:extLst>
+              <a:ext uri="{FF2B5EF4-FFF2-40B4-BE49-F238E27FC236}">
+                <a16:creationId xmlns:a16="http://schemas.microsoft.com/office/drawing/2014/main" id="{BBF831F6-00E0-4F0F-EAF3-830719F502D4}"/>
+              </a:ext>
+            </a:extLst>
+          </p:cNvPr>
+          <p:cNvSpPr txBox="1"/>
+          <p:nvPr/>
+        </p:nvSpPr>
+        <p:spPr>
+          <a:xfrm>
+            <a:off x="4099763" y="3070350"/>
+            <a:ext cx="1572841" cy="1938992"/>
+          </a:xfrm>
+          <a:prstGeom prst="rect">
+            <a:avLst/>
+          </a:prstGeom>
+          <a:noFill/>
+          <a:ln>
+            <a:solidFill>
+              <a:srgbClr val="FF0000"/>
+            </a:solidFill>
+          </a:ln>
+        </p:spPr>
+        <p:txBody>
+          <a:bodyPr wrap="square" rtlCol="0">
+            <a:spAutoFit/>
+          </a:bodyPr>
+          <a:lstStyle/>
+          <a:p>
+            <a:pPr algn="ctr"/>
+            <a:r>
+              <a:rPr lang="pt-BR" sz="2400" dirty="0"/>
+              <a:t>12</a:t>
+            </a:r>
+          </a:p>
+          <a:p>
+            <a:pPr algn="ctr"/>
+            <a:r>
+              <a:rPr lang="pt-BR" sz="2400" dirty="0"/>
+              <a:t>9</a:t>
+            </a:r>
+          </a:p>
+          <a:p>
+            <a:pPr algn="ctr"/>
+            <a:r>
+              <a:rPr lang="pt-BR" sz="2400" dirty="0"/>
+              <a:t>12</a:t>
+            </a:r>
+          </a:p>
+          <a:p>
+            <a:pPr algn="ctr"/>
+            <a:r>
+              <a:rPr lang="pt-BR" sz="2400" dirty="0"/>
+              <a:t>9</a:t>
+            </a:r>
+          </a:p>
+          <a:p>
+            <a:pPr algn="ctr"/>
+            <a:r>
+              <a:rPr lang="pt-BR" sz="2400" dirty="0"/>
+              <a:t>17</a:t>
+            </a:r>
+          </a:p>
+        </p:txBody>
+      </p:sp>
+      <p:sp>
+        <p:nvSpPr>
+          <p:cNvPr id="22" name="CaixaDeTexto 21">
+            <a:extLst>
+              <a:ext uri="{FF2B5EF4-FFF2-40B4-BE49-F238E27FC236}">
+                <a16:creationId xmlns:a16="http://schemas.microsoft.com/office/drawing/2014/main" id="{8C93637A-F350-FFCC-C033-EA0A5D477636}"/>
+              </a:ext>
+            </a:extLst>
+          </p:cNvPr>
+          <p:cNvSpPr txBox="1"/>
+          <p:nvPr/>
+        </p:nvSpPr>
+        <p:spPr>
+          <a:xfrm>
+            <a:off x="6393728" y="2489024"/>
+            <a:ext cx="1283997" cy="584775"/>
+          </a:xfrm>
+          <a:prstGeom prst="rect">
+            <a:avLst/>
+          </a:prstGeom>
+          <a:noFill/>
+        </p:spPr>
+        <p:txBody>
+          <a:bodyPr wrap="square" rtlCol="0">
+            <a:spAutoFit/>
+          </a:bodyPr>
+          <a:lstStyle/>
+          <a:p>
+            <a:r>
+              <a:rPr lang="pt-BR" sz="3200" dirty="0"/>
+              <a:t>renda</a:t>
+            </a:r>
+          </a:p>
+        </p:txBody>
+      </p:sp>
+      <p:sp>
+        <p:nvSpPr>
+          <p:cNvPr id="23" name="CaixaDeTexto 22">
+            <a:extLst>
+              <a:ext uri="{FF2B5EF4-FFF2-40B4-BE49-F238E27FC236}">
+                <a16:creationId xmlns:a16="http://schemas.microsoft.com/office/drawing/2014/main" id="{47700A5F-2086-EC61-25C4-70BE10682298}"/>
+              </a:ext>
+            </a:extLst>
+          </p:cNvPr>
+          <p:cNvSpPr txBox="1"/>
+          <p:nvPr/>
+        </p:nvSpPr>
+        <p:spPr>
+          <a:xfrm>
+            <a:off x="6168608" y="3073799"/>
+            <a:ext cx="1572841" cy="1938992"/>
+          </a:xfrm>
+          <a:prstGeom prst="rect">
+            <a:avLst/>
+          </a:prstGeom>
+          <a:noFill/>
+          <a:ln>
+            <a:solidFill>
+              <a:srgbClr val="FF0000"/>
+            </a:solidFill>
+          </a:ln>
+        </p:spPr>
+        <p:txBody>
+          <a:bodyPr wrap="square" rtlCol="0">
+            <a:spAutoFit/>
+          </a:bodyPr>
+          <a:lstStyle/>
+          <a:p>
+            <a:pPr algn="ctr"/>
+            <a:r>
+              <a:rPr lang="pt-BR" sz="2400" dirty="0"/>
+              <a:t>2500</a:t>
+            </a:r>
+          </a:p>
+          <a:p>
+            <a:pPr algn="ctr"/>
+            <a:r>
+              <a:rPr lang="pt-BR" sz="2400" dirty="0"/>
+              <a:t>900</a:t>
+            </a:r>
+          </a:p>
+          <a:p>
+            <a:pPr algn="ctr"/>
+            <a:r>
+              <a:rPr lang="pt-BR" sz="2400" dirty="0"/>
+              <a:t>2000</a:t>
+            </a:r>
+          </a:p>
+          <a:p>
+            <a:pPr algn="ctr"/>
+            <a:r>
+              <a:rPr lang="pt-BR" sz="2400" dirty="0"/>
+              <a:t>1200</a:t>
+            </a:r>
+          </a:p>
+          <a:p>
+            <a:pPr algn="ctr"/>
+            <a:r>
+              <a:rPr lang="pt-BR" sz="2400" dirty="0"/>
+              <a:t>6800</a:t>
+            </a:r>
+          </a:p>
+        </p:txBody>
+      </p:sp>
+      <p:sp>
+        <p:nvSpPr>
+          <p:cNvPr id="24" name="CaixaDeTexto 23">
+            <a:extLst>
+              <a:ext uri="{FF2B5EF4-FFF2-40B4-BE49-F238E27FC236}">
+                <a16:creationId xmlns:a16="http://schemas.microsoft.com/office/drawing/2014/main" id="{62F1C811-F84A-7FF1-9D7F-3E0CB3AE1D85}"/>
+              </a:ext>
+            </a:extLst>
+          </p:cNvPr>
+          <p:cNvSpPr txBox="1"/>
+          <p:nvPr/>
+        </p:nvSpPr>
+        <p:spPr>
+          <a:xfrm>
+            <a:off x="8485470" y="2509305"/>
+            <a:ext cx="1941428" cy="584775"/>
+          </a:xfrm>
+          <a:prstGeom prst="rect">
+            <a:avLst/>
+          </a:prstGeom>
+          <a:noFill/>
+        </p:spPr>
+        <p:txBody>
+          <a:bodyPr wrap="square" rtlCol="0">
+            <a:spAutoFit/>
+          </a:bodyPr>
+          <a:lstStyle/>
+          <a:p>
+            <a:r>
+              <a:rPr lang="pt-BR" sz="3200" dirty="0" err="1"/>
+              <a:t>esc+renda</a:t>
+            </a:r>
+            <a:endParaRPr lang="pt-BR" sz="3200" dirty="0"/>
+          </a:p>
+        </p:txBody>
+      </p:sp>
+      <p:sp>
+        <p:nvSpPr>
+          <p:cNvPr id="25" name="CaixaDeTexto 24">
+            <a:extLst>
+              <a:ext uri="{FF2B5EF4-FFF2-40B4-BE49-F238E27FC236}">
+                <a16:creationId xmlns:a16="http://schemas.microsoft.com/office/drawing/2014/main" id="{1F735C1A-8088-7352-8AA8-B48B108EA1E3}"/>
+              </a:ext>
+            </a:extLst>
+          </p:cNvPr>
+          <p:cNvSpPr txBox="1"/>
+          <p:nvPr/>
+        </p:nvSpPr>
+        <p:spPr>
+          <a:xfrm>
+            <a:off x="8669764" y="3077248"/>
+            <a:ext cx="1572841" cy="1938992"/>
+          </a:xfrm>
+          <a:prstGeom prst="rect">
+            <a:avLst/>
+          </a:prstGeom>
+          <a:noFill/>
+          <a:ln>
+            <a:solidFill>
+              <a:srgbClr val="FF0000"/>
+            </a:solidFill>
+          </a:ln>
+        </p:spPr>
+        <p:txBody>
+          <a:bodyPr wrap="square" rtlCol="0">
+            <a:spAutoFit/>
+          </a:bodyPr>
+          <a:lstStyle/>
+          <a:p>
+            <a:pPr algn="ctr"/>
+            <a:r>
+              <a:rPr lang="pt-BR" sz="2400" dirty="0"/>
+              <a:t>2512</a:t>
+            </a:r>
+          </a:p>
+          <a:p>
+            <a:pPr algn="ctr"/>
+            <a:r>
+              <a:rPr lang="pt-BR" sz="2400" dirty="0"/>
+              <a:t>909</a:t>
+            </a:r>
+          </a:p>
+          <a:p>
+            <a:pPr algn="ctr"/>
+            <a:r>
+              <a:rPr lang="pt-BR" sz="2400" dirty="0"/>
+              <a:t>2012</a:t>
+            </a:r>
+          </a:p>
+          <a:p>
+            <a:pPr algn="ctr"/>
+            <a:r>
+              <a:rPr lang="pt-BR" sz="2400" dirty="0"/>
+              <a:t>1209</a:t>
+            </a:r>
+          </a:p>
+          <a:p>
+            <a:pPr algn="ctr"/>
+            <a:r>
+              <a:rPr lang="pt-BR" sz="2400" dirty="0"/>
+              <a:t>6817</a:t>
+            </a:r>
+          </a:p>
+        </p:txBody>
+      </p:sp>
+      <p:sp>
+        <p:nvSpPr>
+          <p:cNvPr id="26" name="CaixaDeTexto 25">
+            <a:extLst>
+              <a:ext uri="{FF2B5EF4-FFF2-40B4-BE49-F238E27FC236}">
+                <a16:creationId xmlns:a16="http://schemas.microsoft.com/office/drawing/2014/main" id="{52E17590-4C8A-B312-6743-AE3C4496B05F}"/>
+              </a:ext>
+            </a:extLst>
+          </p:cNvPr>
+          <p:cNvSpPr txBox="1"/>
+          <p:nvPr/>
+        </p:nvSpPr>
+        <p:spPr>
+          <a:xfrm>
+            <a:off x="5611066" y="3264967"/>
+            <a:ext cx="619080" cy="1107996"/>
+          </a:xfrm>
+          <a:prstGeom prst="rect">
+            <a:avLst/>
+          </a:prstGeom>
+          <a:noFill/>
+        </p:spPr>
+        <p:txBody>
+          <a:bodyPr wrap="none" rtlCol="0">
+            <a:spAutoFit/>
+          </a:bodyPr>
+          <a:lstStyle/>
+          <a:p>
+            <a:r>
+              <a:rPr lang="pt-BR" sz="6600" dirty="0"/>
+              <a:t>+</a:t>
+            </a:r>
+            <a:endParaRPr lang="pt-BR" dirty="0"/>
+          </a:p>
+        </p:txBody>
+      </p:sp>
+      <p:sp>
+        <p:nvSpPr>
+          <p:cNvPr id="27" name="CaixaDeTexto 26">
+            <a:extLst>
+              <a:ext uri="{FF2B5EF4-FFF2-40B4-BE49-F238E27FC236}">
+                <a16:creationId xmlns:a16="http://schemas.microsoft.com/office/drawing/2014/main" id="{CF410EDB-8779-3AA1-38B4-713BEA88B565}"/>
+              </a:ext>
+            </a:extLst>
+          </p:cNvPr>
+          <p:cNvSpPr txBox="1"/>
+          <p:nvPr/>
+        </p:nvSpPr>
+        <p:spPr>
+          <a:xfrm>
+            <a:off x="7896066" y="3264967"/>
+            <a:ext cx="619080" cy="1107996"/>
+          </a:xfrm>
+          <a:prstGeom prst="rect">
+            <a:avLst/>
+          </a:prstGeom>
+          <a:noFill/>
+        </p:spPr>
+        <p:txBody>
+          <a:bodyPr wrap="none" rtlCol="0">
+            <a:spAutoFit/>
+          </a:bodyPr>
+          <a:lstStyle/>
+          <a:p>
+            <a:r>
+              <a:rPr lang="pt-BR" sz="6600" dirty="0"/>
+              <a:t>=</a:t>
+            </a:r>
+            <a:endParaRPr lang="pt-BR" dirty="0"/>
+          </a:p>
+        </p:txBody>
+      </p:sp>
+      <p:sp>
+        <p:nvSpPr>
+          <p:cNvPr id="28" name="CaixaDeTexto 27">
+            <a:extLst>
+              <a:ext uri="{FF2B5EF4-FFF2-40B4-BE49-F238E27FC236}">
+                <a16:creationId xmlns:a16="http://schemas.microsoft.com/office/drawing/2014/main" id="{CC68C328-E891-ACF7-3061-DC95C26C69DE}"/>
+              </a:ext>
+            </a:extLst>
+          </p:cNvPr>
+          <p:cNvSpPr txBox="1"/>
+          <p:nvPr/>
+        </p:nvSpPr>
+        <p:spPr>
+          <a:xfrm>
+            <a:off x="3481582" y="550032"/>
+            <a:ext cx="8465779" cy="1384995"/>
+          </a:xfrm>
+          <a:prstGeom prst="rect">
+            <a:avLst/>
+          </a:prstGeom>
+          <a:noFill/>
+        </p:spPr>
+        <p:txBody>
+          <a:bodyPr wrap="none" rtlCol="0">
+            <a:spAutoFit/>
+          </a:bodyPr>
+          <a:lstStyle/>
+          <a:p>
+            <a:r>
+              <a:rPr lang="pt-BR" sz="2800" dirty="0"/>
+              <a:t>idade = c( 12, 9, 12, 9,17 )</a:t>
+            </a:r>
+          </a:p>
+          <a:p>
+            <a:r>
+              <a:rPr lang="pt-BR" sz="2800" dirty="0"/>
+              <a:t>renda = c( 2500, 900,2000,1200,6800)</a:t>
+            </a:r>
+          </a:p>
+          <a:p>
+            <a:r>
+              <a:rPr lang="pt-BR" sz="2800" dirty="0" err="1"/>
+              <a:t>raca</a:t>
+            </a:r>
+            <a:r>
+              <a:rPr lang="pt-BR" sz="2800" dirty="0"/>
+              <a:t> = c( “branca”, “indígena”, “parta”, “</a:t>
+            </a:r>
+            <a:r>
+              <a:rPr lang="pt-BR" sz="2800" dirty="0" err="1"/>
+              <a:t>preta”,”branca</a:t>
+            </a:r>
+            <a:r>
+              <a:rPr lang="pt-BR" sz="2800" dirty="0"/>
+              <a:t>”)</a:t>
+            </a:r>
+          </a:p>
+        </p:txBody>
+      </p:sp>
+    </p:spTree>
+    <p:extLst>
+      <p:ext uri="{BB962C8B-B14F-4D97-AF65-F5344CB8AC3E}">
+        <p14:creationId xmlns:p14="http://schemas.microsoft.com/office/powerpoint/2010/main" val="890803957"/>
+      </p:ext>
+    </p:extLst>
+  </p:cSld>
+  <p:clrMapOvr>
+    <a:masterClrMapping/>
+  </p:clrMapOvr>
+</p:sld>
+</file>
+
+<file path=ppt/slides/slide19.xml><?xml version="1.0" encoding="utf-8"?>
+<p:sld xmlns:a="http://schemas.openxmlformats.org/drawingml/2006/main" xmlns:r="http://schemas.openxmlformats.org/officeDocument/2006/relationships" xmlns:p="http://schemas.openxmlformats.org/presentationml/2006/main">
+  <p:cSld>
+    <p:spTree>
+      <p:nvGrpSpPr>
+        <p:cNvPr id="1" name=""/>
+        <p:cNvGrpSpPr/>
+        <p:nvPr/>
+      </p:nvGrpSpPr>
+      <p:grpSpPr>
+        <a:xfrm>
+          <a:off x="0" y="0"/>
+          <a:ext cx="0" cy="0"/>
+          <a:chOff x="0" y="0"/>
+          <a:chExt cx="0" cy="0"/>
+        </a:xfrm>
+      </p:grpSpPr>
+      <p:sp>
+        <p:nvSpPr>
+          <p:cNvPr id="5" name="Título 1">
+            <a:extLst>
+              <a:ext uri="{FF2B5EF4-FFF2-40B4-BE49-F238E27FC236}">
+                <a16:creationId xmlns:a16="http://schemas.microsoft.com/office/drawing/2014/main" id="{D416E1EF-542E-3396-52D9-E4FEE5057B7E}"/>
+              </a:ext>
+            </a:extLst>
+          </p:cNvPr>
+          <p:cNvSpPr txBox="1">
+            <a:spLocks/>
+          </p:cNvSpPr>
+          <p:nvPr/>
+        </p:nvSpPr>
+        <p:spPr>
+          <a:xfrm>
+            <a:off x="0" y="2374928"/>
+            <a:ext cx="3433482" cy="1444037"/>
+          </a:xfrm>
+          <a:prstGeom prst="rect">
+            <a:avLst/>
+          </a:prstGeom>
+        </p:spPr>
+        <p:txBody>
+          <a:bodyPr vert="horz" lIns="91440" tIns="45720" rIns="91440" bIns="45720" rtlCol="0" anchor="ctr">
+            <a:normAutofit fontScale="85000" lnSpcReduction="10000"/>
+          </a:bodyPr>
+          <a:lstStyle>
+            <a:lvl1pPr algn="l" defTabSz="914400" rtl="0" eaLnBrk="1" latinLnBrk="0" hangingPunct="1">
+              <a:lnSpc>
+                <a:spcPct val="90000"/>
+              </a:lnSpc>
+              <a:spcBef>
+                <a:spcPct val="0"/>
+              </a:spcBef>
+              <a:buNone/>
+              <a:defRPr sz="3600" kern="1200" spc="-60" baseline="0">
+                <a:solidFill>
+                  <a:srgbClr val="FFFFFF"/>
+                </a:solidFill>
+                <a:latin typeface="+mj-lt"/>
+                <a:ea typeface="+mj-ea"/>
+                <a:cs typeface="+mj-cs"/>
+              </a:defRPr>
+            </a:lvl1pPr>
+          </a:lstStyle>
+          <a:p>
+            <a:pPr algn="ctr"/>
+            <a:r>
+              <a:rPr lang="pt-BR" dirty="0">
+                <a:solidFill>
+                  <a:schemeClr val="accent1">
+                    <a:lumMod val="50000"/>
+                  </a:schemeClr>
+                </a:solidFill>
+              </a:rPr>
+              <a:t>Dados estruturados</a:t>
+            </a:r>
+          </a:p>
+          <a:p>
+            <a:pPr algn="ctr"/>
+            <a:endParaRPr lang="pt-BR" dirty="0">
+              <a:solidFill>
+                <a:schemeClr val="accent1">
+                  <a:lumMod val="50000"/>
+                </a:schemeClr>
+              </a:solidFill>
+            </a:endParaRPr>
+          </a:p>
+          <a:p>
+            <a:pPr algn="ctr"/>
+            <a:r>
+              <a:rPr lang="pt-BR" dirty="0">
+                <a:solidFill>
+                  <a:schemeClr val="bg1"/>
+                </a:solidFill>
+              </a:rPr>
+              <a:t>Data frames</a:t>
+            </a:r>
+          </a:p>
+        </p:txBody>
+      </p:sp>
+      <p:sp>
+        <p:nvSpPr>
+          <p:cNvPr id="2" name="CaixaDeTexto 1">
+            <a:extLst>
+              <a:ext uri="{FF2B5EF4-FFF2-40B4-BE49-F238E27FC236}">
+                <a16:creationId xmlns:a16="http://schemas.microsoft.com/office/drawing/2014/main" id="{C2F5F996-5560-8504-80CD-330223670999}"/>
+              </a:ext>
+            </a:extLst>
+          </p:cNvPr>
+          <p:cNvSpPr txBox="1"/>
+          <p:nvPr/>
+        </p:nvSpPr>
+        <p:spPr>
+          <a:xfrm>
+            <a:off x="3989294" y="851647"/>
+            <a:ext cx="2419252" cy="369332"/>
+          </a:xfrm>
+          <a:prstGeom prst="rect">
+            <a:avLst/>
+          </a:prstGeom>
+          <a:noFill/>
+        </p:spPr>
+        <p:txBody>
+          <a:bodyPr wrap="none" rtlCol="0">
+            <a:spAutoFit/>
+          </a:bodyPr>
+          <a:lstStyle/>
+          <a:p>
+            <a:r>
+              <a:rPr lang="pt-BR" dirty="0"/>
+              <a:t>2. Funções importantes</a:t>
+            </a:r>
+          </a:p>
+        </p:txBody>
+      </p:sp>
+      <p:sp>
+        <p:nvSpPr>
+          <p:cNvPr id="3" name="CaixaDeTexto 2">
+            <a:extLst>
+              <a:ext uri="{FF2B5EF4-FFF2-40B4-BE49-F238E27FC236}">
+                <a16:creationId xmlns:a16="http://schemas.microsoft.com/office/drawing/2014/main" id="{4F3F685F-0122-9D16-0A13-E54225220D65}"/>
+              </a:ext>
+            </a:extLst>
+          </p:cNvPr>
+          <p:cNvSpPr txBox="1"/>
+          <p:nvPr/>
+        </p:nvSpPr>
+        <p:spPr>
+          <a:xfrm>
+            <a:off x="3926540" y="1694329"/>
+            <a:ext cx="5414683" cy="2585323"/>
+          </a:xfrm>
+          <a:prstGeom prst="rect">
+            <a:avLst/>
+          </a:prstGeom>
+          <a:noFill/>
+        </p:spPr>
+        <p:txBody>
+          <a:bodyPr wrap="square" rtlCol="0">
+            <a:spAutoFit/>
+          </a:bodyPr>
+          <a:lstStyle/>
+          <a:p>
+            <a:r>
+              <a:rPr lang="pt-BR" dirty="0" err="1"/>
+              <a:t>Subset</a:t>
+            </a:r>
+            <a:r>
+              <a:rPr lang="pt-BR" dirty="0"/>
+              <a:t>: acessar informações em um data frame</a:t>
+            </a:r>
+          </a:p>
+          <a:p>
+            <a:endParaRPr lang="pt-BR" dirty="0"/>
+          </a:p>
+          <a:p>
+            <a:r>
+              <a:rPr lang="pt-BR" dirty="0" err="1"/>
+              <a:t>meus_dados</a:t>
+            </a:r>
+            <a:r>
+              <a:rPr lang="pt-BR" dirty="0"/>
+              <a:t>[ Linha, Coluna ]</a:t>
+            </a:r>
+          </a:p>
+          <a:p>
+            <a:endParaRPr lang="pt-BR" dirty="0"/>
+          </a:p>
+          <a:p>
+            <a:r>
+              <a:rPr lang="pt-BR" dirty="0"/>
+              <a:t>Ou</a:t>
+            </a:r>
+          </a:p>
+          <a:p>
+            <a:endParaRPr lang="pt-BR" dirty="0"/>
+          </a:p>
+          <a:p>
+            <a:r>
+              <a:rPr lang="pt-BR" dirty="0" err="1"/>
+              <a:t>meus_dados$Coluna</a:t>
+            </a:r>
+            <a:r>
+              <a:rPr lang="pt-BR" dirty="0"/>
+              <a:t> </a:t>
+            </a:r>
+          </a:p>
+          <a:p>
+            <a:endParaRPr lang="pt-BR" dirty="0"/>
+          </a:p>
+          <a:p>
+            <a:r>
+              <a:rPr lang="pt-BR" dirty="0" err="1"/>
+              <a:t>meus_dados$Coluna</a:t>
+            </a:r>
+            <a:r>
+              <a:rPr lang="pt-BR" dirty="0"/>
+              <a:t> [Linha] </a:t>
+            </a:r>
+          </a:p>
+        </p:txBody>
+      </p:sp>
+      <p:sp>
+        <p:nvSpPr>
+          <p:cNvPr id="6" name="Espaço Reservado para Número de Slide 5">
+            <a:extLst>
+              <a:ext uri="{FF2B5EF4-FFF2-40B4-BE49-F238E27FC236}">
+                <a16:creationId xmlns:a16="http://schemas.microsoft.com/office/drawing/2014/main" id="{156A0AA2-FF0E-EA52-9E31-D6EE00AE9387}"/>
+              </a:ext>
+            </a:extLst>
+          </p:cNvPr>
+          <p:cNvSpPr>
+            <a:spLocks noGrp="1"/>
+          </p:cNvSpPr>
+          <p:nvPr>
+            <p:ph type="sldNum" sz="quarter" idx="12"/>
+          </p:nvPr>
+        </p:nvSpPr>
+        <p:spPr/>
+        <p:txBody>
+          <a:bodyPr/>
+          <a:lstStyle/>
+          <a:p>
+            <a:fld id="{4FAB73BC-B049-4115-A692-8D63A059BFB8}" type="slidenum">
+              <a:rPr lang="en-US" smtClean="0"/>
+              <a:pPr/>
+              <a:t>19</a:t>
+            </a:fld>
+            <a:endParaRPr lang="en-US" dirty="0"/>
+          </a:p>
+        </p:txBody>
+      </p:sp>
+    </p:spTree>
+    <p:extLst>
+      <p:ext uri="{BB962C8B-B14F-4D97-AF65-F5344CB8AC3E}">
+        <p14:creationId xmlns:p14="http://schemas.microsoft.com/office/powerpoint/2010/main" val="872530145"/>
+      </p:ext>
+    </p:extLst>
+  </p:cSld>
+  <p:clrMapOvr>
+    <a:masterClrMapping/>
+  </p:clrMapOvr>
+</p:sld>
+</file>
+
+<file path=ppt/slides/slide2.xml><?xml version="1.0" encoding="utf-8"?>
+<p:sld xmlns:a="http://schemas.openxmlformats.org/drawingml/2006/main" xmlns:r="http://schemas.openxmlformats.org/officeDocument/2006/relationships" xmlns:p="http://schemas.openxmlformats.org/presentationml/2006/main">
+  <p:cSld>
+    <p:spTree>
+      <p:nvGrpSpPr>
+        <p:cNvPr id="1" name=""/>
+        <p:cNvGrpSpPr/>
+        <p:nvPr/>
+      </p:nvGrpSpPr>
+      <p:grpSpPr>
+        <a:xfrm>
+          <a:off x="0" y="0"/>
+          <a:ext cx="0" cy="0"/>
+          <a:chOff x="0" y="0"/>
+          <a:chExt cx="0" cy="0"/>
+        </a:xfrm>
+      </p:grpSpPr>
+      <p:sp>
+        <p:nvSpPr>
+          <p:cNvPr id="2" name="Retângulo 1">
+            <a:extLst>
+              <a:ext uri="{FF2B5EF4-FFF2-40B4-BE49-F238E27FC236}">
+                <a16:creationId xmlns:a16="http://schemas.microsoft.com/office/drawing/2014/main" id="{23E71AB0-8D0A-6C7F-297C-4816F08EF283}"/>
+              </a:ext>
+            </a:extLst>
+          </p:cNvPr>
+          <p:cNvSpPr/>
+          <p:nvPr/>
+        </p:nvSpPr>
+        <p:spPr>
+          <a:xfrm>
+            <a:off x="950259" y="2214283"/>
+            <a:ext cx="10488706" cy="2241176"/>
+          </a:xfrm>
+          <a:prstGeom prst="rect">
+            <a:avLst/>
+          </a:prstGeom>
+          <a:ln>
+            <a:noFill/>
+          </a:ln>
+        </p:spPr>
+        <p:style>
+          <a:lnRef idx="2">
+            <a:schemeClr val="accent1">
+              <a:shade val="15000"/>
+            </a:schemeClr>
+          </a:lnRef>
+          <a:fillRef idx="1">
+            <a:schemeClr val="accent1"/>
+          </a:fillRef>
+          <a:effectRef idx="0">
+            <a:schemeClr val="accent1"/>
+          </a:effectRef>
+          <a:fontRef idx="minor">
+            <a:schemeClr val="lt1"/>
+          </a:fontRef>
+        </p:style>
+        <p:txBody>
+          <a:bodyPr rtlCol="0" anchor="ctr"/>
+          <a:lstStyle/>
+          <a:p>
+            <a:pPr algn="ctr"/>
+            <a:r>
+              <a:rPr lang="pt-BR" sz="4800" dirty="0"/>
+              <a:t>Habilidades </a:t>
+            </a:r>
+            <a:r>
+              <a:rPr lang="pt-BR" sz="4800" dirty="0" err="1"/>
+              <a:t>socioeomocionais</a:t>
+            </a:r>
+            <a:endParaRPr lang="pt-BR" sz="4800" dirty="0"/>
+          </a:p>
+        </p:txBody>
+      </p:sp>
+      <p:sp>
+        <p:nvSpPr>
+          <p:cNvPr id="4" name="Espaço Reservado para Número de Slide 3">
+            <a:extLst>
+              <a:ext uri="{FF2B5EF4-FFF2-40B4-BE49-F238E27FC236}">
+                <a16:creationId xmlns:a16="http://schemas.microsoft.com/office/drawing/2014/main" id="{4BB0C52B-21FA-04C9-0F20-07DB48C7B876}"/>
+              </a:ext>
+            </a:extLst>
+          </p:cNvPr>
+          <p:cNvSpPr>
+            <a:spLocks noGrp="1"/>
+          </p:cNvSpPr>
+          <p:nvPr>
+            <p:ph type="sldNum" sz="quarter" idx="12"/>
+          </p:nvPr>
+        </p:nvSpPr>
+        <p:spPr/>
+        <p:txBody>
+          <a:bodyPr/>
+          <a:lstStyle/>
+          <a:p>
+            <a:fld id="{4FAB73BC-B049-4115-A692-8D63A059BFB8}" type="slidenum">
+              <a:rPr lang="en-US" smtClean="0"/>
+              <a:pPr/>
+              <a:t>2</a:t>
+            </a:fld>
+            <a:endParaRPr lang="en-US" dirty="0"/>
+          </a:p>
+        </p:txBody>
+      </p:sp>
+    </p:spTree>
+    <p:extLst>
+      <p:ext uri="{BB962C8B-B14F-4D97-AF65-F5344CB8AC3E}">
+        <p14:creationId xmlns:p14="http://schemas.microsoft.com/office/powerpoint/2010/main" val="272175490"/>
+      </p:ext>
+    </p:extLst>
+  </p:cSld>
+  <p:clrMapOvr>
+    <a:masterClrMapping/>
+  </p:clrMapOvr>
+</p:sld>
+</file>
+
+<file path=ppt/slides/slide20.xml><?xml version="1.0" encoding="utf-8"?>
+<p:sld xmlns:a="http://schemas.openxmlformats.org/drawingml/2006/main" xmlns:r="http://schemas.openxmlformats.org/officeDocument/2006/relationships" xmlns:p="http://schemas.openxmlformats.org/presentationml/2006/main">
+  <p:cSld>
+    <p:spTree>
+      <p:nvGrpSpPr>
+        <p:cNvPr id="1" name=""/>
+        <p:cNvGrpSpPr/>
+        <p:nvPr/>
+      </p:nvGrpSpPr>
+      <p:grpSpPr>
+        <a:xfrm>
+          <a:off x="0" y="0"/>
+          <a:ext cx="0" cy="0"/>
+          <a:chOff x="0" y="0"/>
+          <a:chExt cx="0" cy="0"/>
+        </a:xfrm>
+      </p:grpSpPr>
+      <p:sp>
+        <p:nvSpPr>
+          <p:cNvPr id="2" name="Título 1">
+            <a:extLst>
+              <a:ext uri="{FF2B5EF4-FFF2-40B4-BE49-F238E27FC236}">
+                <a16:creationId xmlns:a16="http://schemas.microsoft.com/office/drawing/2014/main" id="{B58C481D-947E-4326-51E1-D4759FB417A3}"/>
+              </a:ext>
+            </a:extLst>
+          </p:cNvPr>
+          <p:cNvSpPr>
+            <a:spLocks noGrp="1"/>
+          </p:cNvSpPr>
+          <p:nvPr>
+            <p:ph type="title"/>
+          </p:nvPr>
+        </p:nvSpPr>
+        <p:spPr/>
+        <p:txBody>
+          <a:bodyPr/>
+          <a:lstStyle/>
+          <a:p>
+            <a:pPr algn="ctr"/>
+            <a:r>
+              <a:rPr lang="pt-BR" dirty="0">
+                <a:solidFill>
+                  <a:schemeClr val="accent1">
+                    <a:lumMod val="50000"/>
+                  </a:schemeClr>
+                </a:solidFill>
+              </a:rPr>
+              <a:t>R base</a:t>
+            </a:r>
+            <a:br>
+              <a:rPr lang="pt-BR" dirty="0"/>
+            </a:br>
+            <a:r>
+              <a:rPr lang="pt-BR" dirty="0"/>
+              <a:t>Operações básicas</a:t>
+            </a:r>
+          </a:p>
+        </p:txBody>
+      </p:sp>
+      <p:sp>
+        <p:nvSpPr>
+          <p:cNvPr id="4" name="CaixaDeTexto 3">
+            <a:extLst>
+              <a:ext uri="{FF2B5EF4-FFF2-40B4-BE49-F238E27FC236}">
+                <a16:creationId xmlns:a16="http://schemas.microsoft.com/office/drawing/2014/main" id="{4A72CF05-9EFF-FADB-43B8-D24544F12B47}"/>
+              </a:ext>
+            </a:extLst>
+          </p:cNvPr>
+          <p:cNvSpPr txBox="1"/>
+          <p:nvPr/>
+        </p:nvSpPr>
+        <p:spPr>
+          <a:xfrm>
+            <a:off x="3899647" y="842682"/>
+            <a:ext cx="7092006" cy="3385542"/>
+          </a:xfrm>
+          <a:prstGeom prst="rect">
+            <a:avLst/>
+          </a:prstGeom>
+          <a:noFill/>
+        </p:spPr>
+        <p:txBody>
+          <a:bodyPr wrap="none" rtlCol="0">
+            <a:spAutoFit/>
+          </a:bodyPr>
+          <a:lstStyle/>
+          <a:p>
+            <a:r>
+              <a:rPr lang="pt-BR" sz="2400" b="1" dirty="0"/>
+              <a:t>Seleção</a:t>
+            </a:r>
+            <a:r>
+              <a:rPr lang="pt-BR" dirty="0"/>
+              <a:t> de variáveis</a:t>
+            </a:r>
+          </a:p>
+          <a:p>
+            <a:endParaRPr lang="pt-BR" dirty="0"/>
+          </a:p>
+          <a:p>
+            <a:r>
+              <a:rPr lang="pt-BR" dirty="0" err="1"/>
+              <a:t>meus_dados</a:t>
+            </a:r>
+            <a:r>
+              <a:rPr lang="pt-BR" dirty="0"/>
+              <a:t>[ , 1 ]			ou		</a:t>
+            </a:r>
+            <a:r>
+              <a:rPr lang="pt-BR" dirty="0" err="1"/>
+              <a:t>meus_dados</a:t>
+            </a:r>
+            <a:r>
+              <a:rPr lang="pt-BR" dirty="0"/>
+              <a:t>[ , 2:3 ]</a:t>
+            </a:r>
+          </a:p>
+          <a:p>
+            <a:endParaRPr lang="pt-BR" dirty="0"/>
+          </a:p>
+          <a:p>
+            <a:r>
+              <a:rPr lang="pt-BR" dirty="0" err="1"/>
+              <a:t>meus_dados</a:t>
+            </a:r>
+            <a:r>
+              <a:rPr lang="pt-BR" dirty="0"/>
+              <a:t>[ , “raça” ]		ou		</a:t>
+            </a:r>
+            <a:r>
+              <a:rPr lang="pt-BR" dirty="0" err="1"/>
+              <a:t>meus_dados</a:t>
+            </a:r>
+            <a:r>
+              <a:rPr lang="pt-BR" dirty="0"/>
+              <a:t>[ , c(“renda”, “raça") ]</a:t>
+            </a:r>
+          </a:p>
+          <a:p>
+            <a:endParaRPr lang="pt-BR" dirty="0"/>
+          </a:p>
+          <a:p>
+            <a:r>
+              <a:rPr lang="pt-BR" sz="2400" b="1" dirty="0"/>
+              <a:t>Filtro</a:t>
+            </a:r>
+            <a:r>
+              <a:rPr lang="pt-BR" b="1" dirty="0"/>
+              <a:t> </a:t>
+            </a:r>
+            <a:r>
+              <a:rPr lang="pt-BR" dirty="0"/>
+              <a:t>de casos</a:t>
+            </a:r>
+            <a:endParaRPr lang="pt-BR" b="1" dirty="0"/>
+          </a:p>
+          <a:p>
+            <a:endParaRPr lang="pt-BR" dirty="0"/>
+          </a:p>
+          <a:p>
+            <a:r>
+              <a:rPr lang="pt-BR" dirty="0" err="1"/>
+              <a:t>meus_dados</a:t>
+            </a:r>
+            <a:r>
+              <a:rPr lang="pt-BR" dirty="0"/>
+              <a:t>[ , “raça” ] == “branca”</a:t>
+            </a:r>
+          </a:p>
+          <a:p>
+            <a:endParaRPr lang="pt-BR" dirty="0"/>
+          </a:p>
+          <a:p>
+            <a:r>
+              <a:rPr lang="pt-BR" dirty="0" err="1"/>
+              <a:t>meus_dados$raça</a:t>
+            </a:r>
+            <a:r>
+              <a:rPr lang="pt-BR" dirty="0"/>
+              <a:t> == “branca”</a:t>
+            </a:r>
+          </a:p>
+        </p:txBody>
+      </p:sp>
+      <p:sp>
+        <p:nvSpPr>
+          <p:cNvPr id="5" name="Espaço Reservado para Número de Slide 4">
+            <a:extLst>
+              <a:ext uri="{FF2B5EF4-FFF2-40B4-BE49-F238E27FC236}">
+                <a16:creationId xmlns:a16="http://schemas.microsoft.com/office/drawing/2014/main" id="{ED5F0F78-C618-81E1-1C0E-0331341FBFC6}"/>
+              </a:ext>
+            </a:extLst>
+          </p:cNvPr>
+          <p:cNvSpPr>
+            <a:spLocks noGrp="1"/>
+          </p:cNvSpPr>
+          <p:nvPr>
+            <p:ph type="sldNum" sz="quarter" idx="12"/>
+          </p:nvPr>
+        </p:nvSpPr>
+        <p:spPr/>
+        <p:txBody>
+          <a:bodyPr/>
+          <a:lstStyle/>
+          <a:p>
+            <a:fld id="{4FAB73BC-B049-4115-A692-8D63A059BFB8}" type="slidenum">
+              <a:rPr lang="en-US" smtClean="0"/>
+              <a:pPr/>
+              <a:t>20</a:t>
+            </a:fld>
+            <a:endParaRPr lang="en-US" dirty="0"/>
+          </a:p>
+        </p:txBody>
+      </p:sp>
+    </p:spTree>
+    <p:extLst>
+      <p:ext uri="{BB962C8B-B14F-4D97-AF65-F5344CB8AC3E}">
+        <p14:creationId xmlns:p14="http://schemas.microsoft.com/office/powerpoint/2010/main" val="747113610"/>
+      </p:ext>
+    </p:extLst>
+  </p:cSld>
+  <p:clrMapOvr>
+    <a:masterClrMapping/>
+  </p:clrMapOvr>
+</p:sld>
+</file>
+
+<file path=ppt/slides/slide21.xml><?xml version="1.0" encoding="utf-8"?>
+<p:sld xmlns:a="http://schemas.openxmlformats.org/drawingml/2006/main" xmlns:r="http://schemas.openxmlformats.org/officeDocument/2006/relationships" xmlns:p="http://schemas.openxmlformats.org/presentationml/2006/main">
+  <p:cSld>
+    <p:spTree>
+      <p:nvGrpSpPr>
+        <p:cNvPr id="1" name=""/>
+        <p:cNvGrpSpPr/>
+        <p:nvPr/>
+      </p:nvGrpSpPr>
+      <p:grpSpPr>
+        <a:xfrm>
+          <a:off x="0" y="0"/>
+          <a:ext cx="0" cy="0"/>
+          <a:chOff x="0" y="0"/>
+          <a:chExt cx="0" cy="0"/>
+        </a:xfrm>
+      </p:grpSpPr>
+      <p:sp>
+        <p:nvSpPr>
+          <p:cNvPr id="2" name="Título 1">
+            <a:extLst>
+              <a:ext uri="{FF2B5EF4-FFF2-40B4-BE49-F238E27FC236}">
+                <a16:creationId xmlns:a16="http://schemas.microsoft.com/office/drawing/2014/main" id="{B58C481D-947E-4326-51E1-D4759FB417A3}"/>
+              </a:ext>
+            </a:extLst>
+          </p:cNvPr>
+          <p:cNvSpPr>
+            <a:spLocks noGrp="1"/>
+          </p:cNvSpPr>
+          <p:nvPr>
+            <p:ph type="title"/>
+          </p:nvPr>
+        </p:nvSpPr>
+        <p:spPr/>
+        <p:txBody>
+          <a:bodyPr/>
+          <a:lstStyle/>
+          <a:p>
+            <a:pPr algn="ctr"/>
+            <a:r>
+              <a:rPr lang="pt-BR" dirty="0" err="1">
+                <a:solidFill>
+                  <a:schemeClr val="accent1">
+                    <a:lumMod val="50000"/>
+                  </a:schemeClr>
+                </a:solidFill>
+              </a:rPr>
+              <a:t>tidyverse</a:t>
+            </a:r>
+            <a:br>
+              <a:rPr lang="pt-BR" dirty="0"/>
+            </a:br>
+            <a:r>
+              <a:rPr lang="pt-BR" dirty="0"/>
+              <a:t>Operações básicas</a:t>
+            </a:r>
+          </a:p>
+        </p:txBody>
+      </p:sp>
+      <p:sp>
+        <p:nvSpPr>
+          <p:cNvPr id="4" name="CaixaDeTexto 3">
+            <a:extLst>
+              <a:ext uri="{FF2B5EF4-FFF2-40B4-BE49-F238E27FC236}">
+                <a16:creationId xmlns:a16="http://schemas.microsoft.com/office/drawing/2014/main" id="{4A72CF05-9EFF-FADB-43B8-D24544F12B47}"/>
+              </a:ext>
+            </a:extLst>
+          </p:cNvPr>
+          <p:cNvSpPr txBox="1"/>
+          <p:nvPr/>
+        </p:nvSpPr>
+        <p:spPr>
+          <a:xfrm>
+            <a:off x="3953435" y="1488141"/>
+            <a:ext cx="5134739" cy="4893647"/>
+          </a:xfrm>
+          <a:prstGeom prst="rect">
+            <a:avLst/>
+          </a:prstGeom>
+          <a:noFill/>
+        </p:spPr>
+        <p:txBody>
+          <a:bodyPr wrap="none" rtlCol="0">
+            <a:spAutoFit/>
+          </a:bodyPr>
+          <a:lstStyle/>
+          <a:p>
+            <a:r>
+              <a:rPr lang="pt-BR" sz="2400" b="1" dirty="0"/>
+              <a:t>Seleção</a:t>
+            </a:r>
+            <a:r>
+              <a:rPr lang="pt-BR" dirty="0"/>
+              <a:t> de variáveis</a:t>
+            </a:r>
+          </a:p>
+          <a:p>
+            <a:endParaRPr lang="pt-BR" dirty="0"/>
+          </a:p>
+          <a:p>
+            <a:r>
+              <a:rPr lang="pt-BR" dirty="0" err="1"/>
+              <a:t>meus_dados</a:t>
+            </a:r>
+            <a:r>
+              <a:rPr lang="pt-BR" dirty="0"/>
+              <a:t> %&gt;% </a:t>
+            </a:r>
+            <a:r>
+              <a:rPr lang="pt-BR" b="1" dirty="0" err="1"/>
+              <a:t>select</a:t>
+            </a:r>
+            <a:r>
+              <a:rPr lang="pt-BR" dirty="0"/>
+              <a:t>( raça )</a:t>
+            </a:r>
+          </a:p>
+          <a:p>
+            <a:endParaRPr lang="pt-BR" dirty="0"/>
+          </a:p>
+          <a:p>
+            <a:r>
+              <a:rPr lang="pt-BR" sz="2400" b="1" dirty="0"/>
+              <a:t>Filtro</a:t>
+            </a:r>
+            <a:r>
+              <a:rPr lang="pt-BR" b="1" dirty="0"/>
+              <a:t> </a:t>
+            </a:r>
+            <a:r>
+              <a:rPr lang="pt-BR" dirty="0"/>
+              <a:t>de casos</a:t>
+            </a:r>
+            <a:endParaRPr lang="pt-BR" b="1" dirty="0"/>
+          </a:p>
+          <a:p>
+            <a:endParaRPr lang="pt-BR" dirty="0"/>
+          </a:p>
+          <a:p>
+            <a:r>
+              <a:rPr lang="pt-BR" dirty="0" err="1"/>
+              <a:t>meus_dados</a:t>
+            </a:r>
+            <a:r>
+              <a:rPr lang="pt-BR" dirty="0"/>
+              <a:t> %&gt;% </a:t>
+            </a:r>
+            <a:r>
+              <a:rPr lang="pt-BR" b="1" dirty="0" err="1"/>
+              <a:t>filter</a:t>
+            </a:r>
+            <a:r>
+              <a:rPr lang="pt-BR" dirty="0"/>
+              <a:t>( raça == “branca” )</a:t>
+            </a:r>
+          </a:p>
+          <a:p>
+            <a:endParaRPr lang="pt-BR" dirty="0"/>
+          </a:p>
+          <a:p>
+            <a:r>
+              <a:rPr lang="pt-BR" sz="2400" b="1" dirty="0"/>
+              <a:t>Renomear</a:t>
+            </a:r>
+            <a:r>
+              <a:rPr lang="pt-BR" b="1" dirty="0"/>
+              <a:t> </a:t>
+            </a:r>
+            <a:r>
+              <a:rPr lang="pt-BR" dirty="0"/>
+              <a:t>variáveis</a:t>
+            </a:r>
+            <a:endParaRPr lang="pt-BR" b="1" dirty="0"/>
+          </a:p>
+          <a:p>
+            <a:endParaRPr lang="pt-BR" dirty="0"/>
+          </a:p>
+          <a:p>
+            <a:r>
+              <a:rPr lang="pt-BR" dirty="0" err="1"/>
+              <a:t>meus_dados</a:t>
+            </a:r>
+            <a:r>
+              <a:rPr lang="pt-BR" dirty="0"/>
+              <a:t> %&gt;% </a:t>
+            </a:r>
+            <a:r>
+              <a:rPr lang="pt-BR" b="1" dirty="0" err="1"/>
+              <a:t>rename</a:t>
+            </a:r>
+            <a:r>
+              <a:rPr lang="pt-BR" dirty="0"/>
+              <a:t>( “</a:t>
+            </a:r>
+            <a:r>
+              <a:rPr lang="pt-BR" dirty="0" err="1"/>
+              <a:t>renda_dom</a:t>
+            </a:r>
+            <a:r>
+              <a:rPr lang="pt-BR" dirty="0"/>
+              <a:t>” == renda )</a:t>
+            </a:r>
+          </a:p>
+          <a:p>
+            <a:endParaRPr lang="pt-BR" dirty="0"/>
+          </a:p>
+          <a:p>
+            <a:r>
+              <a:rPr lang="pt-BR" sz="2400" b="1" dirty="0"/>
+              <a:t>Recodificar/mudar</a:t>
+            </a:r>
+            <a:r>
+              <a:rPr lang="pt-BR" b="1" dirty="0"/>
+              <a:t> </a:t>
+            </a:r>
+            <a:r>
+              <a:rPr lang="pt-BR" dirty="0"/>
+              <a:t>variáveis</a:t>
+            </a:r>
+            <a:endParaRPr lang="pt-BR" b="1" dirty="0"/>
+          </a:p>
+          <a:p>
+            <a:endParaRPr lang="pt-BR" dirty="0"/>
+          </a:p>
+          <a:p>
+            <a:r>
+              <a:rPr lang="pt-BR" dirty="0" err="1"/>
+              <a:t>meus_dados</a:t>
+            </a:r>
+            <a:r>
+              <a:rPr lang="pt-BR" dirty="0"/>
+              <a:t> %&gt;% </a:t>
+            </a:r>
+            <a:r>
+              <a:rPr lang="pt-BR" b="1" dirty="0" err="1"/>
+              <a:t>mutate</a:t>
+            </a:r>
+            <a:r>
+              <a:rPr lang="pt-BR" dirty="0"/>
+              <a:t>( renda2 = renda + 500)</a:t>
+            </a:r>
+          </a:p>
+          <a:p>
+            <a:endParaRPr lang="pt-BR" dirty="0"/>
+          </a:p>
+        </p:txBody>
+      </p:sp>
+      <p:sp>
+        <p:nvSpPr>
+          <p:cNvPr id="3" name="CaixaDeTexto 2">
+            <a:extLst>
+              <a:ext uri="{FF2B5EF4-FFF2-40B4-BE49-F238E27FC236}">
+                <a16:creationId xmlns:a16="http://schemas.microsoft.com/office/drawing/2014/main" id="{877CF105-82C5-B71F-7FE8-9BBE7AB8A32A}"/>
+              </a:ext>
+            </a:extLst>
+          </p:cNvPr>
+          <p:cNvSpPr txBox="1"/>
+          <p:nvPr/>
+        </p:nvSpPr>
+        <p:spPr>
+          <a:xfrm>
+            <a:off x="6090498" y="476212"/>
+            <a:ext cx="3130409" cy="523220"/>
+          </a:xfrm>
+          <a:prstGeom prst="rect">
+            <a:avLst/>
+          </a:prstGeom>
+          <a:noFill/>
+        </p:spPr>
+        <p:txBody>
+          <a:bodyPr wrap="none" rtlCol="0">
+            <a:spAutoFit/>
+          </a:bodyPr>
+          <a:lstStyle/>
+          <a:p>
+            <a:r>
+              <a:rPr lang="pt-BR" sz="2800" dirty="0"/>
+              <a:t>Pacote </a:t>
+            </a:r>
+            <a:r>
+              <a:rPr lang="pt-BR" sz="2800" b="1" dirty="0"/>
+              <a:t>TIDYVERSE</a:t>
+            </a:r>
+          </a:p>
+        </p:txBody>
+      </p:sp>
+      <p:sp>
+        <p:nvSpPr>
+          <p:cNvPr id="6" name="Espaço Reservado para Número de Slide 5">
+            <a:extLst>
+              <a:ext uri="{FF2B5EF4-FFF2-40B4-BE49-F238E27FC236}">
+                <a16:creationId xmlns:a16="http://schemas.microsoft.com/office/drawing/2014/main" id="{CDA7D611-AD67-167B-EC40-0E2A8DA7E21F}"/>
+              </a:ext>
+            </a:extLst>
+          </p:cNvPr>
+          <p:cNvSpPr>
+            <a:spLocks noGrp="1"/>
+          </p:cNvSpPr>
+          <p:nvPr>
+            <p:ph type="sldNum" sz="quarter" idx="12"/>
+          </p:nvPr>
+        </p:nvSpPr>
+        <p:spPr/>
+        <p:txBody>
+          <a:bodyPr/>
+          <a:lstStyle/>
+          <a:p>
+            <a:fld id="{4FAB73BC-B049-4115-A692-8D63A059BFB8}" type="slidenum">
+              <a:rPr lang="en-US" smtClean="0"/>
+              <a:pPr/>
+              <a:t>21</a:t>
+            </a:fld>
+            <a:endParaRPr lang="en-US" dirty="0"/>
+          </a:p>
+        </p:txBody>
+      </p:sp>
+    </p:spTree>
+    <p:extLst>
+      <p:ext uri="{BB962C8B-B14F-4D97-AF65-F5344CB8AC3E}">
+        <p14:creationId xmlns:p14="http://schemas.microsoft.com/office/powerpoint/2010/main" val="3382760705"/>
+      </p:ext>
+    </p:extLst>
+  </p:cSld>
+  <p:clrMapOvr>
+    <a:masterClrMapping/>
+  </p:clrMapOvr>
+</p:sld>
+</file>
+
+<file path=ppt/slides/slide22.xml><?xml version="1.0" encoding="utf-8"?>
+<p:sld xmlns:a="http://schemas.openxmlformats.org/drawingml/2006/main" xmlns:r="http://schemas.openxmlformats.org/officeDocument/2006/relationships" xmlns:p="http://schemas.openxmlformats.org/presentationml/2006/main">
+  <p:cSld>
+    <p:spTree>
+      <p:nvGrpSpPr>
+        <p:cNvPr id="1" name=""/>
+        <p:cNvGrpSpPr/>
+        <p:nvPr/>
+      </p:nvGrpSpPr>
+      <p:grpSpPr>
+        <a:xfrm>
+          <a:off x="0" y="0"/>
+          <a:ext cx="0" cy="0"/>
+          <a:chOff x="0" y="0"/>
+          <a:chExt cx="0" cy="0"/>
+        </a:xfrm>
+      </p:grpSpPr>
+      <p:sp>
+        <p:nvSpPr>
           <p:cNvPr id="4" name="Título 1">
             <a:extLst>
               <a:ext uri="{FF2B5EF4-FFF2-40B4-BE49-F238E27FC236}">
@@ -5017,6 +8232,36 @@
               <a:rPr lang="pt-BR" dirty="0"/>
               <a:t>” )</a:t>
             </a:r>
+          </a:p>
+        </p:txBody>
+      </p:sp>
+      <p:sp>
+        <p:nvSpPr>
+          <p:cNvPr id="3" name="Espaço Reservado para Número de Slide 2">
+            <a:extLst>
+              <a:ext uri="{FF2B5EF4-FFF2-40B4-BE49-F238E27FC236}">
+                <a16:creationId xmlns:a16="http://schemas.microsoft.com/office/drawing/2014/main" id="{51BFEA70-3E42-6974-DF45-38366CD16FA7}"/>
+              </a:ext>
+            </a:extLst>
+          </p:cNvPr>
+          <p:cNvSpPr>
+            <a:spLocks noGrp="1"/>
+          </p:cNvSpPr>
+          <p:nvPr>
+            <p:ph type="sldNum" sz="quarter" idx="12"/>
+          </p:nvPr>
+        </p:nvSpPr>
+        <p:spPr/>
+        <p:txBody>
+          <a:bodyPr/>
+          <a:lstStyle/>
+          <a:p>
+            <a:fld id="{4FAB73BC-B049-4115-A692-8D63A059BFB8}" type="slidenum">
+              <a:rPr lang="en-US" smtClean="0"/>
+              <a:pPr/>
+              <a:t>22</a:t>
+            </a:fld>
+            <a:endParaRPr lang="en-US" dirty="0"/>
           </a:p>
         </p:txBody>
       </p:sp>
@@ -5033,7 +8278,494 @@
 </p:sld>
 </file>
 
-<file path=ppt/slides/slide2.xml><?xml version="1.0" encoding="utf-8"?>
+<file path=ppt/slides/slide3.xml><?xml version="1.0" encoding="utf-8"?>
+<p:sld xmlns:a="http://schemas.openxmlformats.org/drawingml/2006/main" xmlns:r="http://schemas.openxmlformats.org/officeDocument/2006/relationships" xmlns:p="http://schemas.openxmlformats.org/presentationml/2006/main">
+  <p:cSld>
+    <p:spTree>
+      <p:nvGrpSpPr>
+        <p:cNvPr id="1" name=""/>
+        <p:cNvGrpSpPr/>
+        <p:nvPr/>
+      </p:nvGrpSpPr>
+      <p:grpSpPr>
+        <a:xfrm>
+          <a:off x="0" y="0"/>
+          <a:ext cx="0" cy="0"/>
+          <a:chOff x="0" y="0"/>
+          <a:chExt cx="0" cy="0"/>
+        </a:xfrm>
+      </p:grpSpPr>
+      <p:sp>
+        <p:nvSpPr>
+          <p:cNvPr id="2" name="Título 1">
+            <a:extLst>
+              <a:ext uri="{FF2B5EF4-FFF2-40B4-BE49-F238E27FC236}">
+                <a16:creationId xmlns:a16="http://schemas.microsoft.com/office/drawing/2014/main" id="{277EE5FF-927C-847A-B509-D13F82151087}"/>
+              </a:ext>
+            </a:extLst>
+          </p:cNvPr>
+          <p:cNvSpPr>
+            <a:spLocks noGrp="1"/>
+          </p:cNvSpPr>
+          <p:nvPr>
+            <p:ph type="title"/>
+          </p:nvPr>
+        </p:nvSpPr>
+        <p:spPr>
+          <a:xfrm>
+            <a:off x="279813" y="1123837"/>
+            <a:ext cx="2947482" cy="4601183"/>
+          </a:xfrm>
+        </p:spPr>
+        <p:txBody>
+          <a:bodyPr>
+            <a:normAutofit/>
+          </a:bodyPr>
+          <a:lstStyle/>
+          <a:p>
+            <a:r>
+              <a:rPr lang="pt-BR" sz="3300" dirty="0">
+                <a:solidFill>
+                  <a:schemeClr val="accent1">
+                    <a:lumMod val="50000"/>
+                  </a:schemeClr>
+                </a:solidFill>
+              </a:rPr>
+              <a:t>Coach motivacional</a:t>
+            </a:r>
+            <a:br>
+              <a:rPr lang="pt-BR" sz="2800" dirty="0"/>
+            </a:br>
+            <a:br>
+              <a:rPr lang="pt-BR" sz="2800" dirty="0"/>
+            </a:br>
+            <a:r>
+              <a:rPr lang="pt-BR" sz="2400" dirty="0"/>
+              <a:t>Figurinhas da Allison</a:t>
+            </a:r>
+            <a:endParaRPr lang="pt-BR" sz="2800" dirty="0"/>
+          </a:p>
+        </p:txBody>
+      </p:sp>
+      <p:pic>
+        <p:nvPicPr>
+          <p:cNvPr id="5" name="Imagem 4">
+            <a:extLst>
+              <a:ext uri="{FF2B5EF4-FFF2-40B4-BE49-F238E27FC236}">
+                <a16:creationId xmlns:a16="http://schemas.microsoft.com/office/drawing/2014/main" id="{D4EC8954-F1A4-6DA8-6DEC-1EFBAC4F4AAD}"/>
+              </a:ext>
+            </a:extLst>
+          </p:cNvPr>
+          <p:cNvPicPr>
+            <a:picLocks noChangeAspect="1"/>
+          </p:cNvPicPr>
+          <p:nvPr/>
+        </p:nvPicPr>
+        <p:blipFill>
+          <a:blip r:embed="rId2"/>
+          <a:stretch>
+            <a:fillRect/>
+          </a:stretch>
+        </p:blipFill>
+        <p:spPr>
+          <a:xfrm>
+            <a:off x="4253286" y="144466"/>
+            <a:ext cx="6387819" cy="6248385"/>
+          </a:xfrm>
+          <a:prstGeom prst="rect">
+            <a:avLst/>
+          </a:prstGeom>
+        </p:spPr>
+      </p:pic>
+      <p:sp>
+        <p:nvSpPr>
+          <p:cNvPr id="6" name="Coração 5">
+            <a:extLst>
+              <a:ext uri="{FF2B5EF4-FFF2-40B4-BE49-F238E27FC236}">
+                <a16:creationId xmlns:a16="http://schemas.microsoft.com/office/drawing/2014/main" id="{374BB46B-6298-0569-E8B3-0A1DC5ED37C7}"/>
+              </a:ext>
+            </a:extLst>
+          </p:cNvPr>
+          <p:cNvSpPr/>
+          <p:nvPr/>
+        </p:nvSpPr>
+        <p:spPr>
+          <a:xfrm>
+            <a:off x="1147482" y="4715435"/>
+            <a:ext cx="1129553" cy="1009585"/>
+          </a:xfrm>
+          <a:prstGeom prst="heart">
+            <a:avLst/>
+          </a:prstGeom>
+        </p:spPr>
+        <p:style>
+          <a:lnRef idx="2">
+            <a:schemeClr val="accent1">
+              <a:shade val="15000"/>
+            </a:schemeClr>
+          </a:lnRef>
+          <a:fillRef idx="1">
+            <a:schemeClr val="accent1"/>
+          </a:fillRef>
+          <a:effectRef idx="0">
+            <a:schemeClr val="accent1"/>
+          </a:effectRef>
+          <a:fontRef idx="minor">
+            <a:schemeClr val="lt1"/>
+          </a:fontRef>
+        </p:style>
+        <p:txBody>
+          <a:bodyPr rtlCol="0" anchor="ctr"/>
+          <a:lstStyle/>
+          <a:p>
+            <a:pPr algn="ctr"/>
+            <a:endParaRPr lang="pt-BR"/>
+          </a:p>
+        </p:txBody>
+      </p:sp>
+      <p:sp>
+        <p:nvSpPr>
+          <p:cNvPr id="8" name="Espaço Reservado para Número de Slide 7">
+            <a:extLst>
+              <a:ext uri="{FF2B5EF4-FFF2-40B4-BE49-F238E27FC236}">
+                <a16:creationId xmlns:a16="http://schemas.microsoft.com/office/drawing/2014/main" id="{597A6D89-60AA-E3EA-4D5A-E4FBC610E58B}"/>
+              </a:ext>
+            </a:extLst>
+          </p:cNvPr>
+          <p:cNvSpPr>
+            <a:spLocks noGrp="1"/>
+          </p:cNvSpPr>
+          <p:nvPr>
+            <p:ph type="sldNum" sz="quarter" idx="12"/>
+          </p:nvPr>
+        </p:nvSpPr>
+        <p:spPr/>
+        <p:txBody>
+          <a:bodyPr/>
+          <a:lstStyle/>
+          <a:p>
+            <a:fld id="{4FAB73BC-B049-4115-A692-8D63A059BFB8}" type="slidenum">
+              <a:rPr lang="en-US" smtClean="0"/>
+              <a:pPr/>
+              <a:t>3</a:t>
+            </a:fld>
+            <a:endParaRPr lang="en-US" dirty="0"/>
+          </a:p>
+        </p:txBody>
+      </p:sp>
+    </p:spTree>
+    <p:extLst>
+      <p:ext uri="{BB962C8B-B14F-4D97-AF65-F5344CB8AC3E}">
+        <p14:creationId xmlns:p14="http://schemas.microsoft.com/office/powerpoint/2010/main" val="2930839989"/>
+      </p:ext>
+    </p:extLst>
+  </p:cSld>
+  <p:clrMapOvr>
+    <a:masterClrMapping/>
+  </p:clrMapOvr>
+</p:sld>
+</file>
+
+<file path=ppt/slides/slide4.xml><?xml version="1.0" encoding="utf-8"?>
+<p:sld xmlns:a="http://schemas.openxmlformats.org/drawingml/2006/main" xmlns:r="http://schemas.openxmlformats.org/officeDocument/2006/relationships" xmlns:p="http://schemas.openxmlformats.org/presentationml/2006/main">
+  <p:cSld>
+    <p:spTree>
+      <p:nvGrpSpPr>
+        <p:cNvPr id="1" name=""/>
+        <p:cNvGrpSpPr/>
+        <p:nvPr/>
+      </p:nvGrpSpPr>
+      <p:grpSpPr>
+        <a:xfrm>
+          <a:off x="0" y="0"/>
+          <a:ext cx="0" cy="0"/>
+          <a:chOff x="0" y="0"/>
+          <a:chExt cx="0" cy="0"/>
+        </a:xfrm>
+      </p:grpSpPr>
+      <p:pic>
+        <p:nvPicPr>
+          <p:cNvPr id="5" name="Espaço Reservado para Conteúdo 4">
+            <a:extLst>
+              <a:ext uri="{FF2B5EF4-FFF2-40B4-BE49-F238E27FC236}">
+                <a16:creationId xmlns:a16="http://schemas.microsoft.com/office/drawing/2014/main" id="{B267C1B0-8A1D-7F3E-42EF-CD7F88699903}"/>
+              </a:ext>
+            </a:extLst>
+          </p:cNvPr>
+          <p:cNvPicPr>
+            <a:picLocks noGrp="1" noChangeAspect="1"/>
+          </p:cNvPicPr>
+          <p:nvPr>
+            <p:ph idx="1"/>
+          </p:nvPr>
+        </p:nvPicPr>
+        <p:blipFill>
+          <a:blip r:embed="rId2"/>
+          <a:stretch>
+            <a:fillRect/>
+          </a:stretch>
+        </p:blipFill>
+        <p:spPr>
+          <a:xfrm>
+            <a:off x="4094964" y="279657"/>
+            <a:ext cx="7083035" cy="6121142"/>
+          </a:xfrm>
+        </p:spPr>
+      </p:pic>
+      <p:sp>
+        <p:nvSpPr>
+          <p:cNvPr id="8" name="Título 1">
+            <a:extLst>
+              <a:ext uri="{FF2B5EF4-FFF2-40B4-BE49-F238E27FC236}">
+                <a16:creationId xmlns:a16="http://schemas.microsoft.com/office/drawing/2014/main" id="{9B2211BC-7BE1-883D-4E9D-23AC10361E6E}"/>
+              </a:ext>
+            </a:extLst>
+          </p:cNvPr>
+          <p:cNvSpPr>
+            <a:spLocks noGrp="1"/>
+          </p:cNvSpPr>
+          <p:nvPr>
+            <p:ph type="title"/>
+          </p:nvPr>
+        </p:nvSpPr>
+        <p:spPr>
+          <a:xfrm>
+            <a:off x="279813" y="1123837"/>
+            <a:ext cx="2947482" cy="4601183"/>
+          </a:xfrm>
+        </p:spPr>
+        <p:txBody>
+          <a:bodyPr>
+            <a:normAutofit/>
+          </a:bodyPr>
+          <a:lstStyle/>
+          <a:p>
+            <a:r>
+              <a:rPr lang="pt-BR" sz="3300" dirty="0">
+                <a:solidFill>
+                  <a:schemeClr val="accent1">
+                    <a:lumMod val="50000"/>
+                  </a:schemeClr>
+                </a:solidFill>
+              </a:rPr>
+              <a:t>Coach motivacional</a:t>
+            </a:r>
+            <a:br>
+              <a:rPr lang="pt-BR" sz="2800" dirty="0"/>
+            </a:br>
+            <a:br>
+              <a:rPr lang="pt-BR" sz="2800" dirty="0"/>
+            </a:br>
+            <a:r>
+              <a:rPr lang="pt-BR" sz="2400" dirty="0"/>
+              <a:t>Figurinhas da Allison</a:t>
+            </a:r>
+            <a:endParaRPr lang="pt-BR" sz="2800" dirty="0"/>
+          </a:p>
+        </p:txBody>
+      </p:sp>
+      <p:sp>
+        <p:nvSpPr>
+          <p:cNvPr id="9" name="Coração 8">
+            <a:extLst>
+              <a:ext uri="{FF2B5EF4-FFF2-40B4-BE49-F238E27FC236}">
+                <a16:creationId xmlns:a16="http://schemas.microsoft.com/office/drawing/2014/main" id="{476E92BD-E446-E0E7-33A5-78765E9C3BB4}"/>
+              </a:ext>
+            </a:extLst>
+          </p:cNvPr>
+          <p:cNvSpPr/>
+          <p:nvPr/>
+        </p:nvSpPr>
+        <p:spPr>
+          <a:xfrm>
+            <a:off x="1147482" y="4715435"/>
+            <a:ext cx="1129553" cy="1009585"/>
+          </a:xfrm>
+          <a:prstGeom prst="heart">
+            <a:avLst/>
+          </a:prstGeom>
+        </p:spPr>
+        <p:style>
+          <a:lnRef idx="2">
+            <a:schemeClr val="accent1">
+              <a:shade val="15000"/>
+            </a:schemeClr>
+          </a:lnRef>
+          <a:fillRef idx="1">
+            <a:schemeClr val="accent1"/>
+          </a:fillRef>
+          <a:effectRef idx="0">
+            <a:schemeClr val="accent1"/>
+          </a:effectRef>
+          <a:fontRef idx="minor">
+            <a:schemeClr val="lt1"/>
+          </a:fontRef>
+        </p:style>
+        <p:txBody>
+          <a:bodyPr rtlCol="0" anchor="ctr"/>
+          <a:lstStyle/>
+          <a:p>
+            <a:pPr algn="ctr"/>
+            <a:endParaRPr lang="pt-BR"/>
+          </a:p>
+        </p:txBody>
+      </p:sp>
+      <p:sp>
+        <p:nvSpPr>
+          <p:cNvPr id="11" name="Espaço Reservado para Número de Slide 10">
+            <a:extLst>
+              <a:ext uri="{FF2B5EF4-FFF2-40B4-BE49-F238E27FC236}">
+                <a16:creationId xmlns:a16="http://schemas.microsoft.com/office/drawing/2014/main" id="{789C743C-4E8E-300E-D841-2DB4243570C1}"/>
+              </a:ext>
+            </a:extLst>
+          </p:cNvPr>
+          <p:cNvSpPr>
+            <a:spLocks noGrp="1"/>
+          </p:cNvSpPr>
+          <p:nvPr>
+            <p:ph type="sldNum" sz="quarter" idx="12"/>
+          </p:nvPr>
+        </p:nvSpPr>
+        <p:spPr/>
+        <p:txBody>
+          <a:bodyPr/>
+          <a:lstStyle/>
+          <a:p>
+            <a:fld id="{4FAB73BC-B049-4115-A692-8D63A059BFB8}" type="slidenum">
+              <a:rPr lang="en-US" smtClean="0"/>
+              <a:pPr/>
+              <a:t>4</a:t>
+            </a:fld>
+            <a:endParaRPr lang="en-US" dirty="0"/>
+          </a:p>
+        </p:txBody>
+      </p:sp>
+    </p:spTree>
+    <p:extLst>
+      <p:ext uri="{BB962C8B-B14F-4D97-AF65-F5344CB8AC3E}">
+        <p14:creationId xmlns:p14="http://schemas.microsoft.com/office/powerpoint/2010/main" val="2602028142"/>
+      </p:ext>
+    </p:extLst>
+  </p:cSld>
+  <p:clrMapOvr>
+    <a:masterClrMapping/>
+  </p:clrMapOvr>
+</p:sld>
+</file>
+
+<file path=ppt/slides/slide5.xml><?xml version="1.0" encoding="utf-8"?>
+<p:sld xmlns:a="http://schemas.openxmlformats.org/drawingml/2006/main" xmlns:r="http://schemas.openxmlformats.org/officeDocument/2006/relationships" xmlns:p="http://schemas.openxmlformats.org/presentationml/2006/main">
+  <p:cSld>
+    <p:spTree>
+      <p:nvGrpSpPr>
+        <p:cNvPr id="1" name=""/>
+        <p:cNvGrpSpPr/>
+        <p:nvPr/>
+      </p:nvGrpSpPr>
+      <p:grpSpPr>
+        <a:xfrm>
+          <a:off x="0" y="0"/>
+          <a:ext cx="0" cy="0"/>
+          <a:chOff x="0" y="0"/>
+          <a:chExt cx="0" cy="0"/>
+        </a:xfrm>
+      </p:grpSpPr>
+      <p:sp>
+        <p:nvSpPr>
+          <p:cNvPr id="2" name="Retângulo 1">
+            <a:extLst>
+              <a:ext uri="{FF2B5EF4-FFF2-40B4-BE49-F238E27FC236}">
+                <a16:creationId xmlns:a16="http://schemas.microsoft.com/office/drawing/2014/main" id="{23E71AB0-8D0A-6C7F-297C-4816F08EF283}"/>
+              </a:ext>
+            </a:extLst>
+          </p:cNvPr>
+          <p:cNvSpPr/>
+          <p:nvPr/>
+        </p:nvSpPr>
+        <p:spPr>
+          <a:xfrm>
+            <a:off x="950259" y="2214283"/>
+            <a:ext cx="10488706" cy="2241176"/>
+          </a:xfrm>
+          <a:prstGeom prst="rect">
+            <a:avLst/>
+          </a:prstGeom>
+          <a:ln>
+            <a:noFill/>
+          </a:ln>
+        </p:spPr>
+        <p:style>
+          <a:lnRef idx="2">
+            <a:schemeClr val="accent1">
+              <a:shade val="15000"/>
+            </a:schemeClr>
+          </a:lnRef>
+          <a:fillRef idx="1">
+            <a:schemeClr val="accent1"/>
+          </a:fillRef>
+          <a:effectRef idx="0">
+            <a:schemeClr val="accent1"/>
+          </a:effectRef>
+          <a:fontRef idx="minor">
+            <a:schemeClr val="lt1"/>
+          </a:fontRef>
+        </p:style>
+        <p:txBody>
+          <a:bodyPr rtlCol="0" anchor="ctr"/>
+          <a:lstStyle/>
+          <a:p>
+            <a:pPr algn="ctr"/>
+            <a:r>
+              <a:rPr lang="pt-BR" sz="4800" dirty="0"/>
+              <a:t>História e contexto</a:t>
+            </a:r>
+          </a:p>
+        </p:txBody>
+      </p:sp>
+      <p:sp>
+        <p:nvSpPr>
+          <p:cNvPr id="4" name="Espaço Reservado para Número de Slide 3">
+            <a:extLst>
+              <a:ext uri="{FF2B5EF4-FFF2-40B4-BE49-F238E27FC236}">
+                <a16:creationId xmlns:a16="http://schemas.microsoft.com/office/drawing/2014/main" id="{395B7030-B9DA-CC3B-FF9E-AC7382E4DB81}"/>
+              </a:ext>
+            </a:extLst>
+          </p:cNvPr>
+          <p:cNvSpPr>
+            <a:spLocks noGrp="1"/>
+          </p:cNvSpPr>
+          <p:nvPr>
+            <p:ph type="sldNum" sz="quarter" idx="12"/>
+          </p:nvPr>
+        </p:nvSpPr>
+        <p:spPr/>
+        <p:txBody>
+          <a:bodyPr/>
+          <a:lstStyle/>
+          <a:p>
+            <a:fld id="{4FAB73BC-B049-4115-A692-8D63A059BFB8}" type="slidenum">
+              <a:rPr lang="en-US" smtClean="0"/>
+              <a:pPr/>
+              <a:t>5</a:t>
+            </a:fld>
+            <a:endParaRPr lang="en-US" dirty="0"/>
+          </a:p>
+        </p:txBody>
+      </p:sp>
+    </p:spTree>
+    <p:extLst>
+      <p:ext uri="{BB962C8B-B14F-4D97-AF65-F5344CB8AC3E}">
+        <p14:creationId xmlns:p14="http://schemas.microsoft.com/office/powerpoint/2010/main" val="3356037723"/>
+      </p:ext>
+    </p:extLst>
+  </p:cSld>
+  <p:clrMapOvr>
+    <a:masterClrMapping/>
+  </p:clrMapOvr>
+</p:sld>
+</file>
+
+<file path=ppt/slides/slide6.xml><?xml version="1.0" encoding="utf-8"?>
 <p:sld xmlns:a="http://schemas.openxmlformats.org/drawingml/2006/main" xmlns:r="http://schemas.openxmlformats.org/officeDocument/2006/relationships" xmlns:p="http://schemas.openxmlformats.org/presentationml/2006/main">
   <p:cSld>
     <p:spTree>
@@ -5480,6 +9212,36 @@
               </a:rPr>
               <a:t>História do R</a:t>
             </a:r>
+          </a:p>
+        </p:txBody>
+      </p:sp>
+      <p:sp>
+        <p:nvSpPr>
+          <p:cNvPr id="5" name="Espaço Reservado para Número de Slide 4">
+            <a:extLst>
+              <a:ext uri="{FF2B5EF4-FFF2-40B4-BE49-F238E27FC236}">
+                <a16:creationId xmlns:a16="http://schemas.microsoft.com/office/drawing/2014/main" id="{2275E8E6-8ADE-E32F-1DE6-B8B2B122DC7A}"/>
+              </a:ext>
+            </a:extLst>
+          </p:cNvPr>
+          <p:cNvSpPr>
+            <a:spLocks noGrp="1"/>
+          </p:cNvSpPr>
+          <p:nvPr>
+            <p:ph type="sldNum" sz="quarter" idx="12"/>
+          </p:nvPr>
+        </p:nvSpPr>
+        <p:spPr/>
+        <p:txBody>
+          <a:bodyPr/>
+          <a:lstStyle/>
+          <a:p>
+            <a:fld id="{4FAB73BC-B049-4115-A692-8D63A059BFB8}" type="slidenum">
+              <a:rPr lang="en-US" smtClean="0"/>
+              <a:pPr/>
+              <a:t>6</a:t>
+            </a:fld>
+            <a:endParaRPr lang="en-US" dirty="0"/>
           </a:p>
         </p:txBody>
       </p:sp>
@@ -5625,7 +9387,7 @@
 </p:sld>
 </file>
 
-<file path=ppt/slides/slide3.xml><?xml version="1.0" encoding="utf-8"?>
+<file path=ppt/slides/slide7.xml><?xml version="1.0" encoding="utf-8"?>
 <p:sld xmlns:a="http://schemas.openxmlformats.org/drawingml/2006/main" xmlns:r="http://schemas.openxmlformats.org/officeDocument/2006/relationships" xmlns:p="http://schemas.openxmlformats.org/presentationml/2006/main">
   <p:cSld>
     <p:spTree>
@@ -5912,42 +9674,12 @@
           </a:effectLst>
         </p:spPr>
       </p:pic>
-    </p:spTree>
-    <p:extLst>
-      <p:ext uri="{BB962C8B-B14F-4D97-AF65-F5344CB8AC3E}">
-        <p14:creationId xmlns:p14="http://schemas.microsoft.com/office/powerpoint/2010/main" val="2026738773"/>
-      </p:ext>
-    </p:extLst>
-  </p:cSld>
-  <p:clrMapOvr>
-    <a:masterClrMapping/>
-  </p:clrMapOvr>
-</p:sld>
-</file>
-
-<file path=ppt/slides/slide4.xml><?xml version="1.0" encoding="utf-8"?>
-<p:sld xmlns:a="http://schemas.openxmlformats.org/drawingml/2006/main" xmlns:r="http://schemas.openxmlformats.org/officeDocument/2006/relationships" xmlns:p="http://schemas.openxmlformats.org/presentationml/2006/main">
-  <p:cSld>
-    <p:spTree>
-      <p:nvGrpSpPr>
-        <p:cNvPr id="1" name=""/>
-        <p:cNvGrpSpPr/>
-        <p:nvPr/>
-      </p:nvGrpSpPr>
-      <p:grpSpPr>
-        <a:xfrm>
-          <a:off x="0" y="0"/>
-          <a:ext cx="0" cy="0"/>
-          <a:chOff x="0" y="0"/>
-          <a:chExt cx="0" cy="0"/>
-        </a:xfrm>
-      </p:grpSpPr>
-      <p:sp>
-        <p:nvSpPr>
-          <p:cNvPr id="3" name="Espaço Reservado para Conteúdo 2">
+      <p:sp>
+        <p:nvSpPr>
+          <p:cNvPr id="3" name="Espaço Reservado para Número de Slide 2">
             <a:extLst>
               <a:ext uri="{FF2B5EF4-FFF2-40B4-BE49-F238E27FC236}">
-                <a16:creationId xmlns:a16="http://schemas.microsoft.com/office/drawing/2014/main" id="{C1D6646A-2960-A483-43AA-FEEB831B0D7A}"/>
+                <a16:creationId xmlns:a16="http://schemas.microsoft.com/office/drawing/2014/main" id="{D1234711-0FD7-3991-A3CB-B7E3E8E416C1}"/>
               </a:ext>
             </a:extLst>
           </p:cNvPr>
@@ -5955,921 +9687,27 @@
             <a:spLocks noGrp="1"/>
           </p:cNvSpPr>
           <p:nvPr>
-            <p:ph idx="1"/>
+            <p:ph type="sldNum" sz="quarter" idx="12"/>
           </p:nvPr>
         </p:nvSpPr>
         <p:spPr/>
         <p:txBody>
-          <a:bodyPr>
-            <a:normAutofit fontScale="92500" lnSpcReduction="10000"/>
-          </a:bodyPr>
-          <a:lstStyle/>
-          <a:p>
-            <a:r>
-              <a:rPr lang="pt-BR" b="1" dirty="0"/>
-              <a:t>Potência</a:t>
-            </a:r>
-            <a:r>
-              <a:rPr lang="pt-BR" dirty="0"/>
-              <a:t>: podemos fazer (quase) tudo com R, considerado uma das melhores ferramentas para estatística e análise de dados. Excel e SPSS estão anos atrás!</a:t>
-            </a:r>
-          </a:p>
-          <a:p>
-            <a:endParaRPr lang="pt-BR" dirty="0"/>
-          </a:p>
-          <a:p>
-            <a:r>
-              <a:rPr lang="pt-BR" b="1" dirty="0"/>
-              <a:t>Código livre</a:t>
-            </a:r>
-            <a:r>
-              <a:rPr lang="pt-BR" dirty="0"/>
-              <a:t>: não pagamos para usar e podemos ter controle sobre o que estamos fazendo em termos de processamento.</a:t>
-            </a:r>
-          </a:p>
-          <a:p>
-            <a:endParaRPr lang="pt-BR" dirty="0"/>
-          </a:p>
-          <a:p>
-            <a:r>
-              <a:rPr lang="pt-BR" b="1" dirty="0"/>
-              <a:t>Popularidade</a:t>
-            </a:r>
-            <a:r>
-              <a:rPr lang="pt-BR" dirty="0"/>
-              <a:t>: movido por uma comunidade internacional extensa, que desenvolve e acompanha o software. </a:t>
-            </a:r>
-            <a:br>
-              <a:rPr lang="pt-BR" dirty="0"/>
-            </a:br>
-            <a:r>
-              <a:rPr lang="pt-BR" dirty="0"/>
-              <a:t>+ Cada vez mais adotado em instituições (principalmente públicas) e pela comunidade acadêmica.</a:t>
-            </a:r>
-          </a:p>
-          <a:p>
-            <a:endParaRPr lang="pt-BR" dirty="0"/>
-          </a:p>
-          <a:p>
-            <a:r>
-              <a:rPr lang="pt-BR" b="1" dirty="0"/>
-              <a:t>Replicabilidade e transparência :</a:t>
-            </a:r>
-            <a:r>
-              <a:rPr lang="pt-BR" dirty="0"/>
-              <a:t> os procedimentos são registrados em código, portando mais transparentes e possíveis de serem replicado. </a:t>
-            </a:r>
-            <a:br>
-              <a:rPr lang="pt-BR" dirty="0"/>
-            </a:br>
-            <a:r>
-              <a:rPr lang="pt-BR" dirty="0"/>
-              <a:t>+ Práticas fundamentais e cada vez mais impulsionadas por revistas e instituições acadêmicas.</a:t>
-            </a:r>
-          </a:p>
-        </p:txBody>
-      </p:sp>
-      <p:sp>
-        <p:nvSpPr>
-          <p:cNvPr id="4" name="Título 1">
-            <a:extLst>
-              <a:ext uri="{FF2B5EF4-FFF2-40B4-BE49-F238E27FC236}">
-                <a16:creationId xmlns:a16="http://schemas.microsoft.com/office/drawing/2014/main" id="{7DB20EA2-B5F3-E606-20EA-6FCDAA1EDE78}"/>
-              </a:ext>
-            </a:extLst>
-          </p:cNvPr>
-          <p:cNvSpPr txBox="1">
-            <a:spLocks/>
-          </p:cNvSpPr>
-          <p:nvPr/>
-        </p:nvSpPr>
-        <p:spPr>
-          <a:xfrm>
-            <a:off x="0" y="2419751"/>
-            <a:ext cx="3433482" cy="1444037"/>
-          </a:xfrm>
-          <a:prstGeom prst="rect">
-            <a:avLst/>
-          </a:prstGeom>
-        </p:spPr>
-        <p:txBody>
-          <a:bodyPr vert="horz" lIns="91440" tIns="45720" rIns="91440" bIns="45720" rtlCol="0" anchor="ctr">
-            <a:normAutofit fontScale="92500" lnSpcReduction="10000"/>
-          </a:bodyPr>
-          <a:lstStyle>
-            <a:lvl1pPr algn="l" defTabSz="914400" rtl="0" eaLnBrk="1" latinLnBrk="0" hangingPunct="1">
-              <a:lnSpc>
-                <a:spcPct val="90000"/>
-              </a:lnSpc>
-              <a:spcBef>
-                <a:spcPct val="0"/>
-              </a:spcBef>
-              <a:buNone/>
-              <a:defRPr sz="3600" kern="1200" spc="-60" baseline="0">
-                <a:solidFill>
-                  <a:srgbClr val="FFFFFF"/>
-                </a:solidFill>
-                <a:latin typeface="+mj-lt"/>
-                <a:ea typeface="+mj-ea"/>
-                <a:cs typeface="+mj-cs"/>
-              </a:defRPr>
-            </a:lvl1pPr>
-          </a:lstStyle>
-          <a:p>
-            <a:pPr algn="ctr"/>
-            <a:r>
-              <a:rPr lang="pt-BR" dirty="0">
-                <a:solidFill>
-                  <a:schemeClr val="accent1">
-                    <a:lumMod val="50000"/>
-                  </a:schemeClr>
-                </a:solidFill>
-              </a:rPr>
-              <a:t>Por quê R?</a:t>
-            </a:r>
-          </a:p>
-          <a:p>
-            <a:pPr algn="ctr"/>
-            <a:endParaRPr lang="pt-BR" dirty="0">
-              <a:solidFill>
-                <a:schemeClr val="accent1">
-                  <a:lumMod val="50000"/>
-                </a:schemeClr>
-              </a:solidFill>
-            </a:endParaRPr>
-          </a:p>
-          <a:p>
-            <a:pPr algn="ctr"/>
-            <a:r>
-              <a:rPr lang="pt-BR" dirty="0">
-                <a:solidFill>
-                  <a:schemeClr val="bg1"/>
-                </a:solidFill>
-              </a:rPr>
-              <a:t>Principais razões</a:t>
-            </a:r>
+          <a:bodyPr/>
+          <a:lstStyle/>
+          <a:p>
+            <a:fld id="{4FAB73BC-B049-4115-A692-8D63A059BFB8}" type="slidenum">
+              <a:rPr lang="en-US" smtClean="0"/>
+              <a:pPr/>
+              <a:t>7</a:t>
+            </a:fld>
+            <a:endParaRPr lang="en-US" dirty="0"/>
           </a:p>
         </p:txBody>
       </p:sp>
     </p:spTree>
     <p:extLst>
       <p:ext uri="{BB962C8B-B14F-4D97-AF65-F5344CB8AC3E}">
-        <p14:creationId xmlns:p14="http://schemas.microsoft.com/office/powerpoint/2010/main" val="4018281619"/>
-      </p:ext>
-    </p:extLst>
-  </p:cSld>
-  <p:clrMapOvr>
-    <a:masterClrMapping/>
-  </p:clrMapOvr>
-</p:sld>
-</file>
-
-<file path=ppt/slides/slide5.xml><?xml version="1.0" encoding="utf-8"?>
-<p:sld xmlns:a="http://schemas.openxmlformats.org/drawingml/2006/main" xmlns:r="http://schemas.openxmlformats.org/officeDocument/2006/relationships" xmlns:p="http://schemas.openxmlformats.org/presentationml/2006/main">
-  <p:cSld>
-    <p:spTree>
-      <p:nvGrpSpPr>
-        <p:cNvPr id="1" name=""/>
-        <p:cNvGrpSpPr/>
-        <p:nvPr/>
-      </p:nvGrpSpPr>
-      <p:grpSpPr>
-        <a:xfrm>
-          <a:off x="0" y="0"/>
-          <a:ext cx="0" cy="0"/>
-          <a:chOff x="0" y="0"/>
-          <a:chExt cx="0" cy="0"/>
-        </a:xfrm>
-      </p:grpSpPr>
-      <p:sp>
-        <p:nvSpPr>
-          <p:cNvPr id="3" name="Espaço Reservado para Conteúdo 2">
-            <a:extLst>
-              <a:ext uri="{FF2B5EF4-FFF2-40B4-BE49-F238E27FC236}">
-                <a16:creationId xmlns:a16="http://schemas.microsoft.com/office/drawing/2014/main" id="{4AF75098-9D82-C6AB-59C6-3AF923826B74}"/>
-              </a:ext>
-            </a:extLst>
-          </p:cNvPr>
-          <p:cNvSpPr>
-            <a:spLocks noGrp="1"/>
-          </p:cNvSpPr>
-          <p:nvPr>
-            <p:ph idx="1"/>
-          </p:nvPr>
-        </p:nvSpPr>
-        <p:spPr/>
-        <p:txBody>
-          <a:bodyPr/>
-          <a:lstStyle/>
-          <a:p>
-            <a:pPr marL="0" indent="0">
-              <a:buNone/>
-            </a:pPr>
-            <a:r>
-              <a:rPr lang="pt-BR" dirty="0"/>
-              <a:t>Faça o download e instalação do R de acordo com o seu sistema</a:t>
-            </a:r>
-          </a:p>
-          <a:p>
-            <a:r>
-              <a:rPr lang="pt-BR" dirty="0"/>
-              <a:t>Repositório RCRAN (</a:t>
-            </a:r>
-            <a:r>
-              <a:rPr lang="pt-BR" dirty="0" err="1"/>
-              <a:t>Comprehensive</a:t>
-            </a:r>
-            <a:r>
-              <a:rPr lang="pt-BR" dirty="0"/>
-              <a:t> R </a:t>
-            </a:r>
-            <a:r>
-              <a:rPr lang="pt-BR" dirty="0" err="1"/>
-              <a:t>Archive</a:t>
-            </a:r>
-            <a:r>
-              <a:rPr lang="pt-BR" dirty="0"/>
-              <a:t> Network)</a:t>
-            </a:r>
-            <a:br>
-              <a:rPr lang="pt-BR" dirty="0"/>
-            </a:br>
-            <a:r>
-              <a:rPr lang="pt-BR" dirty="0">
-                <a:hlinkClick r:id="rId2"/>
-              </a:rPr>
-              <a:t>https://cran.r-project.org/</a:t>
-            </a:r>
-            <a:endParaRPr lang="pt-BR" dirty="0"/>
-          </a:p>
-          <a:p>
-            <a:pPr marL="0" indent="0">
-              <a:buNone/>
-            </a:pPr>
-            <a:endParaRPr lang="pt-BR" dirty="0"/>
-          </a:p>
-          <a:p>
-            <a:pPr marL="0" indent="0">
-              <a:buNone/>
-            </a:pPr>
-            <a:r>
-              <a:rPr lang="pt-BR" dirty="0"/>
-              <a:t>Faça o download e instalação do </a:t>
-            </a:r>
-            <a:r>
-              <a:rPr lang="pt-BR" dirty="0" err="1"/>
-              <a:t>RStudio</a:t>
-            </a:r>
-            <a:r>
-              <a:rPr lang="pt-BR" dirty="0"/>
-              <a:t> de acordo com seu sistema</a:t>
-            </a:r>
-          </a:p>
-          <a:p>
-            <a:r>
-              <a:rPr lang="pt-BR" dirty="0"/>
-              <a:t>Plataforma </a:t>
-            </a:r>
-            <a:r>
-              <a:rPr lang="pt-BR" dirty="0" err="1"/>
-              <a:t>Rstudio</a:t>
-            </a:r>
-            <a:r>
-              <a:rPr lang="pt-BR" dirty="0"/>
-              <a:t>/</a:t>
-            </a:r>
-            <a:r>
-              <a:rPr lang="pt-BR" dirty="0" err="1"/>
-              <a:t>Posit</a:t>
-            </a:r>
-            <a:br>
-              <a:rPr lang="pt-BR" dirty="0"/>
-            </a:br>
-            <a:r>
-              <a:rPr lang="pt-BR" dirty="0">
-                <a:hlinkClick r:id="rId3"/>
-              </a:rPr>
-              <a:t>https://posit.co/</a:t>
-            </a:r>
-            <a:endParaRPr lang="pt-BR" dirty="0"/>
-          </a:p>
-          <a:p>
-            <a:pPr marL="0" indent="0">
-              <a:buNone/>
-            </a:pPr>
-            <a:endParaRPr lang="pt-BR" dirty="0"/>
-          </a:p>
-        </p:txBody>
-      </p:sp>
-      <p:sp>
-        <p:nvSpPr>
-          <p:cNvPr id="4" name="Título 1">
-            <a:extLst>
-              <a:ext uri="{FF2B5EF4-FFF2-40B4-BE49-F238E27FC236}">
-                <a16:creationId xmlns:a16="http://schemas.microsoft.com/office/drawing/2014/main" id="{5363D3EC-BF81-6F26-50FA-0A4AA24FDA24}"/>
-              </a:ext>
-            </a:extLst>
-          </p:cNvPr>
-          <p:cNvSpPr txBox="1">
-            <a:spLocks/>
-          </p:cNvSpPr>
-          <p:nvPr/>
-        </p:nvSpPr>
-        <p:spPr>
-          <a:xfrm>
-            <a:off x="0" y="2374928"/>
-            <a:ext cx="3433482" cy="1444037"/>
-          </a:xfrm>
-          <a:prstGeom prst="rect">
-            <a:avLst/>
-          </a:prstGeom>
-        </p:spPr>
-        <p:txBody>
-          <a:bodyPr vert="horz" lIns="91440" tIns="45720" rIns="91440" bIns="45720" rtlCol="0" anchor="ctr">
-            <a:normAutofit fontScale="92500" lnSpcReduction="10000"/>
-          </a:bodyPr>
-          <a:lstStyle>
-            <a:lvl1pPr algn="l" defTabSz="914400" rtl="0" eaLnBrk="1" latinLnBrk="0" hangingPunct="1">
-              <a:lnSpc>
-                <a:spcPct val="90000"/>
-              </a:lnSpc>
-              <a:spcBef>
-                <a:spcPct val="0"/>
-              </a:spcBef>
-              <a:buNone/>
-              <a:defRPr sz="3600" kern="1200" spc="-60" baseline="0">
-                <a:solidFill>
-                  <a:srgbClr val="FFFFFF"/>
-                </a:solidFill>
-                <a:latin typeface="+mj-lt"/>
-                <a:ea typeface="+mj-ea"/>
-                <a:cs typeface="+mj-cs"/>
-              </a:defRPr>
-            </a:lvl1pPr>
-          </a:lstStyle>
-          <a:p>
-            <a:pPr algn="ctr"/>
-            <a:r>
-              <a:rPr lang="pt-BR" dirty="0">
-                <a:solidFill>
-                  <a:schemeClr val="accent1">
-                    <a:lumMod val="50000"/>
-                  </a:schemeClr>
-                </a:solidFill>
-              </a:rPr>
-              <a:t>Instalação</a:t>
-            </a:r>
-          </a:p>
-          <a:p>
-            <a:pPr algn="ctr"/>
-            <a:endParaRPr lang="pt-BR" dirty="0">
-              <a:solidFill>
-                <a:schemeClr val="accent1">
-                  <a:lumMod val="50000"/>
-                </a:schemeClr>
-              </a:solidFill>
-            </a:endParaRPr>
-          </a:p>
-          <a:p>
-            <a:pPr algn="ctr"/>
-            <a:r>
-              <a:rPr lang="pt-BR" dirty="0">
-                <a:solidFill>
-                  <a:schemeClr val="bg1"/>
-                </a:solidFill>
-              </a:rPr>
-              <a:t>R + </a:t>
-            </a:r>
-            <a:r>
-              <a:rPr lang="pt-BR" dirty="0" err="1">
-                <a:solidFill>
-                  <a:schemeClr val="bg1"/>
-                </a:solidFill>
-              </a:rPr>
-              <a:t>RStudio</a:t>
-            </a:r>
-            <a:endParaRPr lang="pt-BR" dirty="0">
-              <a:solidFill>
-                <a:schemeClr val="bg1"/>
-              </a:solidFill>
-            </a:endParaRPr>
-          </a:p>
-        </p:txBody>
-      </p:sp>
-    </p:spTree>
-    <p:extLst>
-      <p:ext uri="{BB962C8B-B14F-4D97-AF65-F5344CB8AC3E}">
-        <p14:creationId xmlns:p14="http://schemas.microsoft.com/office/powerpoint/2010/main" val="1128039929"/>
-      </p:ext>
-    </p:extLst>
-  </p:cSld>
-  <p:clrMapOvr>
-    <a:masterClrMapping/>
-  </p:clrMapOvr>
-</p:sld>
-</file>
-
-<file path=ppt/slides/slide6.xml><?xml version="1.0" encoding="utf-8"?>
-<p:sld xmlns:a="http://schemas.openxmlformats.org/drawingml/2006/main" xmlns:r="http://schemas.openxmlformats.org/officeDocument/2006/relationships" xmlns:p="http://schemas.openxmlformats.org/presentationml/2006/main">
-  <p:cSld>
-    <p:spTree>
-      <p:nvGrpSpPr>
-        <p:cNvPr id="1" name=""/>
-        <p:cNvGrpSpPr/>
-        <p:nvPr/>
-      </p:nvGrpSpPr>
-      <p:grpSpPr>
-        <a:xfrm>
-          <a:off x="0" y="0"/>
-          <a:ext cx="0" cy="0"/>
-          <a:chOff x="0" y="0"/>
-          <a:chExt cx="0" cy="0"/>
-        </a:xfrm>
-      </p:grpSpPr>
-      <p:sp>
-        <p:nvSpPr>
-          <p:cNvPr id="4" name="Título 1">
-            <a:extLst>
-              <a:ext uri="{FF2B5EF4-FFF2-40B4-BE49-F238E27FC236}">
-                <a16:creationId xmlns:a16="http://schemas.microsoft.com/office/drawing/2014/main" id="{05B4B4EF-C73D-9893-A1A7-CF19650CED7E}"/>
-              </a:ext>
-            </a:extLst>
-          </p:cNvPr>
-          <p:cNvSpPr txBox="1">
-            <a:spLocks/>
-          </p:cNvSpPr>
-          <p:nvPr/>
-        </p:nvSpPr>
-        <p:spPr>
-          <a:xfrm>
-            <a:off x="0" y="2374928"/>
-            <a:ext cx="3433482" cy="1444037"/>
-          </a:xfrm>
-          <a:prstGeom prst="rect">
-            <a:avLst/>
-          </a:prstGeom>
-        </p:spPr>
-        <p:txBody>
-          <a:bodyPr vert="horz" lIns="91440" tIns="45720" rIns="91440" bIns="45720" rtlCol="0" anchor="ctr">
-            <a:normAutofit fontScale="92500" lnSpcReduction="10000"/>
-          </a:bodyPr>
-          <a:lstStyle>
-            <a:lvl1pPr algn="l" defTabSz="914400" rtl="0" eaLnBrk="1" latinLnBrk="0" hangingPunct="1">
-              <a:lnSpc>
-                <a:spcPct val="90000"/>
-              </a:lnSpc>
-              <a:spcBef>
-                <a:spcPct val="0"/>
-              </a:spcBef>
-              <a:buNone/>
-              <a:defRPr sz="3600" kern="1200" spc="-60" baseline="0">
-                <a:solidFill>
-                  <a:srgbClr val="FFFFFF"/>
-                </a:solidFill>
-                <a:latin typeface="+mj-lt"/>
-                <a:ea typeface="+mj-ea"/>
-                <a:cs typeface="+mj-cs"/>
-              </a:defRPr>
-            </a:lvl1pPr>
-          </a:lstStyle>
-          <a:p>
-            <a:pPr algn="ctr"/>
-            <a:r>
-              <a:rPr lang="pt-BR" dirty="0">
-                <a:solidFill>
-                  <a:schemeClr val="accent1">
-                    <a:lumMod val="50000"/>
-                  </a:schemeClr>
-                </a:solidFill>
-              </a:rPr>
-              <a:t>Setup</a:t>
-            </a:r>
-          </a:p>
-          <a:p>
-            <a:pPr algn="ctr"/>
-            <a:endParaRPr lang="pt-BR" dirty="0">
-              <a:solidFill>
-                <a:schemeClr val="accent1">
-                  <a:lumMod val="50000"/>
-                </a:schemeClr>
-              </a:solidFill>
-            </a:endParaRPr>
-          </a:p>
-          <a:p>
-            <a:pPr algn="ctr"/>
-            <a:r>
-              <a:rPr lang="pt-BR" dirty="0" err="1">
-                <a:solidFill>
-                  <a:schemeClr val="bg1"/>
-                </a:solidFill>
-              </a:rPr>
-              <a:t>RStudio</a:t>
-            </a:r>
-            <a:endParaRPr lang="pt-BR" dirty="0">
-              <a:solidFill>
-                <a:schemeClr val="bg1"/>
-              </a:solidFill>
-            </a:endParaRPr>
-          </a:p>
-        </p:txBody>
-      </p:sp>
-    </p:spTree>
-    <p:extLst>
-      <p:ext uri="{BB962C8B-B14F-4D97-AF65-F5344CB8AC3E}">
-        <p14:creationId xmlns:p14="http://schemas.microsoft.com/office/powerpoint/2010/main" val="2419759342"/>
-      </p:ext>
-    </p:extLst>
-  </p:cSld>
-  <p:clrMapOvr>
-    <a:masterClrMapping/>
-  </p:clrMapOvr>
-</p:sld>
-</file>
-
-<file path=ppt/slides/slide7.xml><?xml version="1.0" encoding="utf-8"?>
-<p:sld xmlns:a="http://schemas.openxmlformats.org/drawingml/2006/main" xmlns:r="http://schemas.openxmlformats.org/officeDocument/2006/relationships" xmlns:p="http://schemas.openxmlformats.org/presentationml/2006/main">
-  <p:cSld>
-    <p:spTree>
-      <p:nvGrpSpPr>
-        <p:cNvPr id="1" name=""/>
-        <p:cNvGrpSpPr/>
-        <p:nvPr/>
-      </p:nvGrpSpPr>
-      <p:grpSpPr>
-        <a:xfrm>
-          <a:off x="0" y="0"/>
-          <a:ext cx="0" cy="0"/>
-          <a:chOff x="0" y="0"/>
-          <a:chExt cx="0" cy="0"/>
-        </a:xfrm>
-      </p:grpSpPr>
-      <p:sp>
-        <p:nvSpPr>
-          <p:cNvPr id="6" name="Título 1">
-            <a:extLst>
-              <a:ext uri="{FF2B5EF4-FFF2-40B4-BE49-F238E27FC236}">
-                <a16:creationId xmlns:a16="http://schemas.microsoft.com/office/drawing/2014/main" id="{06C725E1-3463-0D99-10AC-410F60C62EAA}"/>
-              </a:ext>
-            </a:extLst>
-          </p:cNvPr>
-          <p:cNvSpPr txBox="1">
-            <a:spLocks/>
-          </p:cNvSpPr>
-          <p:nvPr/>
-        </p:nvSpPr>
-        <p:spPr>
-          <a:xfrm>
-            <a:off x="0" y="2374928"/>
-            <a:ext cx="3433482" cy="1444037"/>
-          </a:xfrm>
-          <a:prstGeom prst="rect">
-            <a:avLst/>
-          </a:prstGeom>
-        </p:spPr>
-        <p:txBody>
-          <a:bodyPr vert="horz" lIns="91440" tIns="45720" rIns="91440" bIns="45720" rtlCol="0" anchor="ctr">
-            <a:normAutofit/>
-          </a:bodyPr>
-          <a:lstStyle>
-            <a:lvl1pPr algn="l" defTabSz="914400" rtl="0" eaLnBrk="1" latinLnBrk="0" hangingPunct="1">
-              <a:lnSpc>
-                <a:spcPct val="90000"/>
-              </a:lnSpc>
-              <a:spcBef>
-                <a:spcPct val="0"/>
-              </a:spcBef>
-              <a:buNone/>
-              <a:defRPr sz="3600" kern="1200" spc="-60" baseline="0">
-                <a:solidFill>
-                  <a:srgbClr val="FFFFFF"/>
-                </a:solidFill>
-                <a:latin typeface="+mj-lt"/>
-                <a:ea typeface="+mj-ea"/>
-                <a:cs typeface="+mj-cs"/>
-              </a:defRPr>
-            </a:lvl1pPr>
-          </a:lstStyle>
-          <a:p>
-            <a:pPr algn="ctr"/>
-            <a:r>
-              <a:rPr lang="pt-BR" dirty="0">
-                <a:solidFill>
-                  <a:schemeClr val="bg1"/>
-                </a:solidFill>
-              </a:rPr>
-              <a:t>Vetores</a:t>
-            </a:r>
-          </a:p>
-        </p:txBody>
-      </p:sp>
-      <p:sp>
-        <p:nvSpPr>
-          <p:cNvPr id="4" name="CaixaDeTexto 3">
-            <a:extLst>
-              <a:ext uri="{FF2B5EF4-FFF2-40B4-BE49-F238E27FC236}">
-                <a16:creationId xmlns:a16="http://schemas.microsoft.com/office/drawing/2014/main" id="{2F318230-2653-8AEA-5EF3-E3CD4BBBA172}"/>
-              </a:ext>
-            </a:extLst>
-          </p:cNvPr>
-          <p:cNvSpPr txBox="1"/>
-          <p:nvPr/>
-        </p:nvSpPr>
-        <p:spPr>
-          <a:xfrm>
-            <a:off x="3989294" y="851647"/>
-            <a:ext cx="7255512" cy="1077218"/>
-          </a:xfrm>
-          <a:prstGeom prst="rect">
-            <a:avLst/>
-          </a:prstGeom>
-          <a:noFill/>
-        </p:spPr>
-        <p:txBody>
-          <a:bodyPr wrap="none" rtlCol="0">
-            <a:spAutoFit/>
-          </a:bodyPr>
-          <a:lstStyle/>
-          <a:p>
-            <a:r>
-              <a:rPr lang="pt-BR" dirty="0"/>
-              <a:t>1. Por definição, vetores são colunas que guardam informações.</a:t>
-            </a:r>
-          </a:p>
-          <a:p>
-            <a:endParaRPr lang="pt-BR" dirty="0"/>
-          </a:p>
-          <a:p>
-            <a:r>
-              <a:rPr lang="pt-BR" sz="2800" dirty="0"/>
-              <a:t>vetor = { 1, 2, 3, ... , n }  no R: vetor = </a:t>
-            </a:r>
-            <a:r>
-              <a:rPr lang="pt-BR" sz="2800" b="1" dirty="0">
-                <a:solidFill>
-                  <a:srgbClr val="FF0000"/>
-                </a:solidFill>
-              </a:rPr>
-              <a:t>c</a:t>
-            </a:r>
-            <a:r>
-              <a:rPr lang="pt-BR" sz="2800" dirty="0"/>
-              <a:t>(1,2,3,...,n)</a:t>
-            </a:r>
-          </a:p>
-        </p:txBody>
-      </p:sp>
-      <p:sp>
-        <p:nvSpPr>
-          <p:cNvPr id="7" name="CaixaDeTexto 6">
-            <a:extLst>
-              <a:ext uri="{FF2B5EF4-FFF2-40B4-BE49-F238E27FC236}">
-                <a16:creationId xmlns:a16="http://schemas.microsoft.com/office/drawing/2014/main" id="{C175EDD4-8081-A968-7D28-95E2A01E388A}"/>
-              </a:ext>
-            </a:extLst>
-          </p:cNvPr>
-          <p:cNvSpPr txBox="1"/>
-          <p:nvPr/>
-        </p:nvSpPr>
-        <p:spPr>
-          <a:xfrm>
-            <a:off x="4103154" y="2378377"/>
-            <a:ext cx="1122600" cy="584775"/>
-          </a:xfrm>
-          <a:prstGeom prst="rect">
-            <a:avLst/>
-          </a:prstGeom>
-          <a:noFill/>
-        </p:spPr>
-        <p:txBody>
-          <a:bodyPr wrap="square" rtlCol="0">
-            <a:spAutoFit/>
-          </a:bodyPr>
-          <a:lstStyle/>
-          <a:p>
-            <a:r>
-              <a:rPr lang="pt-BR" sz="3200" dirty="0"/>
-              <a:t>vetor</a:t>
-            </a:r>
-          </a:p>
-        </p:txBody>
-      </p:sp>
-      <p:sp>
-        <p:nvSpPr>
-          <p:cNvPr id="8" name="CaixaDeTexto 7">
-            <a:extLst>
-              <a:ext uri="{FF2B5EF4-FFF2-40B4-BE49-F238E27FC236}">
-                <a16:creationId xmlns:a16="http://schemas.microsoft.com/office/drawing/2014/main" id="{4683FD11-5251-A7D4-02C5-E57EEDA2DD8F}"/>
-              </a:ext>
-            </a:extLst>
-          </p:cNvPr>
-          <p:cNvSpPr txBox="1"/>
-          <p:nvPr/>
-        </p:nvSpPr>
-        <p:spPr>
-          <a:xfrm>
-            <a:off x="4254887" y="2993930"/>
-            <a:ext cx="819135" cy="2554545"/>
-          </a:xfrm>
-          <a:prstGeom prst="rect">
-            <a:avLst/>
-          </a:prstGeom>
-          <a:noFill/>
-          <a:ln>
-            <a:solidFill>
-              <a:srgbClr val="FF0000"/>
-            </a:solidFill>
-          </a:ln>
-        </p:spPr>
-        <p:txBody>
-          <a:bodyPr wrap="square" rtlCol="0">
-            <a:spAutoFit/>
-          </a:bodyPr>
-          <a:lstStyle/>
-          <a:p>
-            <a:pPr algn="ctr"/>
-            <a:r>
-              <a:rPr lang="pt-BR" sz="3200" dirty="0"/>
-              <a:t>1</a:t>
-            </a:r>
-          </a:p>
-          <a:p>
-            <a:pPr algn="ctr"/>
-            <a:r>
-              <a:rPr lang="pt-BR" sz="3200" dirty="0"/>
-              <a:t>2</a:t>
-            </a:r>
-          </a:p>
-          <a:p>
-            <a:pPr algn="ctr"/>
-            <a:r>
-              <a:rPr lang="pt-BR" sz="3200" dirty="0"/>
-              <a:t>3</a:t>
-            </a:r>
-          </a:p>
-          <a:p>
-            <a:pPr algn="ctr"/>
-            <a:r>
-              <a:rPr lang="pt-BR" sz="3200" dirty="0"/>
-              <a:t>...</a:t>
-            </a:r>
-          </a:p>
-          <a:p>
-            <a:pPr algn="ctr"/>
-            <a:r>
-              <a:rPr lang="pt-BR" sz="3200" dirty="0"/>
-              <a:t>n</a:t>
-            </a:r>
-          </a:p>
-        </p:txBody>
-      </p:sp>
-      <p:grpSp>
-        <p:nvGrpSpPr>
-          <p:cNvPr id="13" name="Agrupar 12">
-            <a:extLst>
-              <a:ext uri="{FF2B5EF4-FFF2-40B4-BE49-F238E27FC236}">
-                <a16:creationId xmlns:a16="http://schemas.microsoft.com/office/drawing/2014/main" id="{C6D42422-77D7-830E-4612-2CC97B906F84}"/>
-              </a:ext>
-            </a:extLst>
-          </p:cNvPr>
-          <p:cNvGrpSpPr/>
-          <p:nvPr/>
-        </p:nvGrpSpPr>
-        <p:grpSpPr>
-          <a:xfrm>
-            <a:off x="7117980" y="3429000"/>
-            <a:ext cx="3605474" cy="550282"/>
-            <a:chOff x="6990696" y="3254188"/>
-            <a:chExt cx="2153279" cy="240511"/>
-          </a:xfrm>
-        </p:grpSpPr>
-        <p:cxnSp>
-          <p:nvCxnSpPr>
-            <p:cNvPr id="10" name="Conector de Seta Reta 9">
-              <a:extLst>
-                <a:ext uri="{FF2B5EF4-FFF2-40B4-BE49-F238E27FC236}">
-                  <a16:creationId xmlns:a16="http://schemas.microsoft.com/office/drawing/2014/main" id="{82BFC1B9-C9DA-7A97-4E2D-685BED7DBB23}"/>
-                </a:ext>
-              </a:extLst>
-            </p:cNvPr>
-            <p:cNvCxnSpPr>
-              <a:cxnSpLocks/>
-            </p:cNvCxnSpPr>
-            <p:nvPr/>
-          </p:nvCxnSpPr>
-          <p:spPr>
-            <a:xfrm>
-              <a:off x="6990821" y="3254188"/>
-              <a:ext cx="2153154" cy="0"/>
-            </a:xfrm>
-            <a:prstGeom prst="straightConnector1">
-              <a:avLst/>
-            </a:prstGeom>
-            <a:ln w="9525" cap="flat" cmpd="sng" algn="ctr">
-              <a:solidFill>
-                <a:srgbClr val="FF0000"/>
-              </a:solidFill>
-              <a:prstDash val="solid"/>
-              <a:round/>
-              <a:headEnd type="none" w="med" len="med"/>
-              <a:tailEnd type="arrow" w="med" len="med"/>
-            </a:ln>
-          </p:spPr>
-          <p:style>
-            <a:lnRef idx="0">
-              <a:scrgbClr r="0" g="0" b="0"/>
-            </a:lnRef>
-            <a:fillRef idx="0">
-              <a:scrgbClr r="0" g="0" b="0"/>
-            </a:fillRef>
-            <a:effectRef idx="0">
-              <a:scrgbClr r="0" g="0" b="0"/>
-            </a:effectRef>
-            <a:fontRef idx="minor">
-              <a:schemeClr val="tx1"/>
-            </a:fontRef>
-          </p:style>
-        </p:cxnSp>
-        <p:sp>
-          <p:nvSpPr>
-            <p:cNvPr id="11" name="CaixaDeTexto 10">
-              <a:extLst>
-                <a:ext uri="{FF2B5EF4-FFF2-40B4-BE49-F238E27FC236}">
-                  <a16:creationId xmlns:a16="http://schemas.microsoft.com/office/drawing/2014/main" id="{C6FA6E36-F440-9F7F-1D72-6963F85B1AC8}"/>
-                </a:ext>
-              </a:extLst>
-            </p:cNvPr>
-            <p:cNvSpPr txBox="1"/>
-            <p:nvPr/>
-          </p:nvSpPr>
-          <p:spPr>
-            <a:xfrm>
-              <a:off x="6990696" y="3266016"/>
-              <a:ext cx="2153279" cy="228683"/>
-            </a:xfrm>
-            <a:prstGeom prst="rect">
-              <a:avLst/>
-            </a:prstGeom>
-            <a:noFill/>
-          </p:spPr>
-          <p:txBody>
-            <a:bodyPr wrap="none" rtlCol="0">
-              <a:spAutoFit/>
-            </a:bodyPr>
-            <a:lstStyle/>
-            <a:p>
-              <a:r>
-                <a:rPr lang="pt-BR" sz="2800" dirty="0"/>
-                <a:t>1		2		3	...   	n</a:t>
-              </a:r>
-            </a:p>
-          </p:txBody>
-        </p:sp>
-      </p:grpSp>
-      <p:sp>
-        <p:nvSpPr>
-          <p:cNvPr id="14" name="CaixaDeTexto 13">
-            <a:extLst>
-              <a:ext uri="{FF2B5EF4-FFF2-40B4-BE49-F238E27FC236}">
-                <a16:creationId xmlns:a16="http://schemas.microsoft.com/office/drawing/2014/main" id="{B73AEA8F-0B0B-44E0-E4E2-A7818A5362B0}"/>
-              </a:ext>
-            </a:extLst>
-          </p:cNvPr>
-          <p:cNvSpPr txBox="1"/>
-          <p:nvPr/>
-        </p:nvSpPr>
-        <p:spPr>
-          <a:xfrm>
-            <a:off x="6795248" y="2374928"/>
-            <a:ext cx="4485523" cy="646331"/>
-          </a:xfrm>
-          <a:prstGeom prst="rect">
-            <a:avLst/>
-          </a:prstGeom>
-          <a:noFill/>
-        </p:spPr>
-        <p:txBody>
-          <a:bodyPr wrap="none" rtlCol="0">
-            <a:spAutoFit/>
-          </a:bodyPr>
-          <a:lstStyle/>
-          <a:p>
-            <a:r>
-              <a:rPr lang="pt-BR" dirty="0"/>
-              <a:t>2. O vetor tem uma dimensão, </a:t>
-            </a:r>
-          </a:p>
-          <a:p>
-            <a:r>
-              <a:rPr lang="pt-BR" dirty="0"/>
-              <a:t>portanto pode ser representado por uma reta</a:t>
-            </a:r>
-          </a:p>
-        </p:txBody>
-      </p:sp>
-    </p:spTree>
-    <p:extLst>
-      <p:ext uri="{BB962C8B-B14F-4D97-AF65-F5344CB8AC3E}">
-        <p14:creationId xmlns:p14="http://schemas.microsoft.com/office/powerpoint/2010/main" val="1348027062"/>
+        <p14:creationId xmlns:p14="http://schemas.microsoft.com/office/powerpoint/2010/main" val="2026738773"/>
       </p:ext>
     </p:extLst>
   </p:cSld>
@@ -6898,204 +9736,90 @@
       </p:grpSpPr>
       <p:sp>
         <p:nvSpPr>
-          <p:cNvPr id="6" name="Título 1">
+          <p:cNvPr id="2" name="Retângulo 1">
             <a:extLst>
               <a:ext uri="{FF2B5EF4-FFF2-40B4-BE49-F238E27FC236}">
-                <a16:creationId xmlns:a16="http://schemas.microsoft.com/office/drawing/2014/main" id="{06C725E1-3463-0D99-10AC-410F60C62EAA}"/>
+                <a16:creationId xmlns:a16="http://schemas.microsoft.com/office/drawing/2014/main" id="{23E71AB0-8D0A-6C7F-297C-4816F08EF283}"/>
               </a:ext>
             </a:extLst>
           </p:cNvPr>
-          <p:cNvSpPr txBox="1">
-            <a:spLocks/>
-          </p:cNvSpPr>
+          <p:cNvSpPr/>
           <p:nvPr/>
         </p:nvSpPr>
         <p:spPr>
           <a:xfrm>
-            <a:off x="0" y="2374928"/>
-            <a:ext cx="3433482" cy="1444037"/>
+            <a:off x="950259" y="2214283"/>
+            <a:ext cx="10488706" cy="2241176"/>
           </a:xfrm>
           <a:prstGeom prst="rect">
             <a:avLst/>
           </a:prstGeom>
+          <a:ln>
+            <a:noFill/>
+          </a:ln>
         </p:spPr>
-        <p:txBody>
-          <a:bodyPr vert="horz" lIns="91440" tIns="45720" rIns="91440" bIns="45720" rtlCol="0" anchor="ctr">
-            <a:normAutofit/>
-          </a:bodyPr>
-          <a:lstStyle>
-            <a:lvl1pPr algn="l" defTabSz="914400" rtl="0" eaLnBrk="1" latinLnBrk="0" hangingPunct="1">
-              <a:lnSpc>
-                <a:spcPct val="90000"/>
-              </a:lnSpc>
-              <a:spcBef>
-                <a:spcPct val="0"/>
-              </a:spcBef>
-              <a:buNone/>
-              <a:defRPr sz="3600" kern="1200" spc="-60" baseline="0">
-                <a:solidFill>
-                  <a:srgbClr val="FFFFFF"/>
-                </a:solidFill>
-                <a:latin typeface="+mj-lt"/>
-                <a:ea typeface="+mj-ea"/>
-                <a:cs typeface="+mj-cs"/>
-              </a:defRPr>
-            </a:lvl1pPr>
-          </a:lstStyle>
+        <p:style>
+          <a:lnRef idx="2">
+            <a:schemeClr val="accent1">
+              <a:shade val="15000"/>
+            </a:schemeClr>
+          </a:lnRef>
+          <a:fillRef idx="1">
+            <a:schemeClr val="accent1"/>
+          </a:fillRef>
+          <a:effectRef idx="0">
+            <a:schemeClr val="accent1"/>
+          </a:effectRef>
+          <a:fontRef idx="minor">
+            <a:schemeClr val="lt1"/>
+          </a:fontRef>
+        </p:style>
+        <p:txBody>
+          <a:bodyPr rtlCol="0" anchor="ctr"/>
+          <a:lstStyle/>
           <a:p>
             <a:pPr algn="ctr"/>
             <a:r>
-              <a:rPr lang="pt-BR" dirty="0">
-                <a:solidFill>
-                  <a:schemeClr val="bg1"/>
-                </a:solidFill>
-              </a:rPr>
-              <a:t>Vetores</a:t>
-            </a:r>
-          </a:p>
-        </p:txBody>
-      </p:sp>
-      <p:sp>
-        <p:nvSpPr>
-          <p:cNvPr id="4" name="CaixaDeTexto 3">
+              <a:rPr lang="pt-BR" sz="4800" dirty="0"/>
+              <a:t>Razões para usar R</a:t>
+            </a:r>
+          </a:p>
+        </p:txBody>
+      </p:sp>
+      <p:sp>
+        <p:nvSpPr>
+          <p:cNvPr id="4" name="Espaço Reservado para Número de Slide 3">
             <a:extLst>
               <a:ext uri="{FF2B5EF4-FFF2-40B4-BE49-F238E27FC236}">
-                <a16:creationId xmlns:a16="http://schemas.microsoft.com/office/drawing/2014/main" id="{2F318230-2653-8AEA-5EF3-E3CD4BBBA172}"/>
+                <a16:creationId xmlns:a16="http://schemas.microsoft.com/office/drawing/2014/main" id="{BBB9AAF9-20FD-7BB6-4C89-F64E88D99222}"/>
               </a:ext>
             </a:extLst>
           </p:cNvPr>
-          <p:cNvSpPr txBox="1"/>
-          <p:nvPr/>
-        </p:nvSpPr>
-        <p:spPr>
-          <a:xfrm>
-            <a:off x="3989294" y="851647"/>
-            <a:ext cx="7763435" cy="3693319"/>
-          </a:xfrm>
-          <a:prstGeom prst="rect">
-            <a:avLst/>
-          </a:prstGeom>
-          <a:noFill/>
-        </p:spPr>
-        <p:txBody>
-          <a:bodyPr wrap="square" rtlCol="0">
-            <a:spAutoFit/>
-          </a:bodyPr>
-          <a:lstStyle/>
-          <a:p>
-            <a:r>
-              <a:rPr lang="pt-BR" dirty="0"/>
-              <a:t>3. Vetores guardam </a:t>
-            </a:r>
-            <a:r>
-              <a:rPr lang="pt-BR" b="1" dirty="0"/>
-              <a:t>um tipo ou classe </a:t>
-            </a:r>
-            <a:r>
-              <a:rPr lang="pt-BR" dirty="0"/>
-              <a:t>de informação</a:t>
-            </a:r>
-          </a:p>
-          <a:p>
-            <a:endParaRPr lang="pt-BR" dirty="0"/>
-          </a:p>
-          <a:p>
-            <a:r>
-              <a:rPr lang="pt-BR" dirty="0"/>
-              <a:t>É importante saber a definição da classe do vetor, pois é ela que define as possibilidades de manuseio. Como na estatística, as classes de variáveis definem o que é possível de ser feito.</a:t>
-            </a:r>
-          </a:p>
-          <a:p>
-            <a:endParaRPr lang="pt-BR" dirty="0"/>
-          </a:p>
-          <a:p>
-            <a:r>
-              <a:rPr lang="pt-BR" dirty="0"/>
-              <a:t>As mais importantes são:</a:t>
-            </a:r>
-          </a:p>
-          <a:p>
-            <a:r>
-              <a:rPr lang="pt-BR" dirty="0"/>
-              <a:t>	CHR: “</a:t>
-            </a:r>
-            <a:r>
-              <a:rPr lang="pt-BR" dirty="0" err="1"/>
-              <a:t>character</a:t>
-            </a:r>
-            <a:r>
-              <a:rPr lang="pt-BR" dirty="0"/>
-              <a:t>” = caracteres/texto</a:t>
-            </a:r>
-          </a:p>
-          <a:p>
-            <a:r>
-              <a:rPr lang="pt-BR" dirty="0"/>
-              <a:t>	NUM: “</a:t>
-            </a:r>
-            <a:r>
-              <a:rPr lang="pt-BR" dirty="0" err="1"/>
-              <a:t>numeric</a:t>
-            </a:r>
-            <a:r>
-              <a:rPr lang="pt-BR" dirty="0"/>
-              <a:t>” = números reais (incluso decimais)</a:t>
-            </a:r>
-          </a:p>
-          <a:p>
-            <a:r>
-              <a:rPr lang="pt-BR" dirty="0"/>
-              <a:t>	INT : “</a:t>
-            </a:r>
-            <a:r>
-              <a:rPr lang="pt-BR" dirty="0" err="1"/>
-              <a:t>integer</a:t>
-            </a:r>
-            <a:r>
-              <a:rPr lang="pt-BR" dirty="0"/>
-              <a:t>” = números inteiros</a:t>
-            </a:r>
-          </a:p>
-          <a:p>
-            <a:r>
-              <a:rPr lang="pt-BR" dirty="0"/>
-              <a:t>	LOG: “</a:t>
-            </a:r>
-            <a:r>
-              <a:rPr lang="pt-BR" dirty="0" err="1"/>
-              <a:t>logical</a:t>
-            </a:r>
-            <a:r>
-              <a:rPr lang="pt-BR" dirty="0"/>
-              <a:t>” = lógica Verdadeiro/Falso</a:t>
-            </a:r>
-          </a:p>
-          <a:p>
-            <a:r>
-              <a:rPr lang="pt-BR" dirty="0"/>
-              <a:t>	</a:t>
-            </a:r>
-          </a:p>
-          <a:p>
-            <a:r>
-              <a:rPr lang="pt-BR" dirty="0"/>
-              <a:t>	ORD: “</a:t>
-            </a:r>
-            <a:r>
-              <a:rPr lang="pt-BR" dirty="0" err="1"/>
-              <a:t>ordered</a:t>
-            </a:r>
-            <a:r>
-              <a:rPr lang="pt-BR" dirty="0"/>
-              <a:t>” = texto ordenado </a:t>
-            </a:r>
+          <p:cNvSpPr>
+            <a:spLocks noGrp="1"/>
+          </p:cNvSpPr>
+          <p:nvPr>
+            <p:ph type="sldNum" sz="quarter" idx="12"/>
+          </p:nvPr>
+        </p:nvSpPr>
+        <p:spPr/>
+        <p:txBody>
+          <a:bodyPr/>
+          <a:lstStyle/>
+          <a:p>
+            <a:fld id="{4FAB73BC-B049-4115-A692-8D63A059BFB8}" type="slidenum">
+              <a:rPr lang="en-US" smtClean="0"/>
+              <a:pPr/>
+              <a:t>8</a:t>
+            </a:fld>
+            <a:endParaRPr lang="en-US" dirty="0"/>
           </a:p>
         </p:txBody>
       </p:sp>
     </p:spTree>
     <p:extLst>
       <p:ext uri="{BB962C8B-B14F-4D97-AF65-F5344CB8AC3E}">
-        <p14:creationId xmlns:p14="http://schemas.microsoft.com/office/powerpoint/2010/main" val="3450590919"/>
+        <p14:creationId xmlns:p14="http://schemas.microsoft.com/office/powerpoint/2010/main" val="2273371481"/>
       </p:ext>
     </p:extLst>
   </p:cSld>
@@ -7124,10 +9848,97 @@
       </p:grpSpPr>
       <p:sp>
         <p:nvSpPr>
-          <p:cNvPr id="6" name="Título 1">
+          <p:cNvPr id="3" name="Espaço Reservado para Conteúdo 2">
             <a:extLst>
               <a:ext uri="{FF2B5EF4-FFF2-40B4-BE49-F238E27FC236}">
-                <a16:creationId xmlns:a16="http://schemas.microsoft.com/office/drawing/2014/main" id="{06C725E1-3463-0D99-10AC-410F60C62EAA}"/>
+                <a16:creationId xmlns:a16="http://schemas.microsoft.com/office/drawing/2014/main" id="{C1D6646A-2960-A483-43AA-FEEB831B0D7A}"/>
+              </a:ext>
+            </a:extLst>
+          </p:cNvPr>
+          <p:cNvSpPr>
+            <a:spLocks noGrp="1"/>
+          </p:cNvSpPr>
+          <p:nvPr>
+            <p:ph idx="1"/>
+          </p:nvPr>
+        </p:nvSpPr>
+        <p:spPr/>
+        <p:txBody>
+          <a:bodyPr>
+            <a:normAutofit fontScale="92500" lnSpcReduction="10000"/>
+          </a:bodyPr>
+          <a:lstStyle/>
+          <a:p>
+            <a:r>
+              <a:rPr lang="pt-BR" b="1" dirty="0"/>
+              <a:t>Potência</a:t>
+            </a:r>
+            <a:r>
+              <a:rPr lang="pt-BR" dirty="0"/>
+              <a:t>: podemos fazer (quase) tudo com R, considerado uma das melhores ferramentas para estatística e análise de dados. Excel e SPSS estão anos atrás!</a:t>
+            </a:r>
+          </a:p>
+          <a:p>
+            <a:endParaRPr lang="pt-BR" dirty="0"/>
+          </a:p>
+          <a:p>
+            <a:r>
+              <a:rPr lang="pt-BR" b="1" dirty="0"/>
+              <a:t>Código livre</a:t>
+            </a:r>
+            <a:r>
+              <a:rPr lang="pt-BR" dirty="0"/>
+              <a:t>: não pagamos para usar e podemos ter controle sobre o que estamos fazendo em termos de processamento.</a:t>
+            </a:r>
+          </a:p>
+          <a:p>
+            <a:endParaRPr lang="pt-BR" dirty="0"/>
+          </a:p>
+          <a:p>
+            <a:r>
+              <a:rPr lang="pt-BR" b="1" dirty="0"/>
+              <a:t>Popularidade</a:t>
+            </a:r>
+            <a:r>
+              <a:rPr lang="pt-BR" dirty="0"/>
+              <a:t>: movido por uma comunidade internacional extensa, que desenvolve e acompanha o software. </a:t>
+            </a:r>
+            <a:br>
+              <a:rPr lang="pt-BR" dirty="0"/>
+            </a:br>
+            <a:r>
+              <a:rPr lang="pt-BR" dirty="0"/>
+              <a:t>+ Cada vez mais adotado em instituições (principalmente públicas) e pela comunidade acadêmica.</a:t>
+            </a:r>
+          </a:p>
+          <a:p>
+            <a:endParaRPr lang="pt-BR" dirty="0"/>
+          </a:p>
+          <a:p>
+            <a:r>
+              <a:rPr lang="pt-BR" b="1" dirty="0"/>
+              <a:t>Replicabilidade e transparência :</a:t>
+            </a:r>
+            <a:r>
+              <a:rPr lang="pt-BR" dirty="0"/>
+              <a:t> os procedimentos são registrados em código, portando mais transparentes e possíveis de serem replicado. </a:t>
+            </a:r>
+            <a:br>
+              <a:rPr lang="pt-BR" dirty="0"/>
+            </a:br>
+            <a:r>
+              <a:rPr lang="pt-BR" dirty="0"/>
+              <a:t>+ Práticas fundamentais e cada vez mais impulsionadas por revistas e instituições acadêmicas.</a:t>
+            </a:r>
+          </a:p>
+        </p:txBody>
+      </p:sp>
+      <p:sp>
+        <p:nvSpPr>
+          <p:cNvPr id="4" name="Título 1">
+            <a:extLst>
+              <a:ext uri="{FF2B5EF4-FFF2-40B4-BE49-F238E27FC236}">
+                <a16:creationId xmlns:a16="http://schemas.microsoft.com/office/drawing/2014/main" id="{7DB20EA2-B5F3-E606-20EA-6FCDAA1EDE78}"/>
               </a:ext>
             </a:extLst>
           </p:cNvPr>
@@ -7138,7 +9949,7 @@
         </p:nvSpPr>
         <p:spPr>
           <a:xfrm>
-            <a:off x="0" y="2374928"/>
+            <a:off x="0" y="2419751"/>
             <a:ext cx="3433482" cy="1444037"/>
           </a:xfrm>
           <a:prstGeom prst="rect">
@@ -7147,7 +9958,7 @@
         </p:spPr>
         <p:txBody>
           <a:bodyPr vert="horz" lIns="91440" tIns="45720" rIns="91440" bIns="45720" rtlCol="0" anchor="ctr">
-            <a:normAutofit/>
+            <a:normAutofit fontScale="92500" lnSpcReduction="10000"/>
           </a:bodyPr>
           <a:lstStyle>
             <a:lvl1pPr algn="l" defTabSz="914400" rtl="0" eaLnBrk="1" latinLnBrk="0" hangingPunct="1">
@@ -7173,449 +9984,71 @@
             <a:r>
               <a:rPr lang="pt-BR" dirty="0">
                 <a:solidFill>
+                  <a:schemeClr val="accent1">
+                    <a:lumMod val="50000"/>
+                  </a:schemeClr>
+                </a:solidFill>
+              </a:rPr>
+              <a:t>Por quê R?</a:t>
+            </a:r>
+          </a:p>
+          <a:p>
+            <a:pPr algn="ctr"/>
+            <a:endParaRPr lang="pt-BR" dirty="0">
+              <a:solidFill>
+                <a:schemeClr val="accent1">
+                  <a:lumMod val="50000"/>
+                </a:schemeClr>
+              </a:solidFill>
+            </a:endParaRPr>
+          </a:p>
+          <a:p>
+            <a:pPr algn="ctr"/>
+            <a:r>
+              <a:rPr lang="pt-BR" dirty="0">
+                <a:solidFill>
                   <a:schemeClr val="bg1"/>
                 </a:solidFill>
               </a:rPr>
-              <a:t>Vetores</a:t>
-            </a:r>
-          </a:p>
-        </p:txBody>
-      </p:sp>
-      <p:sp>
-        <p:nvSpPr>
-          <p:cNvPr id="4" name="CaixaDeTexto 3">
+              <a:t>Principais razões</a:t>
+            </a:r>
+          </a:p>
+        </p:txBody>
+      </p:sp>
+      <p:sp>
+        <p:nvSpPr>
+          <p:cNvPr id="5" name="Espaço Reservado para Número de Slide 4">
             <a:extLst>
               <a:ext uri="{FF2B5EF4-FFF2-40B4-BE49-F238E27FC236}">
-                <a16:creationId xmlns:a16="http://schemas.microsoft.com/office/drawing/2014/main" id="{2F318230-2653-8AEA-5EF3-E3CD4BBBA172}"/>
+                <a16:creationId xmlns:a16="http://schemas.microsoft.com/office/drawing/2014/main" id="{A1A5C959-1385-77D6-F77C-C8FCE020E60C}"/>
               </a:ext>
             </a:extLst>
           </p:cNvPr>
-          <p:cNvSpPr txBox="1"/>
-          <p:nvPr/>
-        </p:nvSpPr>
-        <p:spPr>
-          <a:xfrm>
-            <a:off x="3989294" y="560111"/>
-            <a:ext cx="3601755" cy="523220"/>
-          </a:xfrm>
-          <a:prstGeom prst="rect">
-            <a:avLst/>
-          </a:prstGeom>
-          <a:noFill/>
-        </p:spPr>
-        <p:txBody>
-          <a:bodyPr wrap="none" rtlCol="0">
-            <a:spAutoFit/>
-          </a:bodyPr>
-          <a:lstStyle/>
-          <a:p>
-            <a:r>
-              <a:rPr lang="pt-BR" sz="2800" dirty="0"/>
-              <a:t>idade = { 22, 31, 13, 14 } </a:t>
-            </a:r>
-          </a:p>
-        </p:txBody>
-      </p:sp>
-      <p:sp>
-        <p:nvSpPr>
-          <p:cNvPr id="7" name="CaixaDeTexto 6">
-            <a:extLst>
-              <a:ext uri="{FF2B5EF4-FFF2-40B4-BE49-F238E27FC236}">
-                <a16:creationId xmlns:a16="http://schemas.microsoft.com/office/drawing/2014/main" id="{C175EDD4-8081-A968-7D28-95E2A01E388A}"/>
-              </a:ext>
-            </a:extLst>
-          </p:cNvPr>
-          <p:cNvSpPr txBox="1"/>
-          <p:nvPr/>
-        </p:nvSpPr>
-        <p:spPr>
-          <a:xfrm>
-            <a:off x="4085223" y="2495922"/>
-            <a:ext cx="1122600" cy="584775"/>
-          </a:xfrm>
-          <a:prstGeom prst="rect">
-            <a:avLst/>
-          </a:prstGeom>
-          <a:noFill/>
-        </p:spPr>
-        <p:txBody>
-          <a:bodyPr wrap="square" rtlCol="0">
-            <a:spAutoFit/>
-          </a:bodyPr>
-          <a:lstStyle/>
-          <a:p>
-            <a:r>
-              <a:rPr lang="pt-BR" sz="3200" dirty="0"/>
-              <a:t>idade</a:t>
-            </a:r>
-          </a:p>
-        </p:txBody>
-      </p:sp>
-      <p:sp>
-        <p:nvSpPr>
-          <p:cNvPr id="8" name="CaixaDeTexto 7">
-            <a:extLst>
-              <a:ext uri="{FF2B5EF4-FFF2-40B4-BE49-F238E27FC236}">
-                <a16:creationId xmlns:a16="http://schemas.microsoft.com/office/drawing/2014/main" id="{4683FD11-5251-A7D4-02C5-E57EEDA2DD8F}"/>
-              </a:ext>
-            </a:extLst>
-          </p:cNvPr>
-          <p:cNvSpPr txBox="1"/>
-          <p:nvPr/>
-        </p:nvSpPr>
-        <p:spPr>
-          <a:xfrm>
-            <a:off x="3860102" y="3080697"/>
-            <a:ext cx="1572841" cy="1569660"/>
-          </a:xfrm>
-          <a:prstGeom prst="rect">
-            <a:avLst/>
-          </a:prstGeom>
-          <a:noFill/>
-          <a:ln>
-            <a:solidFill>
-              <a:srgbClr val="FF0000"/>
-            </a:solidFill>
-          </a:ln>
-        </p:spPr>
-        <p:txBody>
-          <a:bodyPr wrap="square" rtlCol="0">
-            <a:spAutoFit/>
-          </a:bodyPr>
-          <a:lstStyle/>
-          <a:p>
-            <a:pPr algn="ctr"/>
-            <a:r>
-              <a:rPr lang="pt-BR" sz="2400" dirty="0"/>
-              <a:t>22</a:t>
-            </a:r>
-          </a:p>
-          <a:p>
-            <a:pPr algn="ctr"/>
-            <a:r>
-              <a:rPr lang="pt-BR" sz="2400" dirty="0"/>
-              <a:t>31</a:t>
-            </a:r>
-          </a:p>
-          <a:p>
-            <a:pPr algn="ctr"/>
-            <a:r>
-              <a:rPr lang="pt-BR" sz="2400" dirty="0"/>
-              <a:t>13</a:t>
-            </a:r>
-          </a:p>
-          <a:p>
-            <a:pPr algn="ctr"/>
-            <a:r>
-              <a:rPr lang="pt-BR" sz="2400" dirty="0"/>
-              <a:t>14</a:t>
-            </a:r>
-          </a:p>
-        </p:txBody>
-      </p:sp>
-      <p:sp>
-        <p:nvSpPr>
-          <p:cNvPr id="2" name="CaixaDeTexto 1">
-            <a:extLst>
-              <a:ext uri="{FF2B5EF4-FFF2-40B4-BE49-F238E27FC236}">
-                <a16:creationId xmlns:a16="http://schemas.microsoft.com/office/drawing/2014/main" id="{0E67C481-E876-9835-8AAA-3134633362C8}"/>
-              </a:ext>
-            </a:extLst>
-          </p:cNvPr>
-          <p:cNvSpPr txBox="1"/>
-          <p:nvPr/>
-        </p:nvSpPr>
-        <p:spPr>
-          <a:xfrm>
-            <a:off x="3989294" y="1495445"/>
-            <a:ext cx="6992620" cy="523220"/>
-          </a:xfrm>
-          <a:prstGeom prst="rect">
-            <a:avLst/>
-          </a:prstGeom>
-          <a:noFill/>
-        </p:spPr>
-        <p:txBody>
-          <a:bodyPr wrap="none" rtlCol="0">
-            <a:spAutoFit/>
-          </a:bodyPr>
-          <a:lstStyle/>
-          <a:p>
-            <a:r>
-              <a:rPr lang="pt-BR" sz="2800" dirty="0"/>
-              <a:t>raça = { “branca”, “parta”, “preta”, “indígena”} </a:t>
-            </a:r>
-          </a:p>
-        </p:txBody>
-      </p:sp>
-      <p:sp>
-        <p:nvSpPr>
-          <p:cNvPr id="3" name="CaixaDeTexto 2">
-            <a:extLst>
-              <a:ext uri="{FF2B5EF4-FFF2-40B4-BE49-F238E27FC236}">
-                <a16:creationId xmlns:a16="http://schemas.microsoft.com/office/drawing/2014/main" id="{CB30641D-07EA-6B06-2009-6A338BC73757}"/>
-              </a:ext>
-            </a:extLst>
-          </p:cNvPr>
-          <p:cNvSpPr txBox="1"/>
-          <p:nvPr/>
-        </p:nvSpPr>
-        <p:spPr>
-          <a:xfrm>
-            <a:off x="8407732" y="2489024"/>
-            <a:ext cx="1122600" cy="584775"/>
-          </a:xfrm>
-          <a:prstGeom prst="rect">
-            <a:avLst/>
-          </a:prstGeom>
-          <a:noFill/>
-        </p:spPr>
-        <p:txBody>
-          <a:bodyPr wrap="square" rtlCol="0">
-            <a:spAutoFit/>
-          </a:bodyPr>
-          <a:lstStyle/>
-          <a:p>
-            <a:r>
-              <a:rPr lang="pt-BR" sz="3200" dirty="0"/>
-              <a:t>raça</a:t>
-            </a:r>
-          </a:p>
-        </p:txBody>
-      </p:sp>
-      <p:sp>
-        <p:nvSpPr>
-          <p:cNvPr id="5" name="CaixaDeTexto 4">
-            <a:extLst>
-              <a:ext uri="{FF2B5EF4-FFF2-40B4-BE49-F238E27FC236}">
-                <a16:creationId xmlns:a16="http://schemas.microsoft.com/office/drawing/2014/main" id="{A7BD8188-D562-7536-7748-5DFC6B0DFA86}"/>
-              </a:ext>
-            </a:extLst>
-          </p:cNvPr>
-          <p:cNvSpPr txBox="1"/>
-          <p:nvPr/>
-        </p:nvSpPr>
-        <p:spPr>
-          <a:xfrm>
-            <a:off x="8123330" y="3077248"/>
-            <a:ext cx="1572841" cy="1569660"/>
-          </a:xfrm>
-          <a:prstGeom prst="rect">
-            <a:avLst/>
-          </a:prstGeom>
-          <a:noFill/>
-          <a:ln>
-            <a:solidFill>
-              <a:srgbClr val="FF0000"/>
-            </a:solidFill>
-          </a:ln>
-        </p:spPr>
-        <p:txBody>
-          <a:bodyPr wrap="square" rtlCol="0">
-            <a:spAutoFit/>
-          </a:bodyPr>
-          <a:lstStyle/>
-          <a:p>
-            <a:pPr algn="ctr"/>
-            <a:r>
-              <a:rPr lang="pt-BR" sz="2400" dirty="0"/>
-              <a:t>branca</a:t>
-            </a:r>
-          </a:p>
-          <a:p>
-            <a:pPr algn="ctr"/>
-            <a:r>
-              <a:rPr lang="pt-BR" sz="2400" dirty="0"/>
-              <a:t>parda</a:t>
-            </a:r>
-          </a:p>
-          <a:p>
-            <a:pPr algn="ctr"/>
-            <a:r>
-              <a:rPr lang="pt-BR" sz="2400" dirty="0"/>
-              <a:t>preta</a:t>
-            </a:r>
-          </a:p>
-          <a:p>
-            <a:pPr algn="ctr"/>
-            <a:r>
-              <a:rPr lang="pt-BR" sz="2400" dirty="0"/>
-              <a:t>indígena</a:t>
-            </a:r>
-          </a:p>
-        </p:txBody>
-      </p:sp>
-      <p:sp>
-        <p:nvSpPr>
-          <p:cNvPr id="9" name="CaixaDeTexto 8">
-            <a:extLst>
-              <a:ext uri="{FF2B5EF4-FFF2-40B4-BE49-F238E27FC236}">
-                <a16:creationId xmlns:a16="http://schemas.microsoft.com/office/drawing/2014/main" id="{272079BA-DA3D-A4D0-F72B-6983D7EBF00C}"/>
-              </a:ext>
-            </a:extLst>
-          </p:cNvPr>
-          <p:cNvSpPr txBox="1"/>
-          <p:nvPr/>
-        </p:nvSpPr>
-        <p:spPr>
-          <a:xfrm>
-            <a:off x="3989294" y="1016122"/>
-            <a:ext cx="5152629" cy="523220"/>
-          </a:xfrm>
-          <a:prstGeom prst="rect">
-            <a:avLst/>
-          </a:prstGeom>
-          <a:noFill/>
-        </p:spPr>
-        <p:txBody>
-          <a:bodyPr wrap="none" rtlCol="0">
-            <a:spAutoFit/>
-          </a:bodyPr>
-          <a:lstStyle/>
-          <a:p>
-            <a:r>
-              <a:rPr lang="pt-BR" sz="2800" dirty="0"/>
-              <a:t>renda = { 2500, 2200, 2000, 1200 } </a:t>
-            </a:r>
-          </a:p>
-        </p:txBody>
-      </p:sp>
-      <p:sp>
-        <p:nvSpPr>
-          <p:cNvPr id="12" name="CaixaDeTexto 11">
-            <a:extLst>
-              <a:ext uri="{FF2B5EF4-FFF2-40B4-BE49-F238E27FC236}">
-                <a16:creationId xmlns:a16="http://schemas.microsoft.com/office/drawing/2014/main" id="{E77F2506-0A62-9403-59D8-F51BD39566C0}"/>
-              </a:ext>
-            </a:extLst>
-          </p:cNvPr>
-          <p:cNvSpPr txBox="1"/>
-          <p:nvPr/>
-        </p:nvSpPr>
-        <p:spPr>
-          <a:xfrm>
-            <a:off x="6136138" y="2492473"/>
-            <a:ext cx="1283997" cy="584775"/>
-          </a:xfrm>
-          <a:prstGeom prst="rect">
-            <a:avLst/>
-          </a:prstGeom>
-          <a:noFill/>
-        </p:spPr>
-        <p:txBody>
-          <a:bodyPr wrap="square" rtlCol="0">
-            <a:spAutoFit/>
-          </a:bodyPr>
-          <a:lstStyle/>
-          <a:p>
-            <a:r>
-              <a:rPr lang="pt-BR" sz="3200" dirty="0"/>
-              <a:t>renda</a:t>
-            </a:r>
-          </a:p>
-        </p:txBody>
-      </p:sp>
-      <p:sp>
-        <p:nvSpPr>
-          <p:cNvPr id="15" name="CaixaDeTexto 14">
-            <a:extLst>
-              <a:ext uri="{FF2B5EF4-FFF2-40B4-BE49-F238E27FC236}">
-                <a16:creationId xmlns:a16="http://schemas.microsoft.com/office/drawing/2014/main" id="{33F0C0EC-D7BD-C2ED-3408-58200EF7A617}"/>
-              </a:ext>
-            </a:extLst>
-          </p:cNvPr>
-          <p:cNvSpPr txBox="1"/>
-          <p:nvPr/>
-        </p:nvSpPr>
-        <p:spPr>
-          <a:xfrm>
-            <a:off x="5911018" y="3077248"/>
-            <a:ext cx="1572841" cy="1569660"/>
-          </a:xfrm>
-          <a:prstGeom prst="rect">
-            <a:avLst/>
-          </a:prstGeom>
-          <a:noFill/>
-          <a:ln>
-            <a:solidFill>
-              <a:srgbClr val="FF0000"/>
-            </a:solidFill>
-          </a:ln>
-        </p:spPr>
-        <p:txBody>
-          <a:bodyPr wrap="square" rtlCol="0">
-            <a:spAutoFit/>
-          </a:bodyPr>
-          <a:lstStyle/>
-          <a:p>
-            <a:pPr algn="ctr"/>
-            <a:r>
-              <a:rPr lang="pt-BR" sz="2400" dirty="0"/>
-              <a:t>2500</a:t>
-            </a:r>
-          </a:p>
-          <a:p>
-            <a:pPr algn="ctr"/>
-            <a:r>
-              <a:rPr lang="pt-BR" sz="2400" dirty="0"/>
-              <a:t>2200</a:t>
-            </a:r>
-          </a:p>
-          <a:p>
-            <a:pPr algn="ctr"/>
-            <a:r>
-              <a:rPr lang="pt-BR" sz="2400" dirty="0"/>
-              <a:t>2000</a:t>
-            </a:r>
-          </a:p>
-          <a:p>
-            <a:pPr algn="ctr"/>
-            <a:r>
-              <a:rPr lang="pt-BR" sz="2400" dirty="0"/>
-              <a:t>1200</a:t>
-            </a:r>
-          </a:p>
-        </p:txBody>
-      </p:sp>
-      <p:sp>
-        <p:nvSpPr>
-          <p:cNvPr id="16" name="CaixaDeTexto 15">
-            <a:extLst>
-              <a:ext uri="{FF2B5EF4-FFF2-40B4-BE49-F238E27FC236}">
-                <a16:creationId xmlns:a16="http://schemas.microsoft.com/office/drawing/2014/main" id="{6858815B-4028-84AA-2023-9ADC1D77DC3C}"/>
-              </a:ext>
-            </a:extLst>
-          </p:cNvPr>
-          <p:cNvSpPr txBox="1"/>
-          <p:nvPr/>
-        </p:nvSpPr>
-        <p:spPr>
-          <a:xfrm>
-            <a:off x="3997411" y="5336159"/>
-            <a:ext cx="2138727" cy="369332"/>
-          </a:xfrm>
-          <a:prstGeom prst="rect">
-            <a:avLst/>
-          </a:prstGeom>
-          <a:noFill/>
-        </p:spPr>
-        <p:txBody>
-          <a:bodyPr wrap="none" rtlCol="0">
-            <a:spAutoFit/>
-          </a:bodyPr>
-          <a:lstStyle/>
-          <a:p>
-            <a:r>
-              <a:rPr lang="pt-BR" dirty="0"/>
-              <a:t>O que isso significa?</a:t>
-            </a:r>
+          <p:cNvSpPr>
+            <a:spLocks noGrp="1"/>
+          </p:cNvSpPr>
+          <p:nvPr>
+            <p:ph type="sldNum" sz="quarter" idx="12"/>
+          </p:nvPr>
+        </p:nvSpPr>
+        <p:spPr/>
+        <p:txBody>
+          <a:bodyPr/>
+          <a:lstStyle/>
+          <a:p>
+            <a:fld id="{4FAB73BC-B049-4115-A692-8D63A059BFB8}" type="slidenum">
+              <a:rPr lang="en-US" smtClean="0"/>
+              <a:pPr/>
+              <a:t>9</a:t>
+            </a:fld>
+            <a:endParaRPr lang="en-US" dirty="0"/>
           </a:p>
         </p:txBody>
       </p:sp>
     </p:spTree>
     <p:extLst>
       <p:ext uri="{BB962C8B-B14F-4D97-AF65-F5344CB8AC3E}">
-        <p14:creationId xmlns:p14="http://schemas.microsoft.com/office/powerpoint/2010/main" val="971250386"/>
+        <p14:creationId xmlns:p14="http://schemas.microsoft.com/office/powerpoint/2010/main" val="4018281619"/>
       </p:ext>
     </p:extLst>
   </p:cSld>
@@ -7854,4 +10287,299 @@
     </a:ext>
   </a:extLst>
 </a:theme>
+</file>
+
+<file path=ppt/theme/theme2.xml><?xml version="1.0" encoding="utf-8"?>
+<a:theme xmlns:a="http://schemas.openxmlformats.org/drawingml/2006/main" name="Tema do Office">
+  <a:themeElements>
+    <a:clrScheme name="Office">
+      <a:dk1>
+        <a:sysClr val="windowText" lastClr="000000"/>
+      </a:dk1>
+      <a:lt1>
+        <a:sysClr val="window" lastClr="FFFFFF"/>
+      </a:lt1>
+      <a:dk2>
+        <a:srgbClr val="44546A"/>
+      </a:dk2>
+      <a:lt2>
+        <a:srgbClr val="E7E6E6"/>
+      </a:lt2>
+      <a:accent1>
+        <a:srgbClr val="4472C4"/>
+      </a:accent1>
+      <a:accent2>
+        <a:srgbClr val="ED7D31"/>
+      </a:accent2>
+      <a:accent3>
+        <a:srgbClr val="A5A5A5"/>
+      </a:accent3>
+      <a:accent4>
+        <a:srgbClr val="FFC000"/>
+      </a:accent4>
+      <a:accent5>
+        <a:srgbClr val="5B9BD5"/>
+      </a:accent5>
+      <a:accent6>
+        <a:srgbClr val="70AD47"/>
+      </a:accent6>
+      <a:hlink>
+        <a:srgbClr val="0563C1"/>
+      </a:hlink>
+      <a:folHlink>
+        <a:srgbClr val="954F72"/>
+      </a:folHlink>
+    </a:clrScheme>
+    <a:fontScheme name="Office">
+      <a:majorFont>
+        <a:latin typeface="Calibri Light" panose="020F0302020204030204"/>
+        <a:ea typeface=""/>
+        <a:cs typeface=""/>
+        <a:font script="Jpan" typeface="游ゴシック Light"/>
+        <a:font script="Hang" typeface="맑은 고딕"/>
+        <a:font script="Hans" typeface="等线 Light"/>
+        <a:font script="Hant" typeface="新細明體"/>
+        <a:font script="Arab" typeface="Times New Roman"/>
+        <a:font script="Hebr" typeface="Times New Roman"/>
+        <a:font script="Thai" typeface="Angsana New"/>
+        <a:font script="Ethi" typeface="Nyala"/>
+        <a:font script="Beng" typeface="Vrinda"/>
+        <a:font script="Gujr" typeface="Shruti"/>
+        <a:font script="Khmr" typeface="MoolBoran"/>
+        <a:font script="Knda" typeface="Tunga"/>
+        <a:font script="Guru" typeface="Raavi"/>
+        <a:font script="Cans" typeface="Euphemia"/>
+        <a:font script="Cher" typeface="Plantagenet Cherokee"/>
+        <a:font script="Yiii" typeface="Microsoft Yi Baiti"/>
+        <a:font script="Tibt" typeface="Microsoft Himalaya"/>
+        <a:font script="Thaa" typeface="MV Boli"/>
+        <a:font script="Deva" typeface="Mangal"/>
+        <a:font script="Telu" typeface="Gautami"/>
+        <a:font script="Taml" typeface="Latha"/>
+        <a:font script="Syrc" typeface="Estrangelo Edessa"/>
+        <a:font script="Orya" typeface="Kalinga"/>
+        <a:font script="Mlym" typeface="Kartika"/>
+        <a:font script="Laoo" typeface="DokChampa"/>
+        <a:font script="Sinh" typeface="Iskoola Pota"/>
+        <a:font script="Mong" typeface="Mongolian Baiti"/>
+        <a:font script="Viet" typeface="Times New Roman"/>
+        <a:font script="Uigh" typeface="Microsoft Uighur"/>
+        <a:font script="Geor" typeface="Sylfaen"/>
+        <a:font script="Armn" typeface="Arial"/>
+        <a:font script="Bugi" typeface="Leelawadee UI"/>
+        <a:font script="Bopo" typeface="Microsoft JhengHei"/>
+        <a:font script="Java" typeface="Javanese Text"/>
+        <a:font script="Lisu" typeface="Segoe UI"/>
+        <a:font script="Mymr" typeface="Myanmar Text"/>
+        <a:font script="Nkoo" typeface="Ebrima"/>
+        <a:font script="Olck" typeface="Nirmala UI"/>
+        <a:font script="Osma" typeface="Ebrima"/>
+        <a:font script="Phag" typeface="Phagspa"/>
+        <a:font script="Syrn" typeface="Estrangelo Edessa"/>
+        <a:font script="Syrj" typeface="Estrangelo Edessa"/>
+        <a:font script="Syre" typeface="Estrangelo Edessa"/>
+        <a:font script="Sora" typeface="Nirmala UI"/>
+        <a:font script="Tale" typeface="Microsoft Tai Le"/>
+        <a:font script="Talu" typeface="Microsoft New Tai Lue"/>
+        <a:font script="Tfng" typeface="Ebrima"/>
+      </a:majorFont>
+      <a:minorFont>
+        <a:latin typeface="Calibri" panose="020F0502020204030204"/>
+        <a:ea typeface=""/>
+        <a:cs typeface=""/>
+        <a:font script="Jpan" typeface="游ゴシック"/>
+        <a:font script="Hang" typeface="맑은 고딕"/>
+        <a:font script="Hans" typeface="等线"/>
+        <a:font script="Hant" typeface="新細明體"/>
+        <a:font script="Arab" typeface="Arial"/>
+        <a:font script="Hebr" typeface="Arial"/>
+        <a:font script="Thai" typeface="Cordia New"/>
+        <a:font script="Ethi" typeface="Nyala"/>
+        <a:font script="Beng" typeface="Vrinda"/>
+        <a:font script="Gujr" typeface="Shruti"/>
+        <a:font script="Khmr" typeface="DaunPenh"/>
+        <a:font script="Knda" typeface="Tunga"/>
+        <a:font script="Guru" typeface="Raavi"/>
+        <a:font script="Cans" typeface="Euphemia"/>
+        <a:font script="Cher" typeface="Plantagenet Cherokee"/>
+        <a:font script="Yiii" typeface="Microsoft Yi Baiti"/>
+        <a:font script="Tibt" typeface="Microsoft Himalaya"/>
+        <a:font script="Thaa" typeface="MV Boli"/>
+        <a:font script="Deva" typeface="Mangal"/>
+        <a:font script="Telu" typeface="Gautami"/>
+        <a:font script="Taml" typeface="Latha"/>
+        <a:font script="Syrc" typeface="Estrangelo Edessa"/>
+        <a:font script="Orya" typeface="Kalinga"/>
+        <a:font script="Mlym" typeface="Kartika"/>
+        <a:font script="Laoo" typeface="DokChampa"/>
+        <a:font script="Sinh" typeface="Iskoola Pota"/>
+        <a:font script="Mong" typeface="Mongolian Baiti"/>
+        <a:font script="Viet" typeface="Arial"/>
+        <a:font script="Uigh" typeface="Microsoft Uighur"/>
+        <a:font script="Geor" typeface="Sylfaen"/>
+        <a:font script="Armn" typeface="Arial"/>
+        <a:font script="Bugi" typeface="Leelawadee UI"/>
+        <a:font script="Bopo" typeface="Microsoft JhengHei"/>
+        <a:font script="Java" typeface="Javanese Text"/>
+        <a:font script="Lisu" typeface="Segoe UI"/>
+        <a:font script="Mymr" typeface="Myanmar Text"/>
+        <a:font script="Nkoo" typeface="Ebrima"/>
+        <a:font script="Olck" typeface="Nirmala UI"/>
+        <a:font script="Osma" typeface="Ebrima"/>
+        <a:font script="Phag" typeface="Phagspa"/>
+        <a:font script="Syrn" typeface="Estrangelo Edessa"/>
+        <a:font script="Syrj" typeface="Estrangelo Edessa"/>
+        <a:font script="Syre" typeface="Estrangelo Edessa"/>
+        <a:font script="Sora" typeface="Nirmala UI"/>
+        <a:font script="Tale" typeface="Microsoft Tai Le"/>
+        <a:font script="Talu" typeface="Microsoft New Tai Lue"/>
+        <a:font script="Tfng" typeface="Ebrima"/>
+      </a:minorFont>
+    </a:fontScheme>
+    <a:fmtScheme name="Office">
+      <a:fillStyleLst>
+        <a:solidFill>
+          <a:schemeClr val="phClr"/>
+        </a:solidFill>
+        <a:gradFill rotWithShape="1">
+          <a:gsLst>
+            <a:gs pos="0">
+              <a:schemeClr val="phClr">
+                <a:lumMod val="110000"/>
+                <a:satMod val="105000"/>
+                <a:tint val="67000"/>
+              </a:schemeClr>
+            </a:gs>
+            <a:gs pos="50000">
+              <a:schemeClr val="phClr">
+                <a:lumMod val="105000"/>
+                <a:satMod val="103000"/>
+                <a:tint val="73000"/>
+              </a:schemeClr>
+            </a:gs>
+            <a:gs pos="100000">
+              <a:schemeClr val="phClr">
+                <a:lumMod val="105000"/>
+                <a:satMod val="109000"/>
+                <a:tint val="81000"/>
+              </a:schemeClr>
+            </a:gs>
+          </a:gsLst>
+          <a:lin ang="5400000" scaled="0"/>
+        </a:gradFill>
+        <a:gradFill rotWithShape="1">
+          <a:gsLst>
+            <a:gs pos="0">
+              <a:schemeClr val="phClr">
+                <a:satMod val="103000"/>
+                <a:lumMod val="102000"/>
+                <a:tint val="94000"/>
+              </a:schemeClr>
+            </a:gs>
+            <a:gs pos="50000">
+              <a:schemeClr val="phClr">
+                <a:satMod val="110000"/>
+                <a:lumMod val="100000"/>
+                <a:shade val="100000"/>
+              </a:schemeClr>
+            </a:gs>
+            <a:gs pos="100000">
+              <a:schemeClr val="phClr">
+                <a:lumMod val="99000"/>
+                <a:satMod val="120000"/>
+                <a:shade val="78000"/>
+              </a:schemeClr>
+            </a:gs>
+          </a:gsLst>
+          <a:lin ang="5400000" scaled="0"/>
+        </a:gradFill>
+      </a:fillStyleLst>
+      <a:lnStyleLst>
+        <a:ln w="6350" cap="flat" cmpd="sng" algn="ctr">
+          <a:solidFill>
+            <a:schemeClr val="phClr"/>
+          </a:solidFill>
+          <a:prstDash val="solid"/>
+          <a:miter lim="800000"/>
+        </a:ln>
+        <a:ln w="12700" cap="flat" cmpd="sng" algn="ctr">
+          <a:solidFill>
+            <a:schemeClr val="phClr"/>
+          </a:solidFill>
+          <a:prstDash val="solid"/>
+          <a:miter lim="800000"/>
+        </a:ln>
+        <a:ln w="19050" cap="flat" cmpd="sng" algn="ctr">
+          <a:solidFill>
+            <a:schemeClr val="phClr"/>
+          </a:solidFill>
+          <a:prstDash val="solid"/>
+          <a:miter lim="800000"/>
+        </a:ln>
+      </a:lnStyleLst>
+      <a:effectStyleLst>
+        <a:effectStyle>
+          <a:effectLst/>
+        </a:effectStyle>
+        <a:effectStyle>
+          <a:effectLst/>
+        </a:effectStyle>
+        <a:effectStyle>
+          <a:effectLst>
+            <a:outerShdw blurRad="57150" dist="19050" dir="5400000" algn="ctr" rotWithShape="0">
+              <a:srgbClr val="000000">
+                <a:alpha val="63000"/>
+              </a:srgbClr>
+            </a:outerShdw>
+          </a:effectLst>
+        </a:effectStyle>
+      </a:effectStyleLst>
+      <a:bgFillStyleLst>
+        <a:solidFill>
+          <a:schemeClr val="phClr"/>
+        </a:solidFill>
+        <a:solidFill>
+          <a:schemeClr val="phClr">
+            <a:tint val="95000"/>
+            <a:satMod val="170000"/>
+          </a:schemeClr>
+        </a:solidFill>
+        <a:gradFill rotWithShape="1">
+          <a:gsLst>
+            <a:gs pos="0">
+              <a:schemeClr val="phClr">
+                <a:tint val="93000"/>
+                <a:satMod val="150000"/>
+                <a:shade val="98000"/>
+                <a:lumMod val="102000"/>
+              </a:schemeClr>
+            </a:gs>
+            <a:gs pos="50000">
+              <a:schemeClr val="phClr">
+                <a:tint val="98000"/>
+                <a:satMod val="130000"/>
+                <a:shade val="90000"/>
+                <a:lumMod val="103000"/>
+              </a:schemeClr>
+            </a:gs>
+            <a:gs pos="100000">
+              <a:schemeClr val="phClr">
+                <a:shade val="63000"/>
+                <a:satMod val="120000"/>
+              </a:schemeClr>
+            </a:gs>
+          </a:gsLst>
+          <a:lin ang="5400000" scaled="0"/>
+        </a:gradFill>
+      </a:bgFillStyleLst>
+    </a:fmtScheme>
+  </a:themeElements>
+  <a:objectDefaults/>
+  <a:extraClrSchemeLst/>
+  <a:extLst>
+    <a:ext uri="{05A4C25C-085E-4340-85A3-A5531E510DB2}">
+      <thm15:themeFamily xmlns:thm15="http://schemas.microsoft.com/office/thememl/2012/main" name="Office Theme" id="{62F939B6-93AF-4DB8-9C6B-D6C7DFDC589F}" vid="{4A3C46E8-61CC-4603-A589-7422A47A8E4A}"/>
+    </a:ext>
+  </a:extLst>
+</a:theme>
 </file>